--- a/other/document/CICD 핵심도.pptx
+++ b/other/document/CICD 핵심도.pptx
@@ -1,16 +1,18 @@
 
 <file path=ppt/presentation.xml><?xml version="1.0" encoding="utf-8"?>
-<p:presentation xmlns:a="http://schemas.openxmlformats.org/drawingml/2006/main" xmlns:r="http://schemas.openxmlformats.org/officeDocument/2006/relationships" xmlns:p="http://schemas.openxmlformats.org/presentationml/2006/main" saveSubsetFonts="1">
+<p:presentation xmlns:a="http://schemas.openxmlformats.org/drawingml/2006/main" xmlns:r="http://schemas.openxmlformats.org/officeDocument/2006/relationships" xmlns:p="http://schemas.openxmlformats.org/presentationml/2006/main" xmlns:p14="http://schemas.microsoft.com/office/powerpoint/2010/main" saveSubsetFonts="1">
   <p:sldMasterIdLst>
-    <p:sldMasterId id="2147483648" r:id="rId1"/>
+    <p:sldMasterId id="2147483674" r:id="rId13"/>
   </p:sldMasterIdLst>
   <p:notesMasterIdLst>
-    <p:notesMasterId r:id="rId5"/>
+    <p:notesMasterId r:id="rId15"/>
   </p:notesMasterIdLst>
   <p:sldIdLst>
-    <p:sldId id="256" r:id="rId2"/>
-    <p:sldId id="257" r:id="rId3"/>
-    <p:sldId id="258" r:id="rId4"/>
+    <p:sldId id="256" r:id="rId17"/>
+    <p:sldId id="257" r:id="rId18"/>
+    <p:sldId id="258" r:id="rId19"/>
+    <p:sldId id="259" r:id="rId20"/>
+    <p:sldId id="260" r:id="rId21"/>
   </p:sldIdLst>
   <p:sldSz cx="12192000" cy="6858000"/>
   <p:notesSz cx="6858000" cy="9144000"/>
@@ -111,13 +113,13 @@
   </p:defaultTextStyle>
   <p:extLst>
     <p:ext uri="{EFAFB233-063F-42B5-8137-9DF3F51BA10A}">
-      <p15:sldGuideLst xmlns="" xmlns:p15="http://schemas.microsoft.com/office/powerpoint/2012/main">
-        <p15:guide id="1" orient="horz" pos="2160">
+      <p15:sldGuideLst xmlns:p15="http://schemas.microsoft.com/office/powerpoint/2012/main">
+        <p15:guide id="1" orient="horz" pos="2159" userDrawn="0">
           <p15:clr>
             <a:srgbClr val="A4A3A4"/>
           </p15:clr>
         </p15:guide>
-        <p15:guide id="2" pos="3840">
+        <p15:guide id="2" pos="3839" userDrawn="0">
           <p15:clr>
             <a:srgbClr val="A4A3A4"/>
           </p15:clr>
@@ -478,7 +480,7 @@
 </p:notesMaster>
 </file>
 
-<file path=ppt/notesSlides/notesSlide1.xml><?xml version="1.0" encoding="utf-8"?>
+<file path=ppt/notesSlides/notesSlide3.xml><?xml version="1.0" encoding="utf-8"?>
 <p:notes xmlns:a="http://schemas.openxmlformats.org/drawingml/2006/main" xmlns:r="http://schemas.openxmlformats.org/officeDocument/2006/relationships" xmlns:p="http://schemas.openxmlformats.org/presentationml/2006/main">
   <p:cSld>
     <p:spTree>
@@ -559,6 +561,272 @@
   <p:clrMapOvr>
     <a:masterClrMapping/>
   </p:clrMapOvr>
+</p:notes>
+</file>
+
+<file path=ppt/notesSlides/notesSlide4.xml><?xml version="1.0" encoding="utf-8"?>
+<p:notes xmlns:a="http://schemas.openxmlformats.org/drawingml/2006/main" xmlns:r="http://schemas.openxmlformats.org/officeDocument/2006/relationships" xmlns:p="http://schemas.openxmlformats.org/presentationml/2006/main">
+  <p:cSld>
+    <p:spTree>
+      <p:nvGrpSpPr>
+        <p:cNvPr id="1" name=""/>
+        <p:cNvGrpSpPr/>
+        <p:nvPr/>
+      </p:nvGrpSpPr>
+      <p:grpSpPr>
+        <a:xfrm>
+          <a:off x="0" y="0"/>
+          <a:ext cx="0" cy="0"/>
+          <a:chOff x="0" y="0"/>
+          <a:chExt cx="0" cy="0"/>
+        </a:xfrm>
+      </p:grpSpPr>
+      <p:sp>
+        <p:nvSpPr>
+          <p:cNvPr id="2" name="슬라이드 이미지 개체 틀 1"/>
+          <p:cNvSpPr>
+            <a:spLocks noChangeAspect="1"/>
+          </p:cNvSpPr>
+          <p:nvPr>
+            <p:ph type="sldImg"/>
+          </p:nvPr>
+        </p:nvSpPr>
+        <p:spPr>
+          <a:xfrm rot="0">
+            <a:off x="381000" y="685800"/>
+            <a:ext cx="6096635" cy="3429635"/>
+          </a:xfrm>
+          <a:prstGeom prst="rect"/>
+          <a:noFill/>
+          <a:ln w="12700" cap="flat" cmpd="sng">
+            <a:solidFill>
+              <a:srgbClr val="000000">
+                <a:alpha val="100000"/>
+              </a:srgbClr>
+            </a:solidFill>
+            <a:prstDash val="solid"/>
+          </a:ln>
+        </p:spPr>
+        <p:txBody>
+          <a:bodyPr wrap="square" lIns="0" tIns="0" rIns="0" bIns="0" vert="horz" anchor="t">
+            <a:noAutofit/>
+          </a:bodyPr>
+          <a:lstStyle/>
+          <a:p>
+            <a:pPr marL="0" indent="0"/>
+          </a:p>
+        </p:txBody>
+      </p:sp>
+      <p:sp>
+        <p:nvSpPr>
+          <p:cNvPr id="3" name="슬라이드 노트 개체 틀 2"/>
+          <p:cNvSpPr txBox="1">
+            <a:spLocks/>
+          </p:cNvSpPr>
+          <p:nvPr>
+            <p:ph type="body" idx="1"/>
+          </p:nvPr>
+        </p:nvSpPr>
+        <p:spPr>
+          <a:xfrm rot="0">
+            <a:off x="685800" y="4343400"/>
+            <a:ext cx="5487035" cy="4115435"/>
+          </a:xfrm>
+          <a:prstGeom prst="rect"/>
+        </p:spPr>
+        <p:txBody>
+          <a:bodyPr wrap="square" lIns="91440" tIns="45720" rIns="91440" bIns="45720" numCol="1" vert="horz" anchor="t">
+            <a:noAutofit/>
+          </a:bodyPr>
+          <a:lstStyle/>
+          <a:p>
+            <a:pPr marL="0" indent="0" latinLnBrk="0">
+              <a:buFontTx/>
+              <a:buNone/>
+            </a:pPr>
+          </a:p>
+        </p:txBody>
+      </p:sp>
+      <p:sp>
+        <p:nvSpPr>
+          <p:cNvPr id="4" name="슬라이드 번호 개체 틀 3"/>
+          <p:cNvSpPr txBox="1">
+            <a:spLocks/>
+          </p:cNvSpPr>
+          <p:nvPr>
+            <p:ph type="sldNum" idx="10"/>
+          </p:nvPr>
+        </p:nvSpPr>
+        <p:spPr>
+          <a:xfrm rot="0">
+            <a:off x="3884930" y="8685530"/>
+            <a:ext cx="2972435" cy="457835"/>
+          </a:xfrm>
+          <a:prstGeom prst="rect"/>
+        </p:spPr>
+        <p:txBody>
+          <a:bodyPr wrap="square" lIns="91440" tIns="45720" rIns="91440" bIns="45720" numCol="1" vert="horz" anchor="b">
+            <a:noAutofit/>
+          </a:bodyPr>
+          <a:lstStyle/>
+          <a:p>
+            <a:pPr marL="0" indent="0" latinLnBrk="0">
+              <a:buFontTx/>
+              <a:buNone/>
+            </a:pPr>
+            <a:fld id="{B9320F77-B9A0-41C5-862A-B4B631284C64}" type="slidenum">
+              <a:rPr lang="ko-KR" altLang="en-US"/>
+              <a:t>3</a:t>
+            </a:fld>
+          </a:p>
+        </p:txBody>
+      </p:sp>
+    </p:spTree>
+  </p:cSld>
+  <p:clrMapOvr>
+    <a:masterClrMapping/>
+  </p:clrMapOvr>
+  <mc:AlternateContent xmlns:mc="http://schemas.openxmlformats.org/markup-compatibility/2006">
+    <mc:Choice xmlns:p14="http://schemas.microsoft.com/office/powerpoint/2010/main" Requires="p14">
+      <p:transition spd="slow" p14:dur="0"/>
+    </mc:Choice>
+    <mc:Fallback>
+      <p:transition spd="slow"/>
+    </mc:Fallback>
+  </mc:AlternateContent>
+</p:notes>
+</file>
+
+<file path=ppt/notesSlides/notesSlide5.xml><?xml version="1.0" encoding="utf-8"?>
+<p:notes xmlns:a="http://schemas.openxmlformats.org/drawingml/2006/main" xmlns:r="http://schemas.openxmlformats.org/officeDocument/2006/relationships" xmlns:p="http://schemas.openxmlformats.org/presentationml/2006/main">
+  <p:cSld>
+    <p:spTree>
+      <p:nvGrpSpPr>
+        <p:cNvPr id="1" name=""/>
+        <p:cNvGrpSpPr/>
+        <p:nvPr/>
+      </p:nvGrpSpPr>
+      <p:grpSpPr>
+        <a:xfrm>
+          <a:off x="0" y="0"/>
+          <a:ext cx="0" cy="0"/>
+          <a:chOff x="0" y="0"/>
+          <a:chExt cx="0" cy="0"/>
+        </a:xfrm>
+      </p:grpSpPr>
+      <p:sp>
+        <p:nvSpPr>
+          <p:cNvPr id="2" name="슬라이드 이미지 개체 틀 1"/>
+          <p:cNvSpPr>
+            <a:spLocks noChangeAspect="1"/>
+          </p:cNvSpPr>
+          <p:nvPr>
+            <p:ph type="sldImg"/>
+          </p:nvPr>
+        </p:nvSpPr>
+        <p:spPr>
+          <a:xfrm rot="0">
+            <a:off x="381000" y="685800"/>
+            <a:ext cx="6096635" cy="3429635"/>
+          </a:xfrm>
+          <a:prstGeom prst="rect"/>
+          <a:noFill/>
+          <a:ln w="12700" cap="flat" cmpd="sng">
+            <a:solidFill>
+              <a:srgbClr val="000000">
+                <a:alpha val="100000"/>
+              </a:srgbClr>
+            </a:solidFill>
+            <a:prstDash val="solid"/>
+          </a:ln>
+        </p:spPr>
+        <p:txBody>
+          <a:bodyPr wrap="square" lIns="0" tIns="0" rIns="0" bIns="0" vert="horz" anchor="t">
+            <a:noAutofit/>
+          </a:bodyPr>
+          <a:lstStyle/>
+          <a:p>
+            <a:pPr marL="0" indent="0"/>
+          </a:p>
+        </p:txBody>
+      </p:sp>
+      <p:sp>
+        <p:nvSpPr>
+          <p:cNvPr id="3" name="슬라이드 노트 개체 틀 2"/>
+          <p:cNvSpPr txBox="1">
+            <a:spLocks/>
+          </p:cNvSpPr>
+          <p:nvPr>
+            <p:ph type="body" idx="1"/>
+          </p:nvPr>
+        </p:nvSpPr>
+        <p:spPr>
+          <a:xfrm rot="0">
+            <a:off x="685800" y="4343400"/>
+            <a:ext cx="5487035" cy="4115435"/>
+          </a:xfrm>
+          <a:prstGeom prst="rect"/>
+        </p:spPr>
+        <p:txBody>
+          <a:bodyPr wrap="square" lIns="91440" tIns="45720" rIns="91440" bIns="45720" numCol="1" vert="horz" anchor="t">
+            <a:noAutofit/>
+          </a:bodyPr>
+          <a:lstStyle/>
+          <a:p>
+            <a:pPr marL="0" indent="0" latinLnBrk="0">
+              <a:buFontTx/>
+              <a:buNone/>
+            </a:pPr>
+          </a:p>
+        </p:txBody>
+      </p:sp>
+      <p:sp>
+        <p:nvSpPr>
+          <p:cNvPr id="4" name="슬라이드 번호 개체 틀 3"/>
+          <p:cNvSpPr txBox="1">
+            <a:spLocks/>
+          </p:cNvSpPr>
+          <p:nvPr>
+            <p:ph type="sldNum" idx="10"/>
+          </p:nvPr>
+        </p:nvSpPr>
+        <p:spPr>
+          <a:xfrm rot="0">
+            <a:off x="3884930" y="8685530"/>
+            <a:ext cx="2972435" cy="457835"/>
+          </a:xfrm>
+          <a:prstGeom prst="rect"/>
+        </p:spPr>
+        <p:txBody>
+          <a:bodyPr wrap="square" lIns="91440" tIns="45720" rIns="91440" bIns="45720" numCol="1" vert="horz" anchor="b">
+            <a:noAutofit/>
+          </a:bodyPr>
+          <a:lstStyle/>
+          <a:p>
+            <a:pPr marL="0" indent="0" latinLnBrk="0">
+              <a:buFontTx/>
+              <a:buNone/>
+            </a:pPr>
+            <a:fld id="{B9320F77-B9A0-41C5-862A-B4B631284C64}" type="slidenum">
+              <a:rPr lang="ko-KR" altLang="en-US"/>
+              <a:t>3</a:t>
+            </a:fld>
+          </a:p>
+        </p:txBody>
+      </p:sp>
+    </p:spTree>
+  </p:cSld>
+  <p:clrMapOvr>
+    <a:masterClrMapping/>
+  </p:clrMapOvr>
+  <mc:AlternateContent xmlns:mc="http://schemas.openxmlformats.org/markup-compatibility/2006">
+    <mc:Choice xmlns:p14="http://schemas.microsoft.com/office/powerpoint/2010/main" Requires="p14">
+      <p:transition spd="slow" p14:dur="0"/>
+    </mc:Choice>
+    <mc:Fallback>
+      <p:transition spd="slow"/>
+    </mc:Fallback>
+  </mc:AlternateContent>
 </p:notes>
 </file>
 
@@ -21584,7 +21852,7 @@
 </file>
 
 <file path=ppt/slides/slide3.xml><?xml version="1.0" encoding="utf-8"?>
-<p:sld xmlns:a="http://schemas.openxmlformats.org/drawingml/2006/main" xmlns:r="http://schemas.openxmlformats.org/officeDocument/2006/relationships" xmlns:p="http://schemas.openxmlformats.org/presentationml/2006/main">
+<p:sld xmlns:a="http://schemas.openxmlformats.org/drawingml/2006/main" xmlns:r="http://schemas.openxmlformats.org/officeDocument/2006/relationships" xmlns:p="http://schemas.openxmlformats.org/presentationml/2006/main" xmlns:p14="http://schemas.microsoft.com/office/powerpoint/2010/main">
   <p:cSld>
     <p:spTree>
       <p:nvGrpSpPr>
@@ -21614,8 +21882,8 @@
         </p:nvSpPr>
         <p:spPr>
           <a:xfrm>
-            <a:off x="8699896" y="2963489"/>
-            <a:ext cx="612380" cy="531269"/>
+            <a:off x="8700135" y="2963545"/>
+            <a:ext cx="612140" cy="531495"/>
           </a:xfrm>
           <a:prstGeom prst="roundRect">
             <a:avLst/>
@@ -21669,8 +21937,8 @@
         </p:nvSpPr>
         <p:spPr>
           <a:xfrm>
-            <a:off x="5363826" y="3131215"/>
-            <a:ext cx="763943" cy="47542"/>
+            <a:off x="5363845" y="3131185"/>
+            <a:ext cx="763905" cy="47625"/>
           </a:xfrm>
           <a:prstGeom prst="rightArrow">
             <a:avLst/>
@@ -21711,7 +21979,7 @@
       </p:sp>
       <p:pic>
         <p:nvPicPr>
-          <p:cNvPr id="1026" name="Picture 2" descr="C:\Users\jae99\Downloads\pngwing.com.png"/>
+          <p:cNvPr id="1026" name="Picture 2"/>
           <p:cNvPicPr>
             <a:picLocks noChangeAspect="1" noChangeArrowheads="1"/>
           </p:cNvPicPr>
@@ -21732,8 +22000,8 @@
         </p:blipFill>
         <p:spPr bwMode="auto">
           <a:xfrm>
-            <a:off x="3806306" y="3030646"/>
-            <a:ext cx="307230" cy="307230"/>
+            <a:off x="3806190" y="3030855"/>
+            <a:ext cx="307340" cy="307340"/>
           </a:xfrm>
           <a:prstGeom prst="rect">
             <a:avLst/>
@@ -21764,8 +22032,8 @@
         </p:nvSpPr>
         <p:spPr>
           <a:xfrm>
-            <a:off x="3679491" y="2759672"/>
-            <a:ext cx="852215" cy="369332"/>
+            <a:off x="3679190" y="2759710"/>
+            <a:ext cx="852170" cy="369570"/>
           </a:xfrm>
           <a:prstGeom prst="rect">
             <a:avLst/>
@@ -21855,8 +22123,8 @@
         </p:blipFill>
         <p:spPr>
           <a:xfrm>
-            <a:off x="3298991" y="2746722"/>
-            <a:ext cx="499823" cy="614461"/>
+            <a:off x="3298825" y="2747010"/>
+            <a:ext cx="499745" cy="614680"/>
           </a:xfrm>
           <a:prstGeom prst="rect">
             <a:avLst/>
@@ -21877,8 +22145,8 @@
         </p:nvSpPr>
         <p:spPr>
           <a:xfrm>
-            <a:off x="3198034" y="3296602"/>
-            <a:ext cx="761888" cy="184666"/>
+            <a:off x="3197860" y="3296285"/>
+            <a:ext cx="762000" cy="184785"/>
           </a:xfrm>
           <a:prstGeom prst="rect">
             <a:avLst/>
@@ -21920,8 +22188,8 @@
         </p:nvSpPr>
         <p:spPr>
           <a:xfrm>
-            <a:off x="4186368" y="3131216"/>
-            <a:ext cx="687258" cy="47540"/>
+            <a:off x="4186555" y="3131185"/>
+            <a:ext cx="687070" cy="47625"/>
           </a:xfrm>
           <a:prstGeom prst="rightArrow">
             <a:avLst/>
@@ -21978,8 +22246,8 @@
         </p:nvSpPr>
         <p:spPr>
           <a:xfrm>
-            <a:off x="4105598" y="2970804"/>
-            <a:ext cx="803942" cy="461665"/>
+            <a:off x="4105910" y="2970530"/>
+            <a:ext cx="803910" cy="461645"/>
           </a:xfrm>
           <a:prstGeom prst="rect">
             <a:avLst/>
@@ -22041,8 +22309,8 @@
         </p:nvSpPr>
         <p:spPr>
           <a:xfrm>
-            <a:off x="5363826" y="2977983"/>
-            <a:ext cx="658353" cy="369332"/>
+            <a:off x="5363845" y="2978150"/>
+            <a:ext cx="658495" cy="369570"/>
           </a:xfrm>
           <a:prstGeom prst="rect">
             <a:avLst/>
@@ -22102,10 +22370,10 @@
         </p:nvGrpSpPr>
         <p:grpSpPr>
           <a:xfrm>
-            <a:off x="4763010" y="2944338"/>
-            <a:ext cx="785216" cy="510253"/>
-            <a:chOff x="2303973" y="1529723"/>
-            <a:chExt cx="785216" cy="510253"/>
+            <a:off x="4763135" y="2944495"/>
+            <a:ext cx="785495" cy="510540"/>
+            <a:chOff x="4763135" y="2944495"/>
+            <a:chExt cx="785495" cy="510540"/>
           </a:xfrm>
         </p:grpSpPr>
         <p:pic>
@@ -22130,8 +22398,8 @@
           </p:blipFill>
           <p:spPr>
             <a:xfrm>
-              <a:off x="2440747" y="1529723"/>
-              <a:ext cx="416419" cy="365167"/>
+              <a:off x="4899660" y="2944495"/>
+              <a:ext cx="416560" cy="365125"/>
             </a:xfrm>
             <a:prstGeom prst="rect">
               <a:avLst/>
@@ -22152,8 +22420,8 @@
           </p:nvSpPr>
           <p:spPr>
             <a:xfrm>
-              <a:off x="2303973" y="1870699"/>
-              <a:ext cx="785216" cy="169277"/>
+              <a:off x="4763135" y="3285490"/>
+              <a:ext cx="785495" cy="169545"/>
             </a:xfrm>
             <a:prstGeom prst="rect">
               <a:avLst/>
@@ -22198,7 +22466,7 @@
       </p:grpSp>
       <p:pic>
         <p:nvPicPr>
-          <p:cNvPr id="6" name="Picture 3" descr="C:\Users\jae99\Downloads\pngwing.com (1).png"/>
+          <p:cNvPr id="6" name="Picture 3"/>
           <p:cNvPicPr>
             <a:picLocks noChangeAspect="1" noChangeArrowheads="1"/>
           </p:cNvPicPr>
@@ -22219,8 +22487,8 @@
         </p:blipFill>
         <p:spPr bwMode="auto">
           <a:xfrm>
-            <a:off x="5350605" y="2983578"/>
-            <a:ext cx="147638" cy="147638"/>
+            <a:off x="5350510" y="2983865"/>
+            <a:ext cx="147955" cy="147955"/>
           </a:xfrm>
           <a:prstGeom prst="rect">
             <a:avLst/>
@@ -22271,8 +22539,8 @@
         </p:blipFill>
         <p:spPr>
           <a:xfrm>
-            <a:off x="4161648" y="2982524"/>
-            <a:ext cx="172783" cy="149746"/>
+            <a:off x="4161790" y="2982595"/>
+            <a:ext cx="172720" cy="149860"/>
           </a:xfrm>
           <a:prstGeom prst="rect">
             <a:avLst/>
@@ -22287,10 +22555,10 @@
         </p:nvGrpSpPr>
         <p:grpSpPr>
           <a:xfrm>
-            <a:off x="5955506" y="2052286"/>
-            <a:ext cx="1035844" cy="1581503"/>
-            <a:chOff x="7750969" y="2052286"/>
-            <a:chExt cx="1035844" cy="1581503"/>
+            <a:off x="5955665" y="2052320"/>
+            <a:ext cx="1035685" cy="1581785"/>
+            <a:chOff x="5955665" y="2052320"/>
+            <a:chExt cx="1035685" cy="1581785"/>
           </a:xfrm>
         </p:grpSpPr>
         <p:sp>
@@ -22307,8 +22575,8 @@
           </p:nvSpPr>
           <p:spPr>
             <a:xfrm>
-              <a:off x="7808117" y="2733592"/>
-              <a:ext cx="907257" cy="842020"/>
+              <a:off x="6012815" y="2733675"/>
+              <a:ext cx="907415" cy="842010"/>
             </a:xfrm>
             <a:prstGeom prst="roundRect">
               <a:avLst/>
@@ -22345,7 +22613,7 @@
         </p:sp>
         <p:pic>
           <p:nvPicPr>
-            <p:cNvPr id="1029" name="Picture 5" descr="C:\Users\jae99\Downloads\pngwing.com (3).png"/>
+            <p:cNvPr id="1029" name="Picture 5"/>
             <p:cNvPicPr>
               <a:picLocks noChangeAspect="1" noChangeArrowheads="1"/>
             </p:cNvPicPr>
@@ -22366,8 +22634,8 @@
           </p:blipFill>
           <p:spPr bwMode="auto">
             <a:xfrm>
-              <a:off x="7974721" y="2505604"/>
-              <a:ext cx="574048" cy="395210"/>
+              <a:off x="6179185" y="2505710"/>
+              <a:ext cx="574040" cy="394970"/>
             </a:xfrm>
             <a:prstGeom prst="rect">
               <a:avLst/>
@@ -22398,8 +22666,8 @@
           </p:nvSpPr>
           <p:spPr>
             <a:xfrm>
-              <a:off x="7750969" y="2376488"/>
-              <a:ext cx="1035844" cy="1257301"/>
+              <a:off x="5955665" y="2376805"/>
+              <a:ext cx="1035685" cy="1257300"/>
             </a:xfrm>
             <a:prstGeom prst="roundRect">
               <a:avLst/>
@@ -22441,7 +22709,7 @@
         </p:sp>
         <p:pic>
           <p:nvPicPr>
-            <p:cNvPr id="1032" name="Picture 8" descr="C:\Users\jae99\OneDrive\Desktop\62449f80-e428-11e9-9244-b860f70d9fc5 (1).png"/>
+            <p:cNvPr id="1032" name="Picture 8"/>
             <p:cNvPicPr>
               <a:picLocks noChangeAspect="1" noChangeArrowheads="1"/>
             </p:cNvPicPr>
@@ -22462,8 +22730,8 @@
           </p:blipFill>
           <p:spPr bwMode="auto">
             <a:xfrm>
-              <a:off x="7858520" y="2052286"/>
-              <a:ext cx="806450" cy="515053"/>
+              <a:off x="6062980" y="2052320"/>
+              <a:ext cx="806450" cy="514985"/>
             </a:xfrm>
             <a:prstGeom prst="rect">
               <a:avLst/>
@@ -22483,7 +22751,7 @@
       </p:grpSp>
       <p:pic>
         <p:nvPicPr>
-          <p:cNvPr id="1033" name="Picture 9" descr="C:\Users\jae99\Downloads\pngwing.com (5).png"/>
+          <p:cNvPr id="1033" name="Picture 9"/>
           <p:cNvPicPr>
             <a:picLocks noChangeAspect="1" noChangeArrowheads="1"/>
           </p:cNvPicPr>
@@ -22504,8 +22772,8 @@
         </p:blipFill>
         <p:spPr bwMode="auto">
           <a:xfrm>
-            <a:off x="6187349" y="2944338"/>
-            <a:ext cx="643865" cy="458345"/>
+            <a:off x="6187440" y="2944495"/>
+            <a:ext cx="643890" cy="458470"/>
           </a:xfrm>
           <a:prstGeom prst="rect">
             <a:avLst/>
@@ -22524,7 +22792,7 @@
       </p:pic>
       <p:sp>
         <p:nvSpPr>
-          <p:cNvPr id="17" name="AutoShape 11" descr="Docker Hub vs. GitLab | GitLab"/>
+          <p:cNvPr id="17" name="AutoShape 11"/>
           <p:cNvSpPr>
             <a:spLocks noChangeAspect="1" noChangeArrowheads="1"/>
           </p:cNvSpPr>
@@ -22532,8 +22800,8 @@
         </p:nvSpPr>
         <p:spPr bwMode="auto">
           <a:xfrm>
-            <a:off x="168275" y="-144463"/>
-            <a:ext cx="304800" cy="304801"/>
+            <a:off x="168275" y="-144780"/>
+            <a:ext cx="304800" cy="304800"/>
           </a:xfrm>
           <a:prstGeom prst="rect">
             <a:avLst/>
@@ -22575,8 +22843,8 @@
         </p:nvSpPr>
         <p:spPr>
           <a:xfrm>
-            <a:off x="6929430" y="2996000"/>
-            <a:ext cx="527057" cy="461665"/>
+            <a:off x="6929120" y="2995930"/>
+            <a:ext cx="527050" cy="461645"/>
           </a:xfrm>
           <a:prstGeom prst="rect">
             <a:avLst/>
@@ -22635,8 +22903,8 @@
         </p:nvCxnSpPr>
         <p:spPr>
           <a:xfrm flipV="1">
-            <a:off x="6831214" y="2628713"/>
-            <a:ext cx="625273" cy="544798"/>
+            <a:off x="6831330" y="2628900"/>
+            <a:ext cx="625475" cy="544830"/>
           </a:xfrm>
           <a:prstGeom prst="bentConnector3">
             <a:avLst>
@@ -22667,7 +22935,7 @@
       </p:cxnSp>
       <p:pic>
         <p:nvPicPr>
-          <p:cNvPr id="1037" name="Picture 13" descr="C:\Users\jae99\Downloads\pngwing.com (6).png"/>
+          <p:cNvPr id="1037" name="Picture 13"/>
           <p:cNvPicPr>
             <a:picLocks noChangeAspect="1" noChangeArrowheads="1"/>
           </p:cNvPicPr>
@@ -22688,8 +22956,8 @@
         </p:blipFill>
         <p:spPr bwMode="auto">
           <a:xfrm>
-            <a:off x="7350911" y="1996016"/>
-            <a:ext cx="509588" cy="509588"/>
+            <a:off x="7350760" y="1995805"/>
+            <a:ext cx="509905" cy="509905"/>
           </a:xfrm>
           <a:prstGeom prst="rect">
             <a:avLst/>
@@ -22720,8 +22988,8 @@
         </p:nvSpPr>
         <p:spPr>
           <a:xfrm>
-            <a:off x="7113896" y="2382493"/>
-            <a:ext cx="916936" cy="246221"/>
+            <a:off x="7113905" y="2382520"/>
+            <a:ext cx="916940" cy="246380"/>
           </a:xfrm>
           <a:prstGeom prst="rect">
             <a:avLst/>
@@ -22787,8 +23055,8 @@
         </p:nvCxnSpPr>
         <p:spPr>
           <a:xfrm rot="16200000" flipH="1">
-            <a:off x="7665831" y="2535246"/>
-            <a:ext cx="544796" cy="731731"/>
+            <a:off x="7665720" y="2535555"/>
+            <a:ext cx="544830" cy="731520"/>
           </a:xfrm>
           <a:prstGeom prst="bentConnector2">
             <a:avLst/>
@@ -22829,8 +23097,8 @@
         </p:nvSpPr>
         <p:spPr>
           <a:xfrm>
-            <a:off x="8473051" y="2733591"/>
-            <a:ext cx="1013850" cy="1576471"/>
+            <a:off x="8472805" y="2733675"/>
+            <a:ext cx="1014095" cy="1576705"/>
           </a:xfrm>
           <a:prstGeom prst="roundRect">
             <a:avLst/>
@@ -22890,8 +23158,8 @@
         </p:nvSpPr>
         <p:spPr>
           <a:xfrm>
-            <a:off x="8189119" y="2376488"/>
-            <a:ext cx="1393031" cy="2076450"/>
+            <a:off x="8188960" y="2376805"/>
+            <a:ext cx="1393190" cy="2076450"/>
           </a:xfrm>
           <a:prstGeom prst="roundRect">
             <a:avLst/>
@@ -22933,7 +23201,7 @@
       </p:sp>
       <p:pic>
         <p:nvPicPr>
-          <p:cNvPr id="296" name="Picture 8" descr="C:\Users\jae99\OneDrive\Desktop\62449f80-e428-11e9-9244-b860f70d9fc5 (1).png"/>
+          <p:cNvPr id="296" name="Picture 8"/>
           <p:cNvPicPr>
             <a:picLocks noChangeAspect="1" noChangeArrowheads="1"/>
           </p:cNvPicPr>
@@ -22954,8 +23222,8 @@
         </p:blipFill>
         <p:spPr bwMode="auto">
           <a:xfrm>
-            <a:off x="8482409" y="2052285"/>
-            <a:ext cx="806450" cy="515053"/>
+            <a:off x="8482330" y="2052320"/>
+            <a:ext cx="806450" cy="514985"/>
           </a:xfrm>
           <a:prstGeom prst="rect">
             <a:avLst/>
@@ -22974,7 +23242,7 @@
       </p:pic>
       <p:pic>
         <p:nvPicPr>
-          <p:cNvPr id="1038" name="Picture 14" descr="C:\Users\jae99\Downloads\SeekPng.com_swarm-png_5256723.png"/>
+          <p:cNvPr id="1038" name="Picture 14"/>
           <p:cNvPicPr>
             <a:picLocks noChangeAspect="1" noChangeArrowheads="1"/>
           </p:cNvPicPr>
@@ -22995,8 +23263,8 @@
         </p:blipFill>
         <p:spPr bwMode="auto">
           <a:xfrm>
-            <a:off x="8304095" y="2959264"/>
-            <a:ext cx="337911" cy="428492"/>
+            <a:off x="8303895" y="2959100"/>
+            <a:ext cx="337820" cy="428625"/>
           </a:xfrm>
           <a:prstGeom prst="rect">
             <a:avLst/>
@@ -23015,7 +23283,7 @@
       </p:pic>
       <p:pic>
         <p:nvPicPr>
-          <p:cNvPr id="294" name="Picture 5" descr="C:\Users\jae99\Downloads\pngwing.com (3).png"/>
+          <p:cNvPr id="294" name="Picture 5"/>
           <p:cNvPicPr>
             <a:picLocks noChangeAspect="1" noChangeArrowheads="1"/>
           </p:cNvPicPr>
@@ -23036,8 +23304,8 @@
         </p:blipFill>
         <p:spPr bwMode="auto">
           <a:xfrm>
-            <a:off x="8719062" y="2735539"/>
-            <a:ext cx="574048" cy="395210"/>
+            <a:off x="8719185" y="2735580"/>
+            <a:ext cx="574040" cy="394970"/>
           </a:xfrm>
           <a:prstGeom prst="rect">
             <a:avLst/>
@@ -23068,8 +23336,8 @@
         </p:nvSpPr>
         <p:spPr>
           <a:xfrm>
-            <a:off x="8699896" y="3715964"/>
-            <a:ext cx="612380" cy="531269"/>
+            <a:off x="8700135" y="3716020"/>
+            <a:ext cx="612140" cy="531495"/>
           </a:xfrm>
           <a:prstGeom prst="roundRect">
             <a:avLst/>
@@ -23111,7 +23379,7 @@
       </p:sp>
       <p:pic>
         <p:nvPicPr>
-          <p:cNvPr id="321" name="Picture 5" descr="C:\Users\jae99\Downloads\pngwing.com (3).png"/>
+          <p:cNvPr id="321" name="Picture 5"/>
           <p:cNvPicPr>
             <a:picLocks noChangeAspect="1" noChangeArrowheads="1"/>
           </p:cNvPicPr>
@@ -23132,8 +23400,8 @@
         </p:blipFill>
         <p:spPr bwMode="auto">
           <a:xfrm>
-            <a:off x="8719062" y="3488380"/>
-            <a:ext cx="574048" cy="395210"/>
+            <a:off x="8719185" y="3488690"/>
+            <a:ext cx="574040" cy="394970"/>
           </a:xfrm>
           <a:prstGeom prst="rect">
             <a:avLst/>
@@ -23152,7 +23420,7 @@
       </p:pic>
       <p:pic>
         <p:nvPicPr>
-          <p:cNvPr id="1040" name="Picture 16" descr="C:\Users\jae99\Downloads\pngaaa.com-2459552.png"/>
+          <p:cNvPr id="1040" name="Picture 16"/>
           <p:cNvPicPr>
             <a:picLocks noChangeAspect="1" noChangeArrowheads="1"/>
           </p:cNvPicPr>
@@ -23173,8 +23441,8 @@
         </p:blipFill>
         <p:spPr bwMode="auto">
           <a:xfrm>
-            <a:off x="8796458" y="3108120"/>
-            <a:ext cx="381155" cy="273766"/>
+            <a:off x="8796655" y="3108325"/>
+            <a:ext cx="381000" cy="273685"/>
           </a:xfrm>
           <a:prstGeom prst="rect">
             <a:avLst/>
@@ -23193,7 +23461,7 @@
       </p:pic>
       <p:pic>
         <p:nvPicPr>
-          <p:cNvPr id="1041" name="Picture 17" descr="C:\Users\jae99\Downloads\pngaaa.com-2969122.png"/>
+          <p:cNvPr id="1041" name="Picture 17"/>
           <p:cNvPicPr>
             <a:picLocks noChangeAspect="1" noChangeArrowheads="1"/>
           </p:cNvPicPr>
@@ -23214,8 +23482,8 @@
         </p:blipFill>
         <p:spPr bwMode="auto">
           <a:xfrm>
-            <a:off x="8864667" y="3815652"/>
-            <a:ext cx="282837" cy="399979"/>
+            <a:off x="8864600" y="3815715"/>
+            <a:ext cx="282575" cy="400050"/>
           </a:xfrm>
           <a:prstGeom prst="rect">
             <a:avLst/>
@@ -23234,52 +23502,6 @@
       </p:pic>
       <p:cxnSp>
         <p:nvCxnSpPr>
-          <p:cNvPr id="325" name="직선 화살표 연결선 324">
-            <a:extLst>
-              <a:ext uri="{FF2B5EF4-FFF2-40B4-BE49-F238E27FC236}">
-                <a16:creationId xmlns="" xmlns:a16="http://schemas.microsoft.com/office/drawing/2014/main" id="{81193249-F0D3-4044-BB58-31FB46A64A41}"/>
-              </a:ext>
-            </a:extLst>
-          </p:cNvPr>
-          <p:cNvCxnSpPr>
-            <a:cxnSpLocks/>
-          </p:cNvCxnSpPr>
-          <p:nvPr/>
-        </p:nvCxnSpPr>
-        <p:spPr>
-          <a:xfrm>
-            <a:off x="6382515" y="2692016"/>
-            <a:ext cx="177505" cy="0"/>
-          </a:xfrm>
-          <a:prstGeom prst="straightConnector1">
-            <a:avLst/>
-          </a:prstGeom>
-          <a:ln>
-            <a:solidFill>
-              <a:schemeClr val="accent6">
-                <a:lumMod val="75000"/>
-              </a:schemeClr>
-            </a:solidFill>
-            <a:tailEnd type="triangle"/>
-          </a:ln>
-        </p:spPr>
-        <p:style>
-          <a:lnRef idx="1">
-            <a:schemeClr val="accent1"/>
-          </a:lnRef>
-          <a:fillRef idx="0">
-            <a:schemeClr val="accent1"/>
-          </a:fillRef>
-          <a:effectRef idx="0">
-            <a:schemeClr val="accent1"/>
-          </a:effectRef>
-          <a:fontRef idx="minor">
-            <a:schemeClr val="tx1"/>
-          </a:fontRef>
-        </p:style>
-      </p:cxnSp>
-      <p:cxnSp>
-        <p:nvCxnSpPr>
           <p:cNvPr id="326" name="직선 화살표 연결선 325">
             <a:extLst>
               <a:ext uri="{FF2B5EF4-FFF2-40B4-BE49-F238E27FC236}">
@@ -23295,8 +23517,8 @@
         </p:nvCxnSpPr>
         <p:spPr>
           <a:xfrm flipV="1">
-            <a:off x="9006086" y="3488380"/>
-            <a:ext cx="0" cy="197605"/>
+            <a:off x="9006205" y="3488690"/>
+            <a:ext cx="0" cy="197485"/>
           </a:xfrm>
           <a:prstGeom prst="straightConnector1">
             <a:avLst/>
@@ -23342,8 +23564,8 @@
         </p:nvCxnSpPr>
         <p:spPr>
           <a:xfrm rot="5400000">
-            <a:off x="5004838" y="1976823"/>
-            <a:ext cx="78585" cy="2930304"/>
+            <a:off x="5005070" y="1976755"/>
+            <a:ext cx="78740" cy="2930525"/>
           </a:xfrm>
           <a:prstGeom prst="bentConnector3">
             <a:avLst>
@@ -23374,7 +23596,7 @@
       </p:cxnSp>
       <p:pic>
         <p:nvPicPr>
-          <p:cNvPr id="1043" name="Picture 19" descr="C:\Users\jae99\OneDrive\Desktop\Slack_RGB.png"/>
+          <p:cNvPr id="1043" name="Picture 19"/>
           <p:cNvPicPr>
             <a:picLocks noChangeAspect="1" noChangeArrowheads="1"/>
           </p:cNvPicPr>
@@ -23395,8 +23617,8 @@
         </p:blipFill>
         <p:spPr bwMode="auto">
           <a:xfrm>
-            <a:off x="3543542" y="3523336"/>
-            <a:ext cx="713712" cy="292622"/>
+            <a:off x="3543300" y="3523615"/>
+            <a:ext cx="713740" cy="292735"/>
           </a:xfrm>
           <a:prstGeom prst="rect">
             <a:avLst/>
@@ -23427,8 +23649,8 @@
         </p:nvSpPr>
         <p:spPr>
           <a:xfrm>
-            <a:off x="5730776" y="3633788"/>
-            <a:ext cx="806161" cy="553998"/>
+            <a:off x="5730875" y="3634105"/>
+            <a:ext cx="806450" cy="553720"/>
           </a:xfrm>
           <a:prstGeom prst="rect">
             <a:avLst/>
@@ -23504,8 +23726,8 @@
         </p:nvSpPr>
         <p:spPr>
           <a:xfrm>
-            <a:off x="3558427" y="3719104"/>
-            <a:ext cx="737350" cy="401321"/>
+            <a:off x="3558540" y="3719195"/>
+            <a:ext cx="737235" cy="643890"/>
           </a:xfrm>
           <a:prstGeom prst="rect">
             <a:avLst/>
@@ -23569,8 +23791,8 @@
         </p:nvSpPr>
         <p:spPr>
           <a:xfrm>
-            <a:off x="7722607" y="2996000"/>
-            <a:ext cx="521839" cy="461665"/>
+            <a:off x="7722870" y="2995930"/>
+            <a:ext cx="521970" cy="461645"/>
           </a:xfrm>
           <a:prstGeom prst="rect">
             <a:avLst/>
@@ -23625,6 +23847,5213 @@
   <p:clrMapOvr>
     <a:masterClrMapping/>
   </p:clrMapOvr>
+  <mc:AlternateContent xmlns:mc="http://schemas.openxmlformats.org/markup-compatibility/2006">
+    <mc:Choice xmlns:p14="http://schemas.microsoft.com/office/powerpoint/2010/main" Requires="p14">
+      <p:transition spd="slow" p14:dur="2000"/>
+    </mc:Choice>
+    <mc:Fallback>
+      <p:transition spd="slow"/>
+    </mc:Fallback>
+  </mc:AlternateContent>
+  <p:timing>
+    <p:tnLst>
+      <p:par>
+        <p:cTn id="1" dur="indefinite" restart="never" nodeType="tmRoot"/>
+      </p:par>
+    </p:tnLst>
+  </p:timing>
+</p:sld>
+</file>
+
+<file path=ppt/slides/slide4.xml><?xml version="1.0" encoding="utf-8"?>
+<p:sld xmlns:a="http://schemas.openxmlformats.org/drawingml/2006/main" xmlns:r="http://schemas.openxmlformats.org/officeDocument/2006/relationships" xmlns:p="http://schemas.openxmlformats.org/presentationml/2006/main">
+  <p:cSld>
+    <p:spTree>
+      <p:nvGrpSpPr>
+        <p:cNvPr id="1" name=""/>
+        <p:cNvGrpSpPr/>
+        <p:nvPr/>
+      </p:nvGrpSpPr>
+      <p:grpSpPr>
+        <a:xfrm>
+          <a:off x="0" y="0"/>
+          <a:ext cx="0" cy="0"/>
+          <a:chOff x="0" y="0"/>
+          <a:chExt cx="0" cy="0"/>
+        </a:xfrm>
+      </p:grpSpPr>
+      <p:sp>
+        <p:nvSpPr>
+          <p:cNvPr id="318" name="Rect 0"/>
+          <p:cNvSpPr>
+            <a:spLocks/>
+          </p:cNvSpPr>
+          <p:nvPr/>
+        </p:nvSpPr>
+        <p:spPr>
+          <a:xfrm rot="0">
+            <a:off x="9086215" y="1492250"/>
+            <a:ext cx="612775" cy="532130"/>
+          </a:xfrm>
+          <a:prstGeom prst="roundRect"/>
+          <a:solidFill>
+            <a:schemeClr val="accent3">
+              <a:lumMod val="20000"/>
+              <a:lumOff val="80000"/>
+            </a:schemeClr>
+          </a:solidFill>
+          <a:ln w="12700" cap="flat" cmpd="sng">
+            <a:solidFill>
+              <a:srgbClr val="2F528F">
+                <a:alpha val="100000"/>
+              </a:srgbClr>
+            </a:solidFill>
+            <a:prstDash val="lgDashDotDot"/>
+          </a:ln>
+        </p:spPr>
+        <p:style>
+          <a:lnRef idx="2">
+            <a:schemeClr val="accent1">
+              <a:shade val="50000"/>
+            </a:schemeClr>
+          </a:lnRef>
+          <a:fillRef idx="1">
+            <a:schemeClr val="accent1"/>
+          </a:fillRef>
+          <a:effectRef idx="0">
+            <a:schemeClr val="accent1"/>
+          </a:effectRef>
+          <a:fontRef idx="minor">
+            <a:schemeClr val="lt1"/>
+          </a:fontRef>
+        </p:style>
+        <p:txBody>
+          <a:bodyPr wrap="square" lIns="91440" tIns="45720" rIns="91440" bIns="45720" numCol="1" vert="horz" anchor="ctr">
+            <a:noAutofit/>
+          </a:bodyPr>
+          <a:lstStyle/>
+          <a:p>
+            <a:pPr marL="0" indent="0" algn="ctr" latinLnBrk="0">
+              <a:buFontTx/>
+              <a:buNone/>
+            </a:pPr>
+            <a:endParaRPr lang="ko-KR" altLang="en-US"/>
+          </a:p>
+        </p:txBody>
+      </p:sp>
+      <p:sp>
+        <p:nvSpPr>
+          <p:cNvPr id="252" name="Rect 0"/>
+          <p:cNvSpPr>
+            <a:spLocks/>
+          </p:cNvSpPr>
+          <p:nvPr/>
+        </p:nvSpPr>
+        <p:spPr>
+          <a:xfrm rot="0">
+            <a:off x="5363845" y="3131185"/>
+            <a:ext cx="764540" cy="48260"/>
+          </a:xfrm>
+          <a:prstGeom prst="rightArrow"/>
+          <a:solidFill>
+            <a:schemeClr val="accent4"/>
+          </a:solidFill>
+          <a:ln w="12700" cap="flat" cmpd="sng">
+            <a:solidFill>
+              <a:schemeClr val="accent4">
+                <a:alpha val="100000"/>
+              </a:schemeClr>
+            </a:solidFill>
+            <a:prstDash val="solid"/>
+          </a:ln>
+        </p:spPr>
+        <p:style>
+          <a:lnRef idx="2">
+            <a:schemeClr val="accent1">
+              <a:shade val="50000"/>
+            </a:schemeClr>
+          </a:lnRef>
+          <a:fillRef idx="1">
+            <a:schemeClr val="accent1"/>
+          </a:fillRef>
+          <a:effectRef idx="0">
+            <a:schemeClr val="accent1"/>
+          </a:effectRef>
+          <a:fontRef idx="minor">
+            <a:schemeClr val="lt1"/>
+          </a:fontRef>
+        </p:style>
+        <p:txBody>
+          <a:bodyPr wrap="square" lIns="91440" tIns="45720" rIns="91440" bIns="45720" numCol="1" vert="horz" anchor="ctr">
+            <a:noAutofit/>
+          </a:bodyPr>
+          <a:lstStyle/>
+          <a:p>
+            <a:pPr marL="0" indent="0" algn="ctr" latinLnBrk="0">
+              <a:buFontTx/>
+              <a:buNone/>
+            </a:pPr>
+            <a:endParaRPr lang="ko-KR" altLang="en-US"/>
+          </a:p>
+        </p:txBody>
+      </p:sp>
+      <p:pic>
+        <p:nvPicPr>
+          <p:cNvPr id="1026" name="Picture " descr="C:/Users/MZC/AppData/Roaming/PolarisOffice/ETemp/2836_7390680/image36.png"/>
+          <p:cNvPicPr>
+            <a:picLocks noChangeAspect="1"/>
+          </p:cNvPicPr>
+          <p:nvPr/>
+        </p:nvPicPr>
+        <p:blipFill rotWithShape="1">
+          <a:blip r:embed="rId2" cstate="hqprint">
+            <a:extLst>
+              <a:ext uri="{28A0092B-C50C-407E-A947-70E740481C1C}">
+                <a14:useLocalDpi xmlns:a14="http://schemas.microsoft.com/office/drawing/2010/main"/>
+              </a:ext>
+            </a:extLst>
+          </a:blip>
+          <a:stretch>
+            <a:fillRect/>
+          </a:stretch>
+        </p:blipFill>
+        <p:spPr bwMode="auto">
+          <a:xfrm rot="0">
+            <a:off x="3806190" y="3030855"/>
+            <a:ext cx="307975" cy="307975"/>
+          </a:xfrm>
+          <a:prstGeom prst="rect"/>
+          <a:noFill/>
+        </p:spPr>
+      </p:pic>
+      <p:sp>
+        <p:nvSpPr>
+          <p:cNvPr id="245" name="Rect 0"/>
+          <p:cNvSpPr txBox="1">
+            <a:spLocks/>
+          </p:cNvSpPr>
+          <p:nvPr/>
+        </p:nvSpPr>
+        <p:spPr>
+          <a:xfrm rot="0">
+            <a:off x="3679190" y="2759710"/>
+            <a:ext cx="852805" cy="370205"/>
+          </a:xfrm>
+          <a:prstGeom prst="rect"/>
+          <a:noFill/>
+        </p:spPr>
+        <p:txBody>
+          <a:bodyPr wrap="square" lIns="91440" tIns="45720" rIns="91440" bIns="45720" numCol="1" vert="horz" anchor="t">
+            <a:spAutoFit/>
+          </a:bodyPr>
+          <a:lstStyle/>
+          <a:p>
+            <a:pPr marL="0" indent="0" latinLnBrk="0">
+              <a:buFontTx/>
+              <a:buNone/>
+            </a:pPr>
+            <a:r>
+              <a:rPr lang="en-US" altLang="ko-KR" sz="600" b="1">
+                <a:latin typeface="Arial" charset="0"/>
+                <a:cs typeface="Arial" charset="0"/>
+              </a:rPr>
+              <a:t>DEVELOP:</a:t>
+            </a:r>
+            <a:endParaRPr lang="ko-KR" altLang="en-US" sz="600" b="1">
+              <a:latin typeface="Arial" charset="0"/>
+              <a:cs typeface="Arial" charset="0"/>
+            </a:endParaRPr>
+          </a:p>
+          <a:p>
+            <a:pPr marL="0" indent="0" latinLnBrk="0">
+              <a:buFontTx/>
+              <a:buNone/>
+            </a:pPr>
+            <a:r>
+              <a:rPr lang="en-US" altLang="ko-KR" sz="600">
+                <a:latin typeface="Arial" charset="0"/>
+                <a:cs typeface="Arial" charset="0"/>
+              </a:rPr>
+              <a:t>Web Application</a:t>
+            </a:r>
+            <a:endParaRPr lang="ko-KR" altLang="en-US" sz="600">
+              <a:latin typeface="Arial" charset="0"/>
+              <a:cs typeface="Arial" charset="0"/>
+            </a:endParaRPr>
+          </a:p>
+          <a:p>
+            <a:pPr marL="0" indent="0" latinLnBrk="0">
+              <a:buFontTx/>
+              <a:buNone/>
+            </a:pPr>
+            <a:endParaRPr lang="ko-KR" altLang="en-US" sz="600" b="1">
+              <a:latin typeface="Arial" charset="0"/>
+              <a:cs typeface="Arial" charset="0"/>
+            </a:endParaRPr>
+          </a:p>
+        </p:txBody>
+      </p:sp>
+      <p:pic>
+        <p:nvPicPr>
+          <p:cNvPr id="246" name="Picture " descr="C:/Users/MZC/AppData/Roaming/PolarisOffice/ETemp/2836_7390680/ImageTmp/image25.png"/>
+          <p:cNvPicPr>
+            <a:picLocks noChangeAspect="1"/>
+          </p:cNvPicPr>
+          <p:nvPr/>
+        </p:nvPicPr>
+        <p:blipFill rotWithShape="1">
+          <a:blip r:embed="rId3" cstate="print">
+            <a:extLst>
+              <a:ext uri="{28A0092B-C50C-407E-A947-70E740481C1C}">
+                <a14:useLocalDpi xmlns:a14="http://schemas.microsoft.com/office/drawing/2010/main" val="0"/>
+              </a:ext>
+              <a:ext uri="{BEBA8EAE-BF5A-486C-A8C5-ECC9F3942E4B}">
+                <a14:imgProps xmlns:a14="http://schemas.microsoft.com/office/drawing/2010/main">
+                  <a14:imgLayer r:embed="rId4"/>
+                </a14:imgProps>
+              </a:ext>
+            </a:extLst>
+          </a:blip>
+          <a:stretch>
+            <a:fillRect/>
+          </a:stretch>
+        </p:blipFill>
+        <p:spPr>
+          <a:xfrm rot="0">
+            <a:off x="3298825" y="2747010"/>
+            <a:ext cx="500380" cy="615315"/>
+          </a:xfrm>
+          <a:prstGeom prst="rect"/>
+          <a:noFill/>
+        </p:spPr>
+      </p:pic>
+      <p:sp>
+        <p:nvSpPr>
+          <p:cNvPr id="247" name="Rect 0"/>
+          <p:cNvSpPr txBox="1">
+            <a:spLocks/>
+          </p:cNvSpPr>
+          <p:nvPr/>
+        </p:nvSpPr>
+        <p:spPr>
+          <a:xfrm rot="0">
+            <a:off x="3197860" y="3296285"/>
+            <a:ext cx="762635" cy="185420"/>
+          </a:xfrm>
+          <a:prstGeom prst="rect"/>
+          <a:noFill/>
+        </p:spPr>
+        <p:txBody>
+          <a:bodyPr wrap="square" lIns="91440" tIns="45720" rIns="91440" bIns="45720" numCol="1" vert="horz" anchor="t">
+            <a:spAutoFit/>
+          </a:bodyPr>
+          <a:lstStyle/>
+          <a:p>
+            <a:pPr marL="0" indent="0" algn="r" latinLnBrk="0">
+              <a:buFontTx/>
+              <a:buNone/>
+            </a:pPr>
+            <a:r>
+              <a:rPr lang="en-US" altLang="ko-KR" sz="600" b="1">
+                <a:latin typeface="Arial" charset="0"/>
+                <a:cs typeface="Arial" charset="0"/>
+              </a:rPr>
+              <a:t>DEVELOPER</a:t>
+            </a:r>
+            <a:endParaRPr lang="ko-KR" altLang="en-US" sz="600" b="1">
+              <a:latin typeface="Arial" charset="0"/>
+              <a:cs typeface="Arial" charset="0"/>
+            </a:endParaRPr>
+          </a:p>
+        </p:txBody>
+      </p:sp>
+      <p:sp>
+        <p:nvSpPr>
+          <p:cNvPr id="248" name="Rect 0"/>
+          <p:cNvSpPr>
+            <a:spLocks/>
+          </p:cNvSpPr>
+          <p:nvPr/>
+        </p:nvSpPr>
+        <p:spPr>
+          <a:xfrm rot="0">
+            <a:off x="4186555" y="3131185"/>
+            <a:ext cx="687705" cy="48260"/>
+          </a:xfrm>
+          <a:prstGeom prst="rightArrow"/>
+          <a:solidFill>
+            <a:schemeClr val="accent3">
+              <a:lumMod val="75000"/>
+            </a:schemeClr>
+          </a:solidFill>
+          <a:ln w="12700" cap="flat" cmpd="sng">
+            <a:solidFill>
+              <a:schemeClr val="accent3">
+                <a:lumMod val="75000"/>
+                <a:alpha val="100000"/>
+              </a:schemeClr>
+            </a:solidFill>
+            <a:prstDash val="solid"/>
+          </a:ln>
+        </p:spPr>
+        <p:style>
+          <a:lnRef idx="2">
+            <a:schemeClr val="accent1">
+              <a:shade val="50000"/>
+            </a:schemeClr>
+          </a:lnRef>
+          <a:fillRef idx="1">
+            <a:schemeClr val="accent1"/>
+          </a:fillRef>
+          <a:effectRef idx="0">
+            <a:schemeClr val="accent1"/>
+          </a:effectRef>
+          <a:fontRef idx="minor">
+            <a:schemeClr val="lt1"/>
+          </a:fontRef>
+        </p:style>
+        <p:txBody>
+          <a:bodyPr wrap="square" lIns="91440" tIns="45720" rIns="91440" bIns="45720" numCol="1" vert="horz" anchor="ctr">
+            <a:noAutofit/>
+          </a:bodyPr>
+          <a:lstStyle/>
+          <a:p>
+            <a:pPr marL="0" indent="0" algn="ctr" latinLnBrk="0">
+              <a:buFontTx/>
+              <a:buNone/>
+            </a:pPr>
+            <a:endParaRPr lang="ko-KR" altLang="en-US"/>
+          </a:p>
+        </p:txBody>
+      </p:sp>
+      <p:sp>
+        <p:nvSpPr>
+          <p:cNvPr id="251" name="Rect 0"/>
+          <p:cNvSpPr txBox="1">
+            <a:spLocks/>
+          </p:cNvSpPr>
+          <p:nvPr/>
+        </p:nvSpPr>
+        <p:spPr>
+          <a:xfrm rot="0">
+            <a:off x="4105910" y="2970530"/>
+            <a:ext cx="804545" cy="462280"/>
+          </a:xfrm>
+          <a:prstGeom prst="rect"/>
+          <a:noFill/>
+        </p:spPr>
+        <p:txBody>
+          <a:bodyPr wrap="square" lIns="91440" tIns="45720" rIns="91440" bIns="45720" numCol="1" vert="horz" anchor="t">
+            <a:spAutoFit/>
+          </a:bodyPr>
+          <a:lstStyle/>
+          <a:p>
+            <a:pPr marL="0" indent="0" latinLnBrk="0">
+              <a:buFontTx/>
+              <a:buNone/>
+            </a:pPr>
+            <a:r>
+              <a:rPr lang="en-US" altLang="ko-KR" sz="600" b="1">
+                <a:latin typeface="Arial" charset="0"/>
+                <a:cs typeface="Arial" charset="0"/>
+              </a:rPr>
+              <a:t>       PUSH:</a:t>
+            </a:r>
+            <a:endParaRPr lang="ko-KR" altLang="en-US" sz="600" b="1">
+              <a:latin typeface="Arial" charset="0"/>
+              <a:cs typeface="Arial" charset="0"/>
+            </a:endParaRPr>
+          </a:p>
+          <a:p>
+            <a:pPr marL="0" indent="0" latinLnBrk="0">
+              <a:buFontTx/>
+              <a:buNone/>
+            </a:pPr>
+            <a:endParaRPr lang="ko-KR" altLang="en-US" sz="600" b="1">
+              <a:latin typeface="Arial" charset="0"/>
+              <a:cs typeface="Arial" charset="0"/>
+            </a:endParaRPr>
+          </a:p>
+          <a:p>
+            <a:pPr marL="0" indent="0" latinLnBrk="0">
+              <a:buFontTx/>
+              <a:buNone/>
+            </a:pPr>
+            <a:r>
+              <a:rPr lang="en-US" altLang="ko-KR" sz="600">
+                <a:latin typeface="Arial" charset="0"/>
+                <a:cs typeface="Arial" charset="0"/>
+              </a:rPr>
+              <a:t>To master branch</a:t>
+            </a:r>
+            <a:endParaRPr lang="ko-KR" altLang="en-US" sz="600">
+              <a:latin typeface="Arial" charset="0"/>
+              <a:cs typeface="Arial" charset="0"/>
+            </a:endParaRPr>
+          </a:p>
+          <a:p>
+            <a:pPr marL="0" indent="0" latinLnBrk="0">
+              <a:buFontTx/>
+              <a:buNone/>
+            </a:pPr>
+            <a:endParaRPr lang="ko-KR" altLang="en-US" sz="600" b="1">
+              <a:latin typeface="Arial" charset="0"/>
+              <a:cs typeface="Arial" charset="0"/>
+            </a:endParaRPr>
+          </a:p>
+        </p:txBody>
+      </p:sp>
+      <p:sp>
+        <p:nvSpPr>
+          <p:cNvPr id="253" name="Rect 0"/>
+          <p:cNvSpPr txBox="1">
+            <a:spLocks/>
+          </p:cNvSpPr>
+          <p:nvPr/>
+        </p:nvSpPr>
+        <p:spPr>
+          <a:xfrm rot="0">
+            <a:off x="5248910" y="2862580"/>
+            <a:ext cx="772160" cy="460375"/>
+          </a:xfrm>
+          <a:prstGeom prst="rect"/>
+          <a:noFill/>
+        </p:spPr>
+        <p:txBody>
+          <a:bodyPr wrap="square" lIns="91440" tIns="45720" rIns="91440" bIns="45720" numCol="1" vert="horz" anchor="t">
+            <a:spAutoFit/>
+          </a:bodyPr>
+          <a:lstStyle/>
+          <a:p>
+            <a:pPr marL="0" indent="0" algn="r" latinLnBrk="0">
+              <a:buFontTx/>
+              <a:buNone/>
+            </a:pPr>
+            <a:r>
+              <a:rPr lang="en-US" altLang="ko-KR" sz="600" b="1">
+                <a:latin typeface="Arial" charset="0"/>
+                <a:cs typeface="Arial" charset="0"/>
+              </a:rPr>
+              <a:t>   WEBHOOK:</a:t>
+            </a:r>
+            <a:endParaRPr lang="ko-KR" altLang="en-US" sz="600" b="1">
+              <a:latin typeface="Arial" charset="0"/>
+              <a:cs typeface="Arial" charset="0"/>
+            </a:endParaRPr>
+          </a:p>
+          <a:p>
+            <a:pPr marL="0" indent="0" algn="l" latinLnBrk="0">
+              <a:buFontTx/>
+              <a:buNone/>
+            </a:pPr>
+            <a:r>
+              <a:rPr lang="en-US" altLang="ko-KR" sz="600" b="1">
+                <a:latin typeface="Arial" charset="0"/>
+                <a:cs typeface="Arial" charset="0"/>
+              </a:rPr>
+              <a:t>master, develop</a:t>
+            </a:r>
+            <a:endParaRPr lang="ko-KR" altLang="en-US" sz="600" b="1">
+              <a:latin typeface="Arial" charset="0"/>
+              <a:cs typeface="Arial" charset="0"/>
+            </a:endParaRPr>
+          </a:p>
+          <a:p>
+            <a:pPr marL="0" indent="0" algn="r" latinLnBrk="0">
+              <a:buFontTx/>
+              <a:buNone/>
+            </a:pPr>
+            <a:endParaRPr lang="ko-KR" altLang="en-US" sz="600" b="1">
+              <a:latin typeface="Arial" charset="0"/>
+              <a:cs typeface="Arial" charset="0"/>
+            </a:endParaRPr>
+          </a:p>
+          <a:p>
+            <a:pPr marL="0" indent="0" algn="r" latinLnBrk="0">
+              <a:buFontTx/>
+              <a:buNone/>
+            </a:pPr>
+            <a:r>
+              <a:rPr lang="en-US" altLang="ko-KR" sz="600">
+                <a:latin typeface="Arial" charset="0"/>
+                <a:cs typeface="Arial" charset="0"/>
+              </a:rPr>
+              <a:t>Pull code</a:t>
+            </a:r>
+            <a:endParaRPr lang="ko-KR" altLang="en-US" sz="600">
+              <a:latin typeface="Arial" charset="0"/>
+              <a:cs typeface="Arial" charset="0"/>
+            </a:endParaRPr>
+          </a:p>
+        </p:txBody>
+      </p:sp>
+      <p:grpSp>
+        <p:nvGrpSpPr>
+          <p:cNvPr id="5" name="Group 5"/>
+          <p:cNvGrpSpPr/>
+          <p:nvPr/>
+        </p:nvGrpSpPr>
+        <p:grpSpPr>
+          <a:xfrm rot="0">
+            <a:off x="4763135" y="2944495"/>
+            <a:ext cx="786130" cy="511175"/>
+            <a:chOff x="4763135" y="2944495"/>
+            <a:chExt cx="786130" cy="511175"/>
+          </a:xfrm>
+        </p:grpSpPr>
+        <p:pic>
+          <p:nvPicPr>
+            <p:cNvPr id="249" name="Picture " descr="C:/Users/MZC/AppData/Roaming/PolarisOffice/ETemp/2836_7390680/image7.png"/>
+            <p:cNvPicPr>
+              <a:picLocks noChangeAspect="1"/>
+            </p:cNvPicPr>
+            <p:nvPr/>
+          </p:nvPicPr>
+          <p:blipFill rotWithShape="1">
+            <a:blip r:embed="rId5" cstate="print">
+              <a:extLst>
+                <a:ext uri="{28A0092B-C50C-407E-A947-70E740481C1C}">
+                  <a14:useLocalDpi xmlns:a14="http://schemas.microsoft.com/office/drawing/2010/main" val="0"/>
+                </a:ext>
+              </a:extLst>
+            </a:blip>
+            <a:stretch>
+              <a:fillRect/>
+            </a:stretch>
+          </p:blipFill>
+          <p:spPr>
+            <a:xfrm rot="0">
+              <a:off x="4899660" y="2944495"/>
+              <a:ext cx="417195" cy="365760"/>
+            </a:xfrm>
+            <a:prstGeom prst="rect"/>
+            <a:noFill/>
+          </p:spPr>
+        </p:pic>
+        <p:sp>
+          <p:nvSpPr>
+            <p:cNvPr id="255" name="Rect 0"/>
+            <p:cNvSpPr txBox="1">
+              <a:spLocks/>
+            </p:cNvSpPr>
+            <p:nvPr/>
+          </p:nvSpPr>
+          <p:spPr>
+            <a:xfrm rot="0">
+              <a:off x="4763135" y="3285490"/>
+              <a:ext cx="786130" cy="170180"/>
+            </a:xfrm>
+            <a:prstGeom prst="rect"/>
+          </p:spPr>
+          <p:txBody>
+            <a:bodyPr wrap="square" lIns="91440" tIns="45720" rIns="91440" bIns="45720" numCol="1" vert="horz" anchor="t">
+              <a:spAutoFit/>
+            </a:bodyPr>
+            <a:lstStyle/>
+            <a:p>
+              <a:pPr marL="0" indent="0" latinLnBrk="0">
+                <a:buFontTx/>
+                <a:buNone/>
+              </a:pPr>
+              <a:r>
+                <a:rPr lang="en-US" altLang="ko-KR" sz="500" b="1">
+                  <a:solidFill>
+                    <a:schemeClr val="accent2"/>
+                  </a:solidFill>
+                  <a:latin typeface="Arial" charset="0"/>
+                  <a:cs typeface="Arial" charset="0"/>
+                </a:rPr>
+                <a:t>spring-cookalone</a:t>
+              </a:r>
+              <a:endParaRPr lang="ko-KR" altLang="en-US" sz="500" b="1">
+                <a:solidFill>
+                  <a:schemeClr val="accent2"/>
+                </a:solidFill>
+                <a:latin typeface="Arial" charset="0"/>
+                <a:cs typeface="Arial" charset="0"/>
+              </a:endParaRPr>
+            </a:p>
+          </p:txBody>
+        </p:sp>
+      </p:grpSp>
+      <p:pic>
+        <p:nvPicPr>
+          <p:cNvPr id="6" name="Picture " descr="C:/Users/MZC/AppData/Roaming/PolarisOffice/ETemp/2836_7390680/image37.png"/>
+          <p:cNvPicPr>
+            <a:picLocks noChangeAspect="1"/>
+          </p:cNvPicPr>
+          <p:nvPr/>
+        </p:nvPicPr>
+        <p:blipFill rotWithShape="1">
+          <a:blip r:embed="rId6" cstate="hqprint">
+            <a:extLst>
+              <a:ext uri="{28A0092B-C50C-407E-A947-70E740481C1C}">
+                <a14:useLocalDpi xmlns:a14="http://schemas.microsoft.com/office/drawing/2010/main"/>
+              </a:ext>
+            </a:extLst>
+          </a:blip>
+          <a:stretch>
+            <a:fillRect/>
+          </a:stretch>
+        </p:blipFill>
+        <p:spPr bwMode="auto">
+          <a:xfrm rot="0">
+            <a:off x="5350510" y="2863215"/>
+            <a:ext cx="148590" cy="148590"/>
+          </a:xfrm>
+          <a:prstGeom prst="rect"/>
+          <a:noFill/>
+        </p:spPr>
+      </p:pic>
+      <p:pic>
+        <p:nvPicPr>
+          <p:cNvPr id="259" name="Picture " descr="C:/Users/MZC/AppData/Roaming/PolarisOffice/ETemp/2836_7390680/ImageTmp/image19.png"/>
+          <p:cNvPicPr>
+            <a:picLocks noChangeAspect="1"/>
+          </p:cNvPicPr>
+          <p:nvPr/>
+        </p:nvPicPr>
+        <p:blipFill rotWithShape="1">
+          <a:blip r:embed="rId7" cstate="print">
+            <a:extLst>
+              <a:ext uri="{28A0092B-C50C-407E-A947-70E740481C1C}">
+                <a14:useLocalDpi xmlns:a14="http://schemas.microsoft.com/office/drawing/2010/main" val="0"/>
+              </a:ext>
+              <a:ext uri="{BEBA8EAE-BF5A-486C-A8C5-ECC9F3942E4B}">
+                <a14:imgProps xmlns:a14="http://schemas.microsoft.com/office/drawing/2010/main">
+                  <a14:imgLayer r:embed="rId8"/>
+                </a14:imgProps>
+              </a:ext>
+            </a:extLst>
+          </a:blip>
+          <a:stretch>
+            <a:fillRect/>
+          </a:stretch>
+        </p:blipFill>
+        <p:spPr>
+          <a:xfrm rot="0">
+            <a:off x="4161790" y="2982595"/>
+            <a:ext cx="173355" cy="150495"/>
+          </a:xfrm>
+          <a:prstGeom prst="rect"/>
+          <a:noFill/>
+        </p:spPr>
+      </p:pic>
+      <p:grpSp>
+        <p:nvGrpSpPr>
+          <p:cNvPr id="34" name="Group 5"/>
+          <p:cNvGrpSpPr/>
+          <p:nvPr/>
+        </p:nvGrpSpPr>
+        <p:grpSpPr>
+          <a:xfrm rot="0">
+            <a:off x="5955665" y="1982470"/>
+            <a:ext cx="1036320" cy="1652270"/>
+            <a:chOff x="5955665" y="1982470"/>
+            <a:chExt cx="1036320" cy="1652270"/>
+          </a:xfrm>
+        </p:grpSpPr>
+        <p:sp>
+          <p:nvSpPr>
+            <p:cNvPr id="261" name="Rect 0"/>
+            <p:cNvSpPr>
+              <a:spLocks/>
+            </p:cNvSpPr>
+            <p:nvPr/>
+          </p:nvSpPr>
+          <p:spPr>
+            <a:xfrm rot="0">
+              <a:off x="6012815" y="2733675"/>
+              <a:ext cx="908050" cy="842645"/>
+            </a:xfrm>
+            <a:prstGeom prst="roundRect"/>
+            <a:noFill/>
+            <a:ln w="12700" cap="flat" cmpd="sng">
+              <a:solidFill>
+                <a:srgbClr val="2F528F">
+                  <a:alpha val="100000"/>
+                </a:srgbClr>
+              </a:solidFill>
+              <a:prstDash val="solid"/>
+            </a:ln>
+          </p:spPr>
+          <p:style>
+            <a:lnRef idx="2">
+              <a:schemeClr val="accent1">
+                <a:shade val="50000"/>
+              </a:schemeClr>
+            </a:lnRef>
+            <a:fillRef idx="1">
+              <a:schemeClr val="accent1"/>
+            </a:fillRef>
+            <a:effectRef idx="0">
+              <a:schemeClr val="accent1"/>
+            </a:effectRef>
+            <a:fontRef idx="minor">
+              <a:schemeClr val="lt1"/>
+            </a:fontRef>
+          </p:style>
+          <p:txBody>
+            <a:bodyPr wrap="square" lIns="91440" tIns="45720" rIns="91440" bIns="45720" numCol="1" vert="horz" anchor="ctr">
+              <a:noAutofit/>
+            </a:bodyPr>
+            <a:lstStyle/>
+            <a:p>
+              <a:pPr marL="0" indent="0" algn="ctr" latinLnBrk="0">
+                <a:buFontTx/>
+                <a:buNone/>
+              </a:pPr>
+              <a:endParaRPr lang="ko-KR" altLang="en-US"/>
+            </a:p>
+          </p:txBody>
+        </p:sp>
+        <p:pic>
+          <p:nvPicPr>
+            <p:cNvPr id="1029" name="Picture " descr="C:/Users/MZC/AppData/Roaming/PolarisOffice/ETemp/2836_7390680/image38.png"/>
+            <p:cNvPicPr>
+              <a:picLocks noChangeAspect="1"/>
+            </p:cNvPicPr>
+            <p:nvPr/>
+          </p:nvPicPr>
+          <p:blipFill rotWithShape="1">
+            <a:blip r:embed="rId9" cstate="hqprint">
+              <a:extLst>
+                <a:ext uri="{28A0092B-C50C-407E-A947-70E740481C1C}">
+                  <a14:useLocalDpi xmlns:a14="http://schemas.microsoft.com/office/drawing/2010/main"/>
+                </a:ext>
+              </a:extLst>
+            </a:blip>
+            <a:stretch>
+              <a:fillRect/>
+            </a:stretch>
+          </p:blipFill>
+          <p:spPr bwMode="auto">
+            <a:xfrm rot="0">
+              <a:off x="6179185" y="2505710"/>
+              <a:ext cx="574675" cy="395605"/>
+            </a:xfrm>
+            <a:prstGeom prst="rect"/>
+            <a:noFill/>
+          </p:spPr>
+        </p:pic>
+        <p:sp>
+          <p:nvSpPr>
+            <p:cNvPr id="263" name="Rect 0"/>
+            <p:cNvSpPr>
+              <a:spLocks/>
+            </p:cNvSpPr>
+            <p:nvPr/>
+          </p:nvSpPr>
+          <p:spPr>
+            <a:xfrm rot="0">
+              <a:off x="5955665" y="2305050"/>
+              <a:ext cx="1036320" cy="1329690"/>
+            </a:xfrm>
+            <a:prstGeom prst="roundRect"/>
+            <a:noFill/>
+            <a:ln w="19050" cap="flat" cmpd="sng">
+              <a:solidFill>
+                <a:schemeClr val="accent2">
+                  <a:lumMod val="75000"/>
+                  <a:alpha val="100000"/>
+                </a:schemeClr>
+              </a:solidFill>
+              <a:prstDash val="solid"/>
+            </a:ln>
+          </p:spPr>
+          <p:style>
+            <a:lnRef idx="2">
+              <a:schemeClr val="accent1">
+                <a:shade val="50000"/>
+              </a:schemeClr>
+            </a:lnRef>
+            <a:fillRef idx="1">
+              <a:schemeClr val="accent1"/>
+            </a:fillRef>
+            <a:effectRef idx="0">
+              <a:schemeClr val="accent1"/>
+            </a:effectRef>
+            <a:fontRef idx="minor">
+              <a:schemeClr val="lt1"/>
+            </a:fontRef>
+          </p:style>
+          <p:txBody>
+            <a:bodyPr wrap="square" lIns="91440" tIns="45720" rIns="91440" bIns="45720" numCol="1" vert="horz" anchor="ctr">
+              <a:noAutofit/>
+            </a:bodyPr>
+            <a:lstStyle/>
+            <a:p>
+              <a:pPr marL="0" indent="0" algn="ctr" latinLnBrk="0">
+                <a:buFontTx/>
+                <a:buNone/>
+              </a:pPr>
+              <a:endParaRPr lang="ko-KR" altLang="en-US"/>
+            </a:p>
+          </p:txBody>
+        </p:sp>
+        <p:pic>
+          <p:nvPicPr>
+            <p:cNvPr id="1032" name="Picture " descr="C:/Users/MZC/AppData/Roaming/PolarisOffice/ETemp/2836_7390680/image39.png"/>
+            <p:cNvPicPr>
+              <a:picLocks noChangeAspect="1"/>
+            </p:cNvPicPr>
+            <p:nvPr/>
+          </p:nvPicPr>
+          <p:blipFill rotWithShape="1">
+            <a:blip r:embed="rId10" cstate="hqprint">
+              <a:extLst>
+                <a:ext uri="{28A0092B-C50C-407E-A947-70E740481C1C}">
+                  <a14:useLocalDpi xmlns:a14="http://schemas.microsoft.com/office/drawing/2010/main"/>
+                </a:ext>
+              </a:extLst>
+            </a:blip>
+            <a:stretch>
+              <a:fillRect/>
+            </a:stretch>
+          </p:blipFill>
+          <p:spPr bwMode="auto">
+            <a:xfrm rot="0">
+              <a:off x="6062980" y="1982470"/>
+              <a:ext cx="807085" cy="515620"/>
+            </a:xfrm>
+            <a:prstGeom prst="rect"/>
+            <a:noFill/>
+          </p:spPr>
+        </p:pic>
+      </p:grpSp>
+      <p:pic>
+        <p:nvPicPr>
+          <p:cNvPr id="1033" name="Picture " descr="C:/Users/MZC/AppData/Roaming/PolarisOffice/ETemp/2836_7390680/image40.png"/>
+          <p:cNvPicPr>
+            <a:picLocks noChangeAspect="1"/>
+          </p:cNvPicPr>
+          <p:nvPr/>
+        </p:nvPicPr>
+        <p:blipFill rotWithShape="1">
+          <a:blip r:embed="rId11" cstate="hqprint">
+            <a:extLst>
+              <a:ext uri="{28A0092B-C50C-407E-A947-70E740481C1C}">
+                <a14:useLocalDpi xmlns:a14="http://schemas.microsoft.com/office/drawing/2010/main"/>
+              </a:ext>
+            </a:extLst>
+          </a:blip>
+          <a:stretch>
+            <a:fillRect/>
+          </a:stretch>
+        </p:blipFill>
+        <p:spPr bwMode="auto">
+          <a:xfrm rot="0">
+            <a:off x="6187440" y="2944495"/>
+            <a:ext cx="644525" cy="459105"/>
+          </a:xfrm>
+          <a:prstGeom prst="rect"/>
+          <a:noFill/>
+        </p:spPr>
+      </p:pic>
+      <p:sp>
+        <p:nvSpPr>
+          <p:cNvPr id="17" name="Rect 0"/>
+          <p:cNvSpPr>
+            <a:spLocks noChangeAspect="1"/>
+          </p:cNvSpPr>
+          <p:nvPr/>
+        </p:nvSpPr>
+        <p:spPr bwMode="auto">
+          <a:xfrm rot="0">
+            <a:off x="168275" y="-144780"/>
+            <a:ext cx="305435" cy="305435"/>
+          </a:xfrm>
+          <a:prstGeom prst="rect"/>
+          <a:noFill/>
+        </p:spPr>
+        <p:txBody>
+          <a:bodyPr wrap="square" lIns="91440" tIns="45720" rIns="91440" bIns="45720" numCol="1" vert="horz" anchor="t">
+            <a:noAutofit/>
+          </a:bodyPr>
+          <a:lstStyle/>
+          <a:p>
+            <a:pPr marL="0" indent="0" latinLnBrk="0">
+              <a:buFontTx/>
+              <a:buNone/>
+            </a:pPr>
+            <a:endParaRPr lang="ko-KR" altLang="en-US"/>
+          </a:p>
+        </p:txBody>
+      </p:sp>
+      <p:sp>
+        <p:nvSpPr>
+          <p:cNvPr id="274" name="Rect 0"/>
+          <p:cNvSpPr txBox="1">
+            <a:spLocks/>
+          </p:cNvSpPr>
+          <p:nvPr/>
+        </p:nvSpPr>
+        <p:spPr>
+          <a:xfrm rot="0">
+            <a:off x="6929120" y="2995930"/>
+            <a:ext cx="527685" cy="462280"/>
+          </a:xfrm>
+          <a:prstGeom prst="rect"/>
+          <a:noFill/>
+        </p:spPr>
+        <p:txBody>
+          <a:bodyPr wrap="square" lIns="91440" tIns="45720" rIns="91440" bIns="45720" numCol="1" vert="horz" anchor="t">
+            <a:spAutoFit/>
+          </a:bodyPr>
+          <a:lstStyle/>
+          <a:p>
+            <a:pPr marL="0" indent="0" latinLnBrk="0">
+              <a:buFontTx/>
+              <a:buNone/>
+            </a:pPr>
+            <a:r>
+              <a:rPr lang="en-US" altLang="ko-KR" sz="600" b="1">
+                <a:latin typeface="Arial" charset="0"/>
+                <a:cs typeface="Arial" charset="0"/>
+              </a:rPr>
+              <a:t>PUSH:</a:t>
+            </a:r>
+            <a:endParaRPr lang="ko-KR" altLang="en-US" sz="600" b="1">
+              <a:latin typeface="Arial" charset="0"/>
+              <a:cs typeface="Arial" charset="0"/>
+            </a:endParaRPr>
+          </a:p>
+          <a:p>
+            <a:pPr marL="0" indent="0" latinLnBrk="0">
+              <a:buFontTx/>
+              <a:buNone/>
+            </a:pPr>
+            <a:endParaRPr lang="ko-KR" altLang="en-US" sz="600" b="1">
+              <a:latin typeface="Arial" charset="0"/>
+              <a:cs typeface="Arial" charset="0"/>
+            </a:endParaRPr>
+          </a:p>
+          <a:p>
+            <a:pPr marL="0" indent="0" latinLnBrk="0">
+              <a:buFontTx/>
+              <a:buNone/>
+            </a:pPr>
+            <a:r>
+              <a:rPr lang="en-US" altLang="ko-KR" sz="600">
+                <a:latin typeface="Arial" charset="0"/>
+                <a:cs typeface="Arial" charset="0"/>
+              </a:rPr>
+              <a:t>Docker image</a:t>
+            </a:r>
+            <a:endParaRPr lang="ko-KR" altLang="en-US" sz="600">
+              <a:latin typeface="Arial" charset="0"/>
+              <a:cs typeface="Arial" charset="0"/>
+            </a:endParaRPr>
+          </a:p>
+        </p:txBody>
+      </p:sp>
+      <p:pic>
+        <p:nvPicPr>
+          <p:cNvPr id="1037" name="Picture " descr="C:/Users/MZC/AppData/Roaming/PolarisOffice/ETemp/2836_7390680/image41.png"/>
+          <p:cNvPicPr>
+            <a:picLocks noChangeAspect="1"/>
+          </p:cNvPicPr>
+          <p:nvPr/>
+        </p:nvPicPr>
+        <p:blipFill rotWithShape="1">
+          <a:blip r:embed="rId12" cstate="hqprint">
+            <a:extLst>
+              <a:ext uri="{28A0092B-C50C-407E-A947-70E740481C1C}">
+                <a14:useLocalDpi xmlns:a14="http://schemas.microsoft.com/office/drawing/2010/main"/>
+              </a:ext>
+            </a:extLst>
+          </a:blip>
+          <a:stretch>
+            <a:fillRect/>
+          </a:stretch>
+        </p:blipFill>
+        <p:spPr bwMode="auto">
+          <a:xfrm rot="0">
+            <a:off x="7350760" y="2828290"/>
+            <a:ext cx="510540" cy="510540"/>
+          </a:xfrm>
+          <a:prstGeom prst="rect"/>
+          <a:noFill/>
+        </p:spPr>
+      </p:pic>
+      <p:sp>
+        <p:nvSpPr>
+          <p:cNvPr id="290" name="Rect 0"/>
+          <p:cNvSpPr txBox="1">
+            <a:spLocks/>
+          </p:cNvSpPr>
+          <p:nvPr/>
+        </p:nvSpPr>
+        <p:spPr>
+          <a:xfrm rot="0">
+            <a:off x="7534910" y="3059430"/>
+            <a:ext cx="917575" cy="247015"/>
+          </a:xfrm>
+          <a:prstGeom prst="rect"/>
+        </p:spPr>
+        <p:txBody>
+          <a:bodyPr wrap="square" lIns="91440" tIns="45720" rIns="91440" bIns="45720" numCol="1" vert="horz" anchor="t">
+            <a:spAutoFit/>
+          </a:bodyPr>
+          <a:lstStyle/>
+          <a:p>
+            <a:pPr marL="0" indent="0" algn="ctr" latinLnBrk="0">
+              <a:buFontTx/>
+              <a:buNone/>
+            </a:pPr>
+            <a:r>
+              <a:rPr lang="en-US" altLang="ko-KR" sz="500" b="1">
+                <a:solidFill>
+                  <a:schemeClr val="accent1">
+                    <a:lumMod val="50000"/>
+                  </a:schemeClr>
+                </a:solidFill>
+                <a:latin typeface="Arial" charset="0"/>
+                <a:cs typeface="Arial" charset="0"/>
+              </a:rPr>
+              <a:t>DOCKER HUB</a:t>
+            </a:r>
+            <a:endParaRPr lang="ko-KR" altLang="en-US" sz="500" b="1">
+              <a:solidFill>
+                <a:schemeClr val="accent1">
+                  <a:lumMod val="50000"/>
+                </a:schemeClr>
+              </a:solidFill>
+              <a:latin typeface="Arial" charset="0"/>
+              <a:cs typeface="Arial" charset="0"/>
+            </a:endParaRPr>
+          </a:p>
+          <a:p>
+            <a:pPr marL="0" indent="0" algn="ctr" latinLnBrk="0">
+              <a:buFontTx/>
+              <a:buNone/>
+            </a:pPr>
+            <a:r>
+              <a:rPr lang="en-US" altLang="ko-KR" sz="500" b="1">
+                <a:solidFill>
+                  <a:schemeClr val="accent2"/>
+                </a:solidFill>
+                <a:latin typeface="Arial" charset="0"/>
+                <a:cs typeface="Arial" charset="0"/>
+              </a:rPr>
+              <a:t>spring-cookalone</a:t>
+            </a:r>
+            <a:endParaRPr lang="ko-KR" altLang="en-US" sz="500" b="1">
+              <a:solidFill>
+                <a:schemeClr val="accent2"/>
+              </a:solidFill>
+              <a:latin typeface="Arial" charset="0"/>
+              <a:cs typeface="Arial" charset="0"/>
+            </a:endParaRPr>
+          </a:p>
+        </p:txBody>
+      </p:sp>
+      <p:sp>
+        <p:nvSpPr>
+          <p:cNvPr id="297" name="Rect 0"/>
+          <p:cNvSpPr>
+            <a:spLocks/>
+          </p:cNvSpPr>
+          <p:nvPr/>
+        </p:nvSpPr>
+        <p:spPr>
+          <a:xfrm rot="5400000" flipH="1" flipV="1">
+            <a:off x="7584440" y="1722755"/>
+            <a:ext cx="1127125" cy="1085215"/>
+          </a:xfrm>
+          <a:prstGeom prst="bentConnector2"/>
+          <a:ln w="28575" cap="flat" cmpd="sng">
+            <a:solidFill>
+              <a:schemeClr val="accent4">
+                <a:alpha val="100000"/>
+              </a:schemeClr>
+            </a:solidFill>
+            <a:prstDash val="solid"/>
+            <a:tailEnd type="triangle" w="med" len="med"/>
+          </a:ln>
+        </p:spPr>
+        <p:style>
+          <a:lnRef idx="3">
+            <a:schemeClr val="accent3"/>
+          </a:lnRef>
+          <a:fillRef idx="0">
+            <a:schemeClr val="accent3"/>
+          </a:fillRef>
+          <a:effectRef idx="2">
+            <a:schemeClr val="accent3"/>
+          </a:effectRef>
+          <a:fontRef idx="minor">
+            <a:schemeClr val="tx1"/>
+          </a:fontRef>
+        </p:style>
+        <p:txBody>
+          <a:bodyPr wrap="square" lIns="0" tIns="0" rIns="0" bIns="0" vert="horz" anchor="t">
+            <a:noAutofit/>
+          </a:bodyPr>
+          <a:lstStyle/>
+          <a:p>
+            <a:pPr>
+              <a:defRPr/>
+            </a:pPr>
+            <a:endParaRPr lang="ko-KR" altLang="en-US"/>
+          </a:p>
+        </p:txBody>
+      </p:sp>
+      <p:sp>
+        <p:nvSpPr>
+          <p:cNvPr id="293" name="Rect 0"/>
+          <p:cNvSpPr>
+            <a:spLocks/>
+          </p:cNvSpPr>
+          <p:nvPr/>
+        </p:nvSpPr>
+        <p:spPr>
+          <a:xfrm rot="0">
+            <a:off x="8858885" y="1262380"/>
+            <a:ext cx="1014730" cy="1577340"/>
+          </a:xfrm>
+          <a:prstGeom prst="roundRect"/>
+          <a:noFill/>
+          <a:ln w="12700" cap="flat" cmpd="sng">
+            <a:solidFill>
+              <a:schemeClr val="accent1">
+                <a:lumMod val="75000"/>
+                <a:alpha val="100000"/>
+              </a:schemeClr>
+            </a:solidFill>
+            <a:prstDash val="solid"/>
+          </a:ln>
+        </p:spPr>
+        <p:style>
+          <a:lnRef idx="2">
+            <a:schemeClr val="accent1">
+              <a:shade val="50000"/>
+            </a:schemeClr>
+          </a:lnRef>
+          <a:fillRef idx="1">
+            <a:schemeClr val="accent1"/>
+          </a:fillRef>
+          <a:effectRef idx="0">
+            <a:schemeClr val="accent1"/>
+          </a:effectRef>
+          <a:fontRef idx="minor">
+            <a:schemeClr val="lt1"/>
+          </a:fontRef>
+        </p:style>
+        <p:txBody>
+          <a:bodyPr wrap="square" lIns="91440" tIns="45720" rIns="91440" bIns="45720" numCol="1" vert="horz" anchor="ctr">
+            <a:noAutofit/>
+          </a:bodyPr>
+          <a:lstStyle/>
+          <a:p>
+            <a:pPr marL="0" indent="0" algn="ctr" latinLnBrk="0">
+              <a:buFontTx/>
+              <a:buNone/>
+            </a:pPr>
+            <a:endParaRPr lang="ko-KR" altLang="en-US">
+              <a:solidFill>
+                <a:schemeClr val="accent1">
+                  <a:lumMod val="75000"/>
+                </a:schemeClr>
+              </a:solidFill>
+            </a:endParaRPr>
+          </a:p>
+        </p:txBody>
+      </p:sp>
+      <p:sp>
+        <p:nvSpPr>
+          <p:cNvPr id="295" name="Rect 0"/>
+          <p:cNvSpPr>
+            <a:spLocks/>
+          </p:cNvSpPr>
+          <p:nvPr/>
+        </p:nvSpPr>
+        <p:spPr>
+          <a:xfrm rot="0">
+            <a:off x="8575040" y="905510"/>
+            <a:ext cx="1393825" cy="2077085"/>
+          </a:xfrm>
+          <a:prstGeom prst="roundRect"/>
+          <a:noFill/>
+          <a:ln w="19050" cap="flat" cmpd="sng">
+            <a:solidFill>
+              <a:schemeClr val="accent2">
+                <a:lumMod val="75000"/>
+                <a:alpha val="100000"/>
+              </a:schemeClr>
+            </a:solidFill>
+            <a:prstDash val="solid"/>
+          </a:ln>
+        </p:spPr>
+        <p:style>
+          <a:lnRef idx="2">
+            <a:schemeClr val="accent1">
+              <a:shade val="50000"/>
+            </a:schemeClr>
+          </a:lnRef>
+          <a:fillRef idx="1">
+            <a:schemeClr val="accent1"/>
+          </a:fillRef>
+          <a:effectRef idx="0">
+            <a:schemeClr val="accent1"/>
+          </a:effectRef>
+          <a:fontRef idx="minor">
+            <a:schemeClr val="lt1"/>
+          </a:fontRef>
+        </p:style>
+        <p:txBody>
+          <a:bodyPr wrap="square" lIns="91440" tIns="45720" rIns="91440" bIns="45720" numCol="1" vert="horz" anchor="ctr">
+            <a:noAutofit/>
+          </a:bodyPr>
+          <a:lstStyle/>
+          <a:p>
+            <a:pPr marL="0" indent="0" algn="ctr" latinLnBrk="0">
+              <a:buFontTx/>
+              <a:buNone/>
+            </a:pPr>
+            <a:endParaRPr lang="ko-KR" altLang="en-US"/>
+          </a:p>
+        </p:txBody>
+      </p:sp>
+      <p:pic>
+        <p:nvPicPr>
+          <p:cNvPr id="296" name="Picture " descr="C:/Users/MZC/AppData/Roaming/PolarisOffice/ETemp/2836_7390680/image39.png"/>
+          <p:cNvPicPr>
+            <a:picLocks noChangeAspect="1"/>
+          </p:cNvPicPr>
+          <p:nvPr/>
+        </p:nvPicPr>
+        <p:blipFill rotWithShape="1">
+          <a:blip r:embed="rId10" cstate="hqprint">
+            <a:extLst>
+              <a:ext uri="{28A0092B-C50C-407E-A947-70E740481C1C}">
+                <a14:useLocalDpi xmlns:a14="http://schemas.microsoft.com/office/drawing/2010/main"/>
+              </a:ext>
+            </a:extLst>
+          </a:blip>
+          <a:stretch>
+            <a:fillRect/>
+          </a:stretch>
+        </p:blipFill>
+        <p:spPr bwMode="auto">
+          <a:xfrm rot="0">
+            <a:off x="8868410" y="581025"/>
+            <a:ext cx="807085" cy="515620"/>
+          </a:xfrm>
+          <a:prstGeom prst="rect"/>
+          <a:noFill/>
+        </p:spPr>
+      </p:pic>
+      <p:pic>
+        <p:nvPicPr>
+          <p:cNvPr id="1038" name="Picture " descr="C:/Users/MZC/AppData/Roaming/PolarisOffice/ETemp/2836_7390680/image42.png"/>
+          <p:cNvPicPr>
+            <a:picLocks noChangeAspect="1"/>
+          </p:cNvPicPr>
+          <p:nvPr/>
+        </p:nvPicPr>
+        <p:blipFill rotWithShape="1">
+          <a:blip r:embed="rId13" cstate="hqprint">
+            <a:extLst>
+              <a:ext uri="{28A0092B-C50C-407E-A947-70E740481C1C}">
+                <a14:useLocalDpi xmlns:a14="http://schemas.microsoft.com/office/drawing/2010/main"/>
+              </a:ext>
+            </a:extLst>
+          </a:blip>
+          <a:stretch>
+            <a:fillRect/>
+          </a:stretch>
+        </p:blipFill>
+        <p:spPr bwMode="auto">
+          <a:xfrm rot="0">
+            <a:off x="8689975" y="1487805"/>
+            <a:ext cx="338455" cy="429260"/>
+          </a:xfrm>
+          <a:prstGeom prst="rect"/>
+          <a:noFill/>
+        </p:spPr>
+      </p:pic>
+      <p:pic>
+        <p:nvPicPr>
+          <p:cNvPr id="294" name="Picture " descr="C:/Users/MZC/AppData/Roaming/PolarisOffice/ETemp/2836_7390680/image38.png"/>
+          <p:cNvPicPr>
+            <a:picLocks noChangeAspect="1"/>
+          </p:cNvPicPr>
+          <p:nvPr/>
+        </p:nvPicPr>
+        <p:blipFill rotWithShape="1">
+          <a:blip r:embed="rId9" cstate="hqprint">
+            <a:extLst>
+              <a:ext uri="{28A0092B-C50C-407E-A947-70E740481C1C}">
+                <a14:useLocalDpi xmlns:a14="http://schemas.microsoft.com/office/drawing/2010/main"/>
+              </a:ext>
+            </a:extLst>
+          </a:blip>
+          <a:stretch>
+            <a:fillRect/>
+          </a:stretch>
+        </p:blipFill>
+        <p:spPr bwMode="auto">
+          <a:xfrm rot="0">
+            <a:off x="9105265" y="1264285"/>
+            <a:ext cx="574675" cy="395605"/>
+          </a:xfrm>
+          <a:prstGeom prst="rect"/>
+          <a:noFill/>
+        </p:spPr>
+      </p:pic>
+      <p:sp>
+        <p:nvSpPr>
+          <p:cNvPr id="320" name="Rect 0"/>
+          <p:cNvSpPr>
+            <a:spLocks/>
+          </p:cNvSpPr>
+          <p:nvPr/>
+        </p:nvSpPr>
+        <p:spPr>
+          <a:xfrm rot="0">
+            <a:off x="9086215" y="2244725"/>
+            <a:ext cx="612775" cy="532130"/>
+          </a:xfrm>
+          <a:prstGeom prst="roundRect"/>
+          <a:solidFill>
+            <a:schemeClr val="accent3">
+              <a:lumMod val="20000"/>
+              <a:lumOff val="80000"/>
+            </a:schemeClr>
+          </a:solidFill>
+          <a:ln w="12700" cap="flat" cmpd="sng">
+            <a:solidFill>
+              <a:srgbClr val="2F528F">
+                <a:alpha val="100000"/>
+              </a:srgbClr>
+            </a:solidFill>
+            <a:prstDash val="lgDashDotDot"/>
+          </a:ln>
+        </p:spPr>
+        <p:style>
+          <a:lnRef idx="2">
+            <a:schemeClr val="accent1">
+              <a:shade val="50000"/>
+            </a:schemeClr>
+          </a:lnRef>
+          <a:fillRef idx="1">
+            <a:schemeClr val="accent1"/>
+          </a:fillRef>
+          <a:effectRef idx="0">
+            <a:schemeClr val="accent1"/>
+          </a:effectRef>
+          <a:fontRef idx="minor">
+            <a:schemeClr val="lt1"/>
+          </a:fontRef>
+        </p:style>
+        <p:txBody>
+          <a:bodyPr wrap="square" lIns="91440" tIns="45720" rIns="91440" bIns="45720" numCol="1" vert="horz" anchor="ctr">
+            <a:noAutofit/>
+          </a:bodyPr>
+          <a:lstStyle/>
+          <a:p>
+            <a:pPr marL="0" indent="0" algn="ctr" latinLnBrk="0">
+              <a:buFontTx/>
+              <a:buNone/>
+            </a:pPr>
+            <a:endParaRPr lang="ko-KR" altLang="en-US"/>
+          </a:p>
+        </p:txBody>
+      </p:sp>
+      <p:pic>
+        <p:nvPicPr>
+          <p:cNvPr id="321" name="Picture " descr="C:/Users/MZC/AppData/Roaming/PolarisOffice/ETemp/2836_7390680/image38.png"/>
+          <p:cNvPicPr>
+            <a:picLocks noChangeAspect="1"/>
+          </p:cNvPicPr>
+          <p:nvPr/>
+        </p:nvPicPr>
+        <p:blipFill rotWithShape="1">
+          <a:blip r:embed="rId9" cstate="hqprint">
+            <a:extLst>
+              <a:ext uri="{28A0092B-C50C-407E-A947-70E740481C1C}">
+                <a14:useLocalDpi xmlns:a14="http://schemas.microsoft.com/office/drawing/2010/main"/>
+              </a:ext>
+            </a:extLst>
+          </a:blip>
+          <a:stretch>
+            <a:fillRect/>
+          </a:stretch>
+        </p:blipFill>
+        <p:spPr bwMode="auto">
+          <a:xfrm rot="0">
+            <a:off x="9105265" y="2017395"/>
+            <a:ext cx="574675" cy="395605"/>
+          </a:xfrm>
+          <a:prstGeom prst="rect"/>
+          <a:noFill/>
+        </p:spPr>
+      </p:pic>
+      <p:pic>
+        <p:nvPicPr>
+          <p:cNvPr id="1040" name="Picture " descr="C:/Users/MZC/AppData/Roaming/PolarisOffice/ETemp/2836_7390680/image43.png"/>
+          <p:cNvPicPr>
+            <a:picLocks noChangeAspect="1"/>
+          </p:cNvPicPr>
+          <p:nvPr/>
+        </p:nvPicPr>
+        <p:blipFill rotWithShape="1">
+          <a:blip r:embed="rId14" cstate="hqprint">
+            <a:extLst>
+              <a:ext uri="{28A0092B-C50C-407E-A947-70E740481C1C}">
+                <a14:useLocalDpi xmlns:a14="http://schemas.microsoft.com/office/drawing/2010/main"/>
+              </a:ext>
+            </a:extLst>
+          </a:blip>
+          <a:stretch>
+            <a:fillRect/>
+          </a:stretch>
+        </p:blipFill>
+        <p:spPr bwMode="auto">
+          <a:xfrm rot="0">
+            <a:off x="9182735" y="1637030"/>
+            <a:ext cx="381635" cy="274320"/>
+          </a:xfrm>
+          <a:prstGeom prst="rect"/>
+          <a:noFill/>
+        </p:spPr>
+      </p:pic>
+      <p:pic>
+        <p:nvPicPr>
+          <p:cNvPr id="1041" name="Picture " descr="C:/Users/MZC/AppData/Roaming/PolarisOffice/ETemp/2836_7390680/image44.png"/>
+          <p:cNvPicPr>
+            <a:picLocks noChangeAspect="1"/>
+          </p:cNvPicPr>
+          <p:nvPr/>
+        </p:nvPicPr>
+        <p:blipFill rotWithShape="1">
+          <a:blip r:embed="rId15" cstate="hqprint">
+            <a:extLst>
+              <a:ext uri="{28A0092B-C50C-407E-A947-70E740481C1C}">
+                <a14:useLocalDpi xmlns:a14="http://schemas.microsoft.com/office/drawing/2010/main"/>
+              </a:ext>
+            </a:extLst>
+          </a:blip>
+          <a:stretch>
+            <a:fillRect/>
+          </a:stretch>
+        </p:blipFill>
+        <p:spPr bwMode="auto">
+          <a:xfrm rot="0">
+            <a:off x="9250680" y="2344420"/>
+            <a:ext cx="283210" cy="400685"/>
+          </a:xfrm>
+          <a:prstGeom prst="rect"/>
+          <a:noFill/>
+        </p:spPr>
+      </p:pic>
+      <p:cxnSp>
+        <p:nvCxnSpPr>
+          <p:cNvPr id="326" name="Rect 0"/>
+          <p:cNvCxnSpPr/>
+          <p:nvPr/>
+        </p:nvCxnSpPr>
+        <p:spPr>
+          <a:xfrm rot="0" flipV="1">
+            <a:off x="9392285" y="2017395"/>
+            <a:ext cx="635" cy="198120"/>
+          </a:xfrm>
+          <a:prstGeom prst="straightConnector1"/>
+          <a:ln w="6350" cap="flat" cmpd="sng">
+            <a:solidFill>
+              <a:schemeClr val="accent1">
+                <a:alpha val="100000"/>
+              </a:schemeClr>
+            </a:solidFill>
+            <a:prstDash val="solid"/>
+          </a:ln>
+        </p:spPr>
+        <p:style>
+          <a:lnRef idx="1">
+            <a:schemeClr val="accent1"/>
+          </a:lnRef>
+          <a:fillRef idx="0">
+            <a:schemeClr val="accent1"/>
+          </a:fillRef>
+          <a:effectRef idx="0">
+            <a:schemeClr val="accent1"/>
+          </a:effectRef>
+          <a:fontRef idx="minor">
+            <a:schemeClr val="tx1"/>
+          </a:fontRef>
+        </p:style>
+      </p:cxnSp>
+      <p:cxnSp>
+        <p:nvCxnSpPr>
+          <p:cNvPr id="331" name="Rect 0"/>
+          <p:cNvCxnSpPr>
+            <a:stCxn id="1033" idx="2"/>
+            <a:endCxn id="247" idx="2"/>
+          </p:cNvCxnSpPr>
+          <p:nvPr/>
+        </p:nvCxnSpPr>
+        <p:spPr>
+          <a:xfrm rot="5400000">
+            <a:off x="5005070" y="1976755"/>
+            <a:ext cx="79375" cy="2931160"/>
+          </a:xfrm>
+          <a:prstGeom prst="bentConnector3">
+            <a:avLst>
+              <a:gd name="adj1" fmla="val 881782"/>
+            </a:avLst>
+          </a:prstGeom>
+          <a:ln w="28575" cap="flat" cmpd="sng">
+            <a:solidFill>
+              <a:schemeClr val="accent4">
+                <a:alpha val="100000"/>
+              </a:schemeClr>
+            </a:solidFill>
+            <a:prstDash val="solid"/>
+            <a:tailEnd type="triangle" w="med" len="med"/>
+          </a:ln>
+        </p:spPr>
+        <p:style>
+          <a:lnRef idx="3">
+            <a:schemeClr val="accent3"/>
+          </a:lnRef>
+          <a:fillRef idx="0">
+            <a:schemeClr val="accent3"/>
+          </a:fillRef>
+          <a:effectRef idx="2">
+            <a:schemeClr val="accent3"/>
+          </a:effectRef>
+          <a:fontRef idx="minor">
+            <a:schemeClr val="tx1"/>
+          </a:fontRef>
+        </p:style>
+      </p:cxnSp>
+      <p:pic>
+        <p:nvPicPr>
+          <p:cNvPr id="1043" name="Picture " descr="C:/Users/MZC/AppData/Roaming/PolarisOffice/ETemp/2836_7390680/image45.png"/>
+          <p:cNvPicPr>
+            <a:picLocks noChangeAspect="1"/>
+          </p:cNvPicPr>
+          <p:nvPr/>
+        </p:nvPicPr>
+        <p:blipFill rotWithShape="1">
+          <a:blip r:embed="rId16" cstate="hqprint">
+            <a:extLst>
+              <a:ext uri="{28A0092B-C50C-407E-A947-70E740481C1C}">
+                <a14:useLocalDpi xmlns:a14="http://schemas.microsoft.com/office/drawing/2010/main"/>
+              </a:ext>
+            </a:extLst>
+          </a:blip>
+          <a:stretch>
+            <a:fillRect/>
+          </a:stretch>
+        </p:blipFill>
+        <p:spPr bwMode="auto">
+          <a:xfrm rot="0">
+            <a:off x="3543300" y="3523615"/>
+            <a:ext cx="714375" cy="293370"/>
+          </a:xfrm>
+          <a:prstGeom prst="rect"/>
+          <a:noFill/>
+        </p:spPr>
+      </p:pic>
+      <p:sp>
+        <p:nvSpPr>
+          <p:cNvPr id="340" name="Rect 0"/>
+          <p:cNvSpPr txBox="1">
+            <a:spLocks/>
+          </p:cNvSpPr>
+          <p:nvPr/>
+        </p:nvSpPr>
+        <p:spPr>
+          <a:xfrm rot="0">
+            <a:off x="5730875" y="3634105"/>
+            <a:ext cx="807085" cy="554355"/>
+          </a:xfrm>
+          <a:prstGeom prst="rect"/>
+          <a:noFill/>
+        </p:spPr>
+        <p:txBody>
+          <a:bodyPr wrap="square" lIns="91440" tIns="45720" rIns="91440" bIns="45720" numCol="1" vert="horz" anchor="t">
+            <a:spAutoFit/>
+          </a:bodyPr>
+          <a:lstStyle/>
+          <a:p>
+            <a:pPr marL="0" indent="0" algn="r" latinLnBrk="0">
+              <a:buFontTx/>
+              <a:buNone/>
+            </a:pPr>
+            <a:r>
+              <a:rPr lang="en-US" altLang="ko-KR" sz="600" b="1">
+                <a:latin typeface="Arial" charset="0"/>
+                <a:cs typeface="Arial" charset="0"/>
+              </a:rPr>
+              <a:t>SEND MSG:</a:t>
+            </a:r>
+            <a:endParaRPr lang="ko-KR" altLang="en-US" sz="600" b="1">
+              <a:latin typeface="Arial" charset="0"/>
+              <a:cs typeface="Arial" charset="0"/>
+            </a:endParaRPr>
+          </a:p>
+          <a:p>
+            <a:pPr marL="0" indent="0" algn="r" latinLnBrk="0">
+              <a:buFontTx/>
+              <a:buNone/>
+            </a:pPr>
+            <a:r>
+              <a:rPr lang="en-US" altLang="ko-KR" sz="600">
+                <a:latin typeface="Arial" charset="0"/>
+                <a:cs typeface="Arial" charset="0"/>
+              </a:rPr>
+              <a:t>To Slack workspace</a:t>
+            </a:r>
+            <a:endParaRPr lang="ko-KR" altLang="en-US" sz="600">
+              <a:latin typeface="Arial" charset="0"/>
+              <a:cs typeface="Arial" charset="0"/>
+            </a:endParaRPr>
+          </a:p>
+          <a:p>
+            <a:pPr marL="0" indent="0" algn="r" latinLnBrk="0">
+              <a:buFontTx/>
+              <a:buNone/>
+            </a:pPr>
+            <a:r>
+              <a:rPr lang="en-US" altLang="ko-KR" sz="600">
+                <a:latin typeface="Arial" charset="0"/>
+                <a:cs typeface="Arial" charset="0"/>
+              </a:rPr>
+              <a:t>cookalone-dev</a:t>
+            </a:r>
+            <a:endParaRPr lang="ko-KR" altLang="en-US" sz="600">
+              <a:latin typeface="Arial" charset="0"/>
+              <a:cs typeface="Arial" charset="0"/>
+            </a:endParaRPr>
+          </a:p>
+          <a:p>
+            <a:pPr marL="0" indent="0" algn="r" latinLnBrk="0">
+              <a:buFontTx/>
+              <a:buNone/>
+            </a:pPr>
+            <a:endParaRPr lang="ko-KR" altLang="en-US" sz="600" b="1">
+              <a:latin typeface="Arial" charset="0"/>
+              <a:cs typeface="Arial" charset="0"/>
+            </a:endParaRPr>
+          </a:p>
+        </p:txBody>
+      </p:sp>
+      <p:sp>
+        <p:nvSpPr>
+          <p:cNvPr id="341" name="Rect 0"/>
+          <p:cNvSpPr txBox="1">
+            <a:spLocks/>
+          </p:cNvSpPr>
+          <p:nvPr/>
+        </p:nvSpPr>
+        <p:spPr>
+          <a:xfrm rot="0">
+            <a:off x="3558540" y="3719195"/>
+            <a:ext cx="737870" cy="644525"/>
+          </a:xfrm>
+          <a:prstGeom prst="rect"/>
+          <a:noFill/>
+        </p:spPr>
+        <p:txBody>
+          <a:bodyPr wrap="square" lIns="91440" tIns="45720" rIns="91440" bIns="45720" numCol="1" vert="horz" anchor="t">
+            <a:spAutoFit/>
+          </a:bodyPr>
+          <a:lstStyle/>
+          <a:p>
+            <a:pPr marL="0" indent="0" latinLnBrk="0">
+              <a:buFontTx/>
+              <a:buNone/>
+            </a:pPr>
+            <a:r>
+              <a:rPr lang="en-US" altLang="ko-KR" sz="600" b="1">
+                <a:latin typeface="Arial" charset="0"/>
+                <a:cs typeface="Arial" charset="0"/>
+              </a:rPr>
+              <a:t>RECEIVE MSG:</a:t>
+            </a:r>
+            <a:endParaRPr lang="ko-KR" altLang="en-US" sz="600" b="1">
+              <a:latin typeface="Arial" charset="0"/>
+              <a:cs typeface="Arial" charset="0"/>
+            </a:endParaRPr>
+          </a:p>
+          <a:p>
+            <a:pPr marL="0" indent="0" latinLnBrk="0">
+              <a:buFontTx/>
+              <a:buNone/>
+            </a:pPr>
+            <a:r>
+              <a:rPr lang="en-US" altLang="ko-KR" sz="600">
+                <a:latin typeface="Arial" charset="0"/>
+                <a:cs typeface="Arial" charset="0"/>
+              </a:rPr>
+              <a:t>build result Notification</a:t>
+            </a:r>
+            <a:endParaRPr lang="ko-KR" altLang="en-US" sz="600">
+              <a:latin typeface="Arial" charset="0"/>
+              <a:cs typeface="Arial" charset="0"/>
+            </a:endParaRPr>
+          </a:p>
+          <a:p>
+            <a:pPr marL="0" indent="0" latinLnBrk="0">
+              <a:buFontTx/>
+              <a:buNone/>
+            </a:pPr>
+            <a:endParaRPr lang="ko-KR" altLang="en-US" sz="600" b="1">
+              <a:latin typeface="Arial" charset="0"/>
+              <a:cs typeface="Arial" charset="0"/>
+            </a:endParaRPr>
+          </a:p>
+          <a:p>
+            <a:pPr marL="0" indent="0" latinLnBrk="0">
+              <a:buFontTx/>
+              <a:buNone/>
+            </a:pPr>
+            <a:endParaRPr lang="ko-KR" altLang="en-US" sz="600">
+              <a:latin typeface="Arial" charset="0"/>
+              <a:cs typeface="Arial" charset="0"/>
+            </a:endParaRPr>
+          </a:p>
+          <a:p>
+            <a:pPr marL="0" indent="0" latinLnBrk="0">
+              <a:buFontTx/>
+              <a:buNone/>
+            </a:pPr>
+            <a:endParaRPr lang="ko-KR" altLang="en-US" sz="600" b="1">
+              <a:latin typeface="Arial" charset="0"/>
+              <a:cs typeface="Arial" charset="0"/>
+            </a:endParaRPr>
+          </a:p>
+        </p:txBody>
+      </p:sp>
+      <p:sp>
+        <p:nvSpPr>
+          <p:cNvPr id="347" name="Rect 0"/>
+          <p:cNvSpPr txBox="1">
+            <a:spLocks/>
+          </p:cNvSpPr>
+          <p:nvPr/>
+        </p:nvSpPr>
+        <p:spPr>
+          <a:xfrm rot="0">
+            <a:off x="7560310" y="2480945"/>
+            <a:ext cx="899795" cy="368300"/>
+          </a:xfrm>
+          <a:prstGeom prst="rect"/>
+          <a:noFill/>
+        </p:spPr>
+        <p:txBody>
+          <a:bodyPr wrap="square" lIns="91440" tIns="45720" rIns="91440" bIns="45720" numCol="1" vert="horz" anchor="t">
+            <a:spAutoFit/>
+          </a:bodyPr>
+          <a:lstStyle/>
+          <a:p>
+            <a:pPr marL="0" indent="0" algn="l" latinLnBrk="0">
+              <a:buFontTx/>
+              <a:buNone/>
+            </a:pPr>
+            <a:r>
+              <a:rPr lang="en-US" altLang="ko-KR" sz="600" b="1">
+                <a:latin typeface="Arial" charset="0"/>
+                <a:cs typeface="Arial" charset="0"/>
+              </a:rPr>
+              <a:t>PULL IF DEVELOP:</a:t>
+            </a:r>
+            <a:endParaRPr lang="ko-KR" altLang="en-US" sz="600" b="1">
+              <a:latin typeface="Arial" charset="0"/>
+              <a:cs typeface="Arial" charset="0"/>
+            </a:endParaRPr>
+          </a:p>
+          <a:p>
+            <a:pPr marL="0" indent="0" algn="l" latinLnBrk="0">
+              <a:buFontTx/>
+              <a:buNone/>
+            </a:pPr>
+            <a:endParaRPr lang="ko-KR" altLang="en-US" sz="600" b="1">
+              <a:latin typeface="Arial" charset="0"/>
+              <a:cs typeface="Arial" charset="0"/>
+            </a:endParaRPr>
+          </a:p>
+          <a:p>
+            <a:pPr marL="0" indent="0" algn="l" latinLnBrk="0">
+              <a:buFontTx/>
+              <a:buNone/>
+            </a:pPr>
+            <a:r>
+              <a:rPr lang="en-US" altLang="ko-KR" sz="600">
+                <a:latin typeface="Arial" charset="0"/>
+                <a:cs typeface="Arial" charset="0"/>
+              </a:rPr>
+              <a:t>Docker image</a:t>
+            </a:r>
+            <a:endParaRPr lang="ko-KR" altLang="en-US" sz="600">
+              <a:latin typeface="Arial" charset="0"/>
+              <a:cs typeface="Arial" charset="0"/>
+            </a:endParaRPr>
+          </a:p>
+        </p:txBody>
+      </p:sp>
+      <p:sp>
+        <p:nvSpPr>
+          <p:cNvPr id="1044" name="도형 1"/>
+          <p:cNvSpPr>
+            <a:spLocks/>
+          </p:cNvSpPr>
+          <p:nvPr/>
+        </p:nvSpPr>
+        <p:spPr>
+          <a:xfrm rot="0">
+            <a:off x="9086215" y="3943350"/>
+            <a:ext cx="612775" cy="532130"/>
+          </a:xfrm>
+          <a:prstGeom prst="roundRect"/>
+          <a:solidFill>
+            <a:schemeClr val="accent3">
+              <a:lumMod val="20000"/>
+              <a:lumOff val="80000"/>
+            </a:schemeClr>
+          </a:solidFill>
+          <a:ln w="12700" cap="flat" cmpd="sng">
+            <a:solidFill>
+              <a:srgbClr val="2F528F">
+                <a:alpha val="100000"/>
+              </a:srgbClr>
+            </a:solidFill>
+            <a:prstDash val="lgDashDotDot"/>
+          </a:ln>
+        </p:spPr>
+        <p:style>
+          <a:lnRef idx="2">
+            <a:schemeClr val="accent1">
+              <a:shade val="50000"/>
+            </a:schemeClr>
+          </a:lnRef>
+          <a:fillRef idx="1">
+            <a:schemeClr val="accent1"/>
+          </a:fillRef>
+          <a:effectRef idx="0">
+            <a:schemeClr val="accent1"/>
+          </a:effectRef>
+          <a:fontRef idx="minor">
+            <a:schemeClr val="lt1"/>
+          </a:fontRef>
+        </p:style>
+        <p:txBody>
+          <a:bodyPr wrap="square" lIns="91440" tIns="45720" rIns="91440" bIns="45720" numCol="1" vert="horz" anchor="ctr">
+            <a:noAutofit/>
+          </a:bodyPr>
+          <a:lstStyle/>
+          <a:p>
+            <a:pPr marL="0" indent="0" algn="ctr" latinLnBrk="0">
+              <a:buFontTx/>
+              <a:buNone/>
+            </a:pPr>
+            <a:endParaRPr lang="ko-KR" altLang="en-US"/>
+          </a:p>
+        </p:txBody>
+      </p:sp>
+      <p:sp>
+        <p:nvSpPr>
+          <p:cNvPr id="1045" name="도형 2"/>
+          <p:cNvSpPr>
+            <a:spLocks/>
+          </p:cNvSpPr>
+          <p:nvPr/>
+        </p:nvSpPr>
+        <p:spPr>
+          <a:xfrm rot="0">
+            <a:off x="8858885" y="3713480"/>
+            <a:ext cx="1014730" cy="1577340"/>
+          </a:xfrm>
+          <a:prstGeom prst="roundRect"/>
+          <a:noFill/>
+          <a:ln w="12700" cap="flat" cmpd="sng">
+            <a:solidFill>
+              <a:schemeClr val="accent1">
+                <a:lumMod val="75000"/>
+                <a:alpha val="100000"/>
+              </a:schemeClr>
+            </a:solidFill>
+            <a:prstDash val="solid"/>
+          </a:ln>
+        </p:spPr>
+        <p:style>
+          <a:lnRef idx="2">
+            <a:schemeClr val="accent1">
+              <a:shade val="50000"/>
+            </a:schemeClr>
+          </a:lnRef>
+          <a:fillRef idx="1">
+            <a:schemeClr val="accent1"/>
+          </a:fillRef>
+          <a:effectRef idx="0">
+            <a:schemeClr val="accent1"/>
+          </a:effectRef>
+          <a:fontRef idx="minor">
+            <a:schemeClr val="lt1"/>
+          </a:fontRef>
+        </p:style>
+        <p:txBody>
+          <a:bodyPr wrap="square" lIns="91440" tIns="45720" rIns="91440" bIns="45720" numCol="1" vert="horz" anchor="ctr">
+            <a:noAutofit/>
+          </a:bodyPr>
+          <a:lstStyle/>
+          <a:p>
+            <a:pPr marL="0" indent="0" algn="ctr" latinLnBrk="0">
+              <a:buFontTx/>
+              <a:buNone/>
+            </a:pPr>
+            <a:endParaRPr lang="ko-KR" altLang="en-US">
+              <a:solidFill>
+                <a:schemeClr val="accent1">
+                  <a:lumMod val="75000"/>
+                </a:schemeClr>
+              </a:solidFill>
+            </a:endParaRPr>
+          </a:p>
+        </p:txBody>
+      </p:sp>
+      <p:sp>
+        <p:nvSpPr>
+          <p:cNvPr id="1046" name="도형 3"/>
+          <p:cNvSpPr>
+            <a:spLocks/>
+          </p:cNvSpPr>
+          <p:nvPr/>
+        </p:nvSpPr>
+        <p:spPr>
+          <a:xfrm rot="0">
+            <a:off x="8575040" y="3356610"/>
+            <a:ext cx="1393825" cy="2077085"/>
+          </a:xfrm>
+          <a:prstGeom prst="roundRect"/>
+          <a:noFill/>
+          <a:ln w="19050" cap="flat" cmpd="sng">
+            <a:solidFill>
+              <a:schemeClr val="accent2">
+                <a:lumMod val="75000"/>
+                <a:alpha val="100000"/>
+              </a:schemeClr>
+            </a:solidFill>
+            <a:prstDash val="solid"/>
+          </a:ln>
+        </p:spPr>
+        <p:style>
+          <a:lnRef idx="2">
+            <a:schemeClr val="accent1">
+              <a:shade val="50000"/>
+            </a:schemeClr>
+          </a:lnRef>
+          <a:fillRef idx="1">
+            <a:schemeClr val="accent1"/>
+          </a:fillRef>
+          <a:effectRef idx="0">
+            <a:schemeClr val="accent1"/>
+          </a:effectRef>
+          <a:fontRef idx="minor">
+            <a:schemeClr val="lt1"/>
+          </a:fontRef>
+        </p:style>
+        <p:txBody>
+          <a:bodyPr wrap="square" lIns="91440" tIns="45720" rIns="91440" bIns="45720" numCol="1" vert="horz" anchor="ctr">
+            <a:noAutofit/>
+          </a:bodyPr>
+          <a:lstStyle/>
+          <a:p>
+            <a:pPr marL="0" indent="0" algn="ctr" latinLnBrk="0">
+              <a:buFontTx/>
+              <a:buNone/>
+            </a:pPr>
+            <a:endParaRPr lang="ko-KR" altLang="en-US"/>
+          </a:p>
+        </p:txBody>
+      </p:sp>
+      <p:pic>
+        <p:nvPicPr>
+          <p:cNvPr id="1047" name="그림 4" descr="C:/Users/MZC/AppData/Roaming/PolarisOffice/ETemp/2836_7390680/image39.png"/>
+          <p:cNvPicPr>
+            <a:picLocks noChangeAspect="1"/>
+          </p:cNvPicPr>
+          <p:nvPr/>
+        </p:nvPicPr>
+        <p:blipFill rotWithShape="1">
+          <a:blip r:embed="rId10" cstate="hqprint">
+            <a:extLst>
+              <a:ext uri="{28A0092B-C50C-407E-A947-70E740481C1C}">
+                <a14:useLocalDpi xmlns:a14="http://schemas.microsoft.com/office/drawing/2010/main"/>
+              </a:ext>
+            </a:extLst>
+          </a:blip>
+          <a:stretch>
+            <a:fillRect/>
+          </a:stretch>
+        </p:blipFill>
+        <p:spPr bwMode="auto">
+          <a:xfrm rot="0">
+            <a:off x="8868410" y="3032125"/>
+            <a:ext cx="807085" cy="515620"/>
+          </a:xfrm>
+          <a:prstGeom prst="rect"/>
+          <a:noFill/>
+        </p:spPr>
+      </p:pic>
+      <p:pic>
+        <p:nvPicPr>
+          <p:cNvPr id="1048" name="그림 5" descr="C:/Users/MZC/AppData/Roaming/PolarisOffice/ETemp/2836_7390680/image42.png"/>
+          <p:cNvPicPr>
+            <a:picLocks noChangeAspect="1"/>
+          </p:cNvPicPr>
+          <p:nvPr/>
+        </p:nvPicPr>
+        <p:blipFill rotWithShape="1">
+          <a:blip r:embed="rId13" cstate="hqprint">
+            <a:extLst>
+              <a:ext uri="{28A0092B-C50C-407E-A947-70E740481C1C}">
+                <a14:useLocalDpi xmlns:a14="http://schemas.microsoft.com/office/drawing/2010/main"/>
+              </a:ext>
+            </a:extLst>
+          </a:blip>
+          <a:stretch>
+            <a:fillRect/>
+          </a:stretch>
+        </p:blipFill>
+        <p:spPr bwMode="auto">
+          <a:xfrm rot="0">
+            <a:off x="8689975" y="3938905"/>
+            <a:ext cx="338455" cy="429260"/>
+          </a:xfrm>
+          <a:prstGeom prst="rect"/>
+          <a:noFill/>
+        </p:spPr>
+      </p:pic>
+      <p:pic>
+        <p:nvPicPr>
+          <p:cNvPr id="1049" name="그림 6" descr="C:/Users/MZC/AppData/Roaming/PolarisOffice/ETemp/2836_7390680/image38.png"/>
+          <p:cNvPicPr>
+            <a:picLocks noChangeAspect="1"/>
+          </p:cNvPicPr>
+          <p:nvPr/>
+        </p:nvPicPr>
+        <p:blipFill rotWithShape="1">
+          <a:blip r:embed="rId9" cstate="hqprint">
+            <a:extLst>
+              <a:ext uri="{28A0092B-C50C-407E-A947-70E740481C1C}">
+                <a14:useLocalDpi xmlns:a14="http://schemas.microsoft.com/office/drawing/2010/main"/>
+              </a:ext>
+            </a:extLst>
+          </a:blip>
+          <a:stretch>
+            <a:fillRect/>
+          </a:stretch>
+        </p:blipFill>
+        <p:spPr bwMode="auto">
+          <a:xfrm rot="0">
+            <a:off x="9105265" y="3715385"/>
+            <a:ext cx="574675" cy="395605"/>
+          </a:xfrm>
+          <a:prstGeom prst="rect"/>
+          <a:noFill/>
+        </p:spPr>
+      </p:pic>
+      <p:sp>
+        <p:nvSpPr>
+          <p:cNvPr id="1050" name="도형 7"/>
+          <p:cNvSpPr>
+            <a:spLocks/>
+          </p:cNvSpPr>
+          <p:nvPr/>
+        </p:nvSpPr>
+        <p:spPr>
+          <a:xfrm rot="0">
+            <a:off x="9086215" y="4695825"/>
+            <a:ext cx="612775" cy="532130"/>
+          </a:xfrm>
+          <a:prstGeom prst="roundRect"/>
+          <a:solidFill>
+            <a:schemeClr val="accent3">
+              <a:lumMod val="20000"/>
+              <a:lumOff val="80000"/>
+            </a:schemeClr>
+          </a:solidFill>
+          <a:ln w="12700" cap="flat" cmpd="sng">
+            <a:solidFill>
+              <a:srgbClr val="2F528F">
+                <a:alpha val="100000"/>
+              </a:srgbClr>
+            </a:solidFill>
+            <a:prstDash val="lgDashDotDot"/>
+          </a:ln>
+        </p:spPr>
+        <p:style>
+          <a:lnRef idx="2">
+            <a:schemeClr val="accent1">
+              <a:shade val="50000"/>
+            </a:schemeClr>
+          </a:lnRef>
+          <a:fillRef idx="1">
+            <a:schemeClr val="accent1"/>
+          </a:fillRef>
+          <a:effectRef idx="0">
+            <a:schemeClr val="accent1"/>
+          </a:effectRef>
+          <a:fontRef idx="minor">
+            <a:schemeClr val="lt1"/>
+          </a:fontRef>
+        </p:style>
+        <p:txBody>
+          <a:bodyPr wrap="square" lIns="91440" tIns="45720" rIns="91440" bIns="45720" numCol="1" vert="horz" anchor="ctr">
+            <a:noAutofit/>
+          </a:bodyPr>
+          <a:lstStyle/>
+          <a:p>
+            <a:pPr marL="0" indent="0" algn="ctr" latinLnBrk="0">
+              <a:buFontTx/>
+              <a:buNone/>
+            </a:pPr>
+            <a:endParaRPr lang="ko-KR" altLang="en-US"/>
+          </a:p>
+        </p:txBody>
+      </p:sp>
+      <p:pic>
+        <p:nvPicPr>
+          <p:cNvPr id="1051" name="그림 8" descr="C:/Users/MZC/AppData/Roaming/PolarisOffice/ETemp/2836_7390680/image38.png"/>
+          <p:cNvPicPr>
+            <a:picLocks noChangeAspect="1"/>
+          </p:cNvPicPr>
+          <p:nvPr/>
+        </p:nvPicPr>
+        <p:blipFill rotWithShape="1">
+          <a:blip r:embed="rId9" cstate="hqprint">
+            <a:extLst>
+              <a:ext uri="{28A0092B-C50C-407E-A947-70E740481C1C}">
+                <a14:useLocalDpi xmlns:a14="http://schemas.microsoft.com/office/drawing/2010/main"/>
+              </a:ext>
+            </a:extLst>
+          </a:blip>
+          <a:stretch>
+            <a:fillRect/>
+          </a:stretch>
+        </p:blipFill>
+        <p:spPr bwMode="auto">
+          <a:xfrm rot="0">
+            <a:off x="9105265" y="4468495"/>
+            <a:ext cx="574675" cy="395605"/>
+          </a:xfrm>
+          <a:prstGeom prst="rect"/>
+          <a:noFill/>
+        </p:spPr>
+      </p:pic>
+      <p:pic>
+        <p:nvPicPr>
+          <p:cNvPr id="1052" name="그림 9" descr="C:/Users/MZC/AppData/Roaming/PolarisOffice/ETemp/2836_7390680/image43.png"/>
+          <p:cNvPicPr>
+            <a:picLocks noChangeAspect="1"/>
+          </p:cNvPicPr>
+          <p:nvPr/>
+        </p:nvPicPr>
+        <p:blipFill rotWithShape="1">
+          <a:blip r:embed="rId14" cstate="hqprint">
+            <a:extLst>
+              <a:ext uri="{28A0092B-C50C-407E-A947-70E740481C1C}">
+                <a14:useLocalDpi xmlns:a14="http://schemas.microsoft.com/office/drawing/2010/main"/>
+              </a:ext>
+            </a:extLst>
+          </a:blip>
+          <a:stretch>
+            <a:fillRect/>
+          </a:stretch>
+        </p:blipFill>
+        <p:spPr bwMode="auto">
+          <a:xfrm rot="0">
+            <a:off x="9182735" y="4088130"/>
+            <a:ext cx="381635" cy="274320"/>
+          </a:xfrm>
+          <a:prstGeom prst="rect"/>
+          <a:noFill/>
+        </p:spPr>
+      </p:pic>
+      <p:pic>
+        <p:nvPicPr>
+          <p:cNvPr id="1053" name="그림 10" descr="C:/Users/MZC/AppData/Roaming/PolarisOffice/ETemp/2836_7390680/image44.png"/>
+          <p:cNvPicPr>
+            <a:picLocks noChangeAspect="1"/>
+          </p:cNvPicPr>
+          <p:nvPr/>
+        </p:nvPicPr>
+        <p:blipFill rotWithShape="1">
+          <a:blip r:embed="rId15" cstate="hqprint">
+            <a:extLst>
+              <a:ext uri="{28A0092B-C50C-407E-A947-70E740481C1C}">
+                <a14:useLocalDpi xmlns:a14="http://schemas.microsoft.com/office/drawing/2010/main"/>
+              </a:ext>
+            </a:extLst>
+          </a:blip>
+          <a:stretch>
+            <a:fillRect/>
+          </a:stretch>
+        </p:blipFill>
+        <p:spPr bwMode="auto">
+          <a:xfrm rot="0">
+            <a:off x="9250680" y="4795520"/>
+            <a:ext cx="283210" cy="400685"/>
+          </a:xfrm>
+          <a:prstGeom prst="rect"/>
+          <a:noFill/>
+        </p:spPr>
+      </p:pic>
+      <p:cxnSp>
+        <p:nvCxnSpPr>
+          <p:cNvPr id="1054" name="도형 11"/>
+          <p:cNvCxnSpPr/>
+          <p:nvPr/>
+        </p:nvCxnSpPr>
+        <p:spPr>
+          <a:xfrm rot="0" flipV="1">
+            <a:off x="9392285" y="4468495"/>
+            <a:ext cx="635" cy="198120"/>
+          </a:xfrm>
+          <a:prstGeom prst="straightConnector1"/>
+          <a:ln w="6350" cap="flat" cmpd="sng">
+            <a:solidFill>
+              <a:schemeClr val="accent1">
+                <a:alpha val="100000"/>
+              </a:schemeClr>
+            </a:solidFill>
+            <a:prstDash val="solid"/>
+          </a:ln>
+        </p:spPr>
+        <p:style>
+          <a:lnRef idx="1">
+            <a:schemeClr val="accent1"/>
+          </a:lnRef>
+          <a:fillRef idx="0">
+            <a:schemeClr val="accent1"/>
+          </a:fillRef>
+          <a:effectRef idx="0">
+            <a:schemeClr val="accent1"/>
+          </a:effectRef>
+          <a:fontRef idx="minor">
+            <a:schemeClr val="tx1"/>
+          </a:fontRef>
+        </p:style>
+      </p:cxnSp>
+      <p:sp>
+        <p:nvSpPr>
+          <p:cNvPr id="1055" name="도형 14"/>
+          <p:cNvSpPr>
+            <a:spLocks/>
+          </p:cNvSpPr>
+          <p:nvPr/>
+        </p:nvSpPr>
+        <p:spPr>
+          <a:xfrm rot="16200000" flipH="1">
+            <a:off x="7740650" y="3202940"/>
+            <a:ext cx="815340" cy="1085215"/>
+          </a:xfrm>
+          <a:prstGeom prst="bentConnector2"/>
+          <a:ln w="28575" cap="flat" cmpd="sng">
+            <a:solidFill>
+              <a:schemeClr val="accent4">
+                <a:alpha val="100000"/>
+              </a:schemeClr>
+            </a:solidFill>
+            <a:prstDash val="solid"/>
+            <a:tailEnd type="triangle" w="med" len="med"/>
+          </a:ln>
+        </p:spPr>
+        <p:style>
+          <a:lnRef idx="3">
+            <a:schemeClr val="accent3"/>
+          </a:lnRef>
+          <a:fillRef idx="0">
+            <a:schemeClr val="accent3"/>
+          </a:fillRef>
+          <a:effectRef idx="2">
+            <a:schemeClr val="accent3"/>
+          </a:effectRef>
+          <a:fontRef idx="minor">
+            <a:schemeClr val="tx1"/>
+          </a:fontRef>
+        </p:style>
+        <p:txBody>
+          <a:bodyPr wrap="square" lIns="0" tIns="0" rIns="0" bIns="0" vert="horz" anchor="t">
+            <a:noAutofit/>
+          </a:bodyPr>
+          <a:lstStyle/>
+          <a:p>
+            <a:pPr>
+              <a:defRPr/>
+            </a:pPr>
+            <a:endParaRPr lang="ko-KR" altLang="en-US"/>
+          </a:p>
+        </p:txBody>
+      </p:sp>
+      <p:sp>
+        <p:nvSpPr>
+          <p:cNvPr id="1056" name="도형 15"/>
+          <p:cNvSpPr>
+            <a:spLocks/>
+          </p:cNvSpPr>
+          <p:nvPr/>
+        </p:nvSpPr>
+        <p:spPr>
+          <a:xfrm rot="0">
+            <a:off x="6823075" y="3131185"/>
+            <a:ext cx="491490" cy="46990"/>
+          </a:xfrm>
+          <a:prstGeom prst="rightArrow"/>
+          <a:solidFill>
+            <a:schemeClr val="accent4"/>
+          </a:solidFill>
+          <a:ln w="12700" cap="flat" cmpd="sng">
+            <a:solidFill>
+              <a:schemeClr val="accent4">
+                <a:alpha val="100000"/>
+              </a:schemeClr>
+            </a:solidFill>
+            <a:prstDash val="solid"/>
+          </a:ln>
+        </p:spPr>
+        <p:style>
+          <a:lnRef idx="2">
+            <a:schemeClr val="accent1">
+              <a:shade val="50000"/>
+            </a:schemeClr>
+          </a:lnRef>
+          <a:fillRef idx="1">
+            <a:schemeClr val="accent1"/>
+          </a:fillRef>
+          <a:effectRef idx="0">
+            <a:schemeClr val="accent1"/>
+          </a:effectRef>
+          <a:fontRef idx="minor">
+            <a:schemeClr val="lt1"/>
+          </a:fontRef>
+        </p:style>
+        <p:txBody>
+          <a:bodyPr wrap="square" lIns="91440" tIns="45720" rIns="91440" bIns="45720" numCol="1" vert="horz" anchor="ctr">
+            <a:noAutofit/>
+          </a:bodyPr>
+          <a:lstStyle/>
+          <a:p>
+            <a:pPr marL="0" indent="0" algn="ctr" latinLnBrk="0">
+              <a:buFontTx/>
+              <a:buNone/>
+            </a:pPr>
+            <a:endParaRPr lang="ko-KR" altLang="en-US"/>
+          </a:p>
+        </p:txBody>
+      </p:sp>
+      <p:sp>
+        <p:nvSpPr>
+          <p:cNvPr id="1057" name="텍스트 상자 17"/>
+          <p:cNvSpPr txBox="1">
+            <a:spLocks/>
+          </p:cNvSpPr>
+          <p:nvPr/>
+        </p:nvSpPr>
+        <p:spPr>
+          <a:xfrm rot="0">
+            <a:off x="7556500" y="3293745"/>
+            <a:ext cx="934720" cy="368300"/>
+          </a:xfrm>
+          <a:prstGeom prst="rect"/>
+          <a:noFill/>
+        </p:spPr>
+        <p:txBody>
+          <a:bodyPr wrap="square" lIns="91440" tIns="45720" rIns="91440" bIns="45720" numCol="1" vert="horz" anchor="t">
+            <a:spAutoFit/>
+          </a:bodyPr>
+          <a:lstStyle/>
+          <a:p>
+            <a:pPr marL="0" indent="0" algn="l" latinLnBrk="0">
+              <a:buFontTx/>
+              <a:buNone/>
+            </a:pPr>
+            <a:r>
+              <a:rPr lang="en-US" altLang="ko-KR" sz="600" b="1">
+                <a:latin typeface="Arial" charset="0"/>
+                <a:cs typeface="Arial" charset="0"/>
+              </a:rPr>
+              <a:t>PULL IF MASTER:</a:t>
+            </a:r>
+            <a:endParaRPr lang="ko-KR" altLang="en-US" sz="600" b="1">
+              <a:latin typeface="Arial" charset="0"/>
+              <a:cs typeface="Arial" charset="0"/>
+            </a:endParaRPr>
+          </a:p>
+          <a:p>
+            <a:pPr marL="0" indent="0" algn="l" latinLnBrk="0">
+              <a:buFontTx/>
+              <a:buNone/>
+            </a:pPr>
+            <a:endParaRPr lang="ko-KR" altLang="en-US" sz="600" b="1">
+              <a:latin typeface="Arial" charset="0"/>
+              <a:cs typeface="Arial" charset="0"/>
+            </a:endParaRPr>
+          </a:p>
+          <a:p>
+            <a:pPr marL="0" indent="0" algn="l" latinLnBrk="0">
+              <a:buFontTx/>
+              <a:buNone/>
+            </a:pPr>
+            <a:r>
+              <a:rPr lang="en-US" altLang="ko-KR" sz="600">
+                <a:latin typeface="Arial" charset="0"/>
+                <a:cs typeface="Arial" charset="0"/>
+              </a:rPr>
+              <a:t>Docker image</a:t>
+            </a:r>
+            <a:endParaRPr lang="ko-KR" altLang="en-US" sz="600">
+              <a:latin typeface="Arial" charset="0"/>
+              <a:cs typeface="Arial" charset="0"/>
+            </a:endParaRPr>
+          </a:p>
+        </p:txBody>
+      </p:sp>
+      <p:sp>
+        <p:nvSpPr>
+          <p:cNvPr id="1058" name="텍스트 상자 18"/>
+          <p:cNvSpPr txBox="1">
+            <a:spLocks/>
+          </p:cNvSpPr>
+          <p:nvPr/>
+        </p:nvSpPr>
+        <p:spPr>
+          <a:xfrm rot="0">
+            <a:off x="9090660" y="1001395"/>
+            <a:ext cx="384175" cy="184150"/>
+          </a:xfrm>
+          <a:prstGeom prst="rect"/>
+          <a:noFill/>
+        </p:spPr>
+        <p:txBody>
+          <a:bodyPr wrap="square" lIns="91440" tIns="45720" rIns="91440" bIns="45720" numCol="1" vert="horz" anchor="t">
+            <a:spAutoFit/>
+          </a:bodyPr>
+          <a:lstStyle/>
+          <a:p>
+            <a:pPr marL="0" indent="0" algn="l" latinLnBrk="0">
+              <a:buFontTx/>
+              <a:buNone/>
+            </a:pPr>
+            <a:r>
+              <a:rPr lang="en-US" altLang="ko-KR" sz="600" b="1">
+                <a:latin typeface="Arial" charset="0"/>
+                <a:cs typeface="Arial" charset="0"/>
+              </a:rPr>
+              <a:t>TEST</a:t>
+            </a:r>
+            <a:endParaRPr lang="ko-KR" altLang="en-US" sz="600">
+              <a:latin typeface="Arial" charset="0"/>
+              <a:cs typeface="Arial" charset="0"/>
+            </a:endParaRPr>
+          </a:p>
+        </p:txBody>
+      </p:sp>
+      <p:sp>
+        <p:nvSpPr>
+          <p:cNvPr id="1059" name="텍스트 상자 19"/>
+          <p:cNvSpPr txBox="1">
+            <a:spLocks/>
+          </p:cNvSpPr>
+          <p:nvPr/>
+        </p:nvSpPr>
+        <p:spPr>
+          <a:xfrm rot="0">
+            <a:off x="9103360" y="3458845"/>
+            <a:ext cx="384175" cy="184150"/>
+          </a:xfrm>
+          <a:prstGeom prst="rect"/>
+          <a:noFill/>
+        </p:spPr>
+        <p:txBody>
+          <a:bodyPr wrap="square" lIns="91440" tIns="45720" rIns="91440" bIns="45720" numCol="1" vert="horz" anchor="t">
+            <a:spAutoFit/>
+          </a:bodyPr>
+          <a:lstStyle/>
+          <a:p>
+            <a:pPr marL="0" indent="0" algn="l" latinLnBrk="0">
+              <a:buFontTx/>
+              <a:buNone/>
+            </a:pPr>
+            <a:r>
+              <a:rPr lang="en-US" altLang="ko-KR" sz="600" b="1">
+                <a:latin typeface="Arial" charset="0"/>
+                <a:cs typeface="Arial" charset="0"/>
+              </a:rPr>
+              <a:t>OPS</a:t>
+            </a:r>
+            <a:endParaRPr lang="ko-KR" altLang="en-US" sz="600">
+              <a:latin typeface="Arial" charset="0"/>
+              <a:cs typeface="Arial" charset="0"/>
+            </a:endParaRPr>
+          </a:p>
+        </p:txBody>
+      </p:sp>
+      <p:sp>
+        <p:nvSpPr>
+          <p:cNvPr id="1060" name="텍스트 상자 20"/>
+          <p:cNvSpPr txBox="1">
+            <a:spLocks/>
+          </p:cNvSpPr>
+          <p:nvPr/>
+        </p:nvSpPr>
+        <p:spPr>
+          <a:xfrm rot="0">
+            <a:off x="6290310" y="2385695"/>
+            <a:ext cx="358775" cy="184150"/>
+          </a:xfrm>
+          <a:prstGeom prst="rect"/>
+          <a:noFill/>
+        </p:spPr>
+        <p:txBody>
+          <a:bodyPr wrap="square" lIns="91440" tIns="45720" rIns="91440" bIns="45720" numCol="1" vert="horz" anchor="t">
+            <a:spAutoFit/>
+          </a:bodyPr>
+          <a:lstStyle/>
+          <a:p>
+            <a:pPr marL="0" indent="0" algn="l" latinLnBrk="0">
+              <a:buFontTx/>
+              <a:buNone/>
+            </a:pPr>
+            <a:r>
+              <a:rPr lang="en-US" altLang="ko-KR" sz="600" b="1">
+                <a:latin typeface="Arial" charset="0"/>
+                <a:cs typeface="Arial" charset="0"/>
+              </a:rPr>
+              <a:t>DEV</a:t>
+            </a:r>
+            <a:endParaRPr lang="ko-KR" altLang="en-US" sz="600">
+              <a:latin typeface="Arial" charset="0"/>
+              <a:cs typeface="Arial" charset="0"/>
+            </a:endParaRPr>
+          </a:p>
+        </p:txBody>
+      </p:sp>
+    </p:spTree>
+  </p:cSld>
+  <p:clrMapOvr>
+    <a:masterClrMapping/>
+  </p:clrMapOvr>
+  <mc:AlternateContent xmlns:mc="http://schemas.openxmlformats.org/markup-compatibility/2006">
+    <mc:Choice xmlns:p14="http://schemas.microsoft.com/office/powerpoint/2010/main" Requires="p14">
+      <p:transition spd="slow" p14:dur="2000"/>
+    </mc:Choice>
+    <mc:Fallback>
+      <p:transition spd="slow"/>
+    </mc:Fallback>
+  </mc:AlternateContent>
+  <p:timing>
+    <p:tnLst>
+      <p:par>
+        <p:cTn id="1" dur="indefinite" restart="never" nodeType="tmRoot"/>
+      </p:par>
+    </p:tnLst>
+  </p:timing>
+</p:sld>
+</file>
+
+<file path=ppt/slides/slide5.xml><?xml version="1.0" encoding="utf-8"?>
+<p:sld xmlns:a="http://schemas.openxmlformats.org/drawingml/2006/main" xmlns:r="http://schemas.openxmlformats.org/officeDocument/2006/relationships" xmlns:p="http://schemas.openxmlformats.org/presentationml/2006/main">
+  <p:cSld>
+    <p:spTree>
+      <p:nvGrpSpPr>
+        <p:cNvPr id="1" name=""/>
+        <p:cNvGrpSpPr/>
+        <p:nvPr/>
+      </p:nvGrpSpPr>
+      <p:grpSpPr>
+        <a:xfrm>
+          <a:off x="0" y="0"/>
+          <a:ext cx="0" cy="0"/>
+          <a:chOff x="0" y="0"/>
+          <a:chExt cx="0" cy="0"/>
+        </a:xfrm>
+      </p:grpSpPr>
+      <p:sp>
+        <p:nvSpPr>
+          <p:cNvPr id="252" name="Rect 0"/>
+          <p:cNvSpPr>
+            <a:spLocks/>
+          </p:cNvSpPr>
+          <p:nvPr/>
+        </p:nvSpPr>
+        <p:spPr>
+          <a:xfrm rot="0">
+            <a:off x="5363845" y="3131185"/>
+            <a:ext cx="764540" cy="48260"/>
+          </a:xfrm>
+          <a:prstGeom prst="rightArrow"/>
+          <a:solidFill>
+            <a:schemeClr val="accent4"/>
+          </a:solidFill>
+          <a:ln w="12700" cap="flat" cmpd="sng">
+            <a:solidFill>
+              <a:schemeClr val="accent4">
+                <a:alpha val="100000"/>
+              </a:schemeClr>
+            </a:solidFill>
+            <a:prstDash val="solid"/>
+          </a:ln>
+        </p:spPr>
+        <p:style>
+          <a:lnRef idx="2">
+            <a:schemeClr val="accent1">
+              <a:shade val="50000"/>
+            </a:schemeClr>
+          </a:lnRef>
+          <a:fillRef idx="1">
+            <a:schemeClr val="accent1"/>
+          </a:fillRef>
+          <a:effectRef idx="0">
+            <a:schemeClr val="accent1"/>
+          </a:effectRef>
+          <a:fontRef idx="minor">
+            <a:schemeClr val="lt1"/>
+          </a:fontRef>
+        </p:style>
+        <p:txBody>
+          <a:bodyPr wrap="square" lIns="91440" tIns="45720" rIns="91440" bIns="45720" numCol="1" vert="horz" anchor="ctr">
+            <a:noAutofit/>
+          </a:bodyPr>
+          <a:lstStyle/>
+          <a:p>
+            <a:pPr marL="0" indent="0" algn="ctr" latinLnBrk="0">
+              <a:buFontTx/>
+              <a:buNone/>
+            </a:pPr>
+            <a:endParaRPr lang="ko-KR" altLang="en-US"/>
+          </a:p>
+        </p:txBody>
+      </p:sp>
+      <p:pic>
+        <p:nvPicPr>
+          <p:cNvPr id="1026" name="Picture " descr="C:/Users/MZC/AppData/Roaming/PolarisOffice/ETemp/2836_7390680/image36.png"/>
+          <p:cNvPicPr>
+            <a:picLocks noChangeAspect="1"/>
+          </p:cNvPicPr>
+          <p:nvPr/>
+        </p:nvPicPr>
+        <p:blipFill rotWithShape="1">
+          <a:blip r:embed="rId2" cstate="hqprint">
+            <a:extLst>
+              <a:ext uri="{28A0092B-C50C-407E-A947-70E740481C1C}">
+                <a14:useLocalDpi xmlns:a14="http://schemas.microsoft.com/office/drawing/2010/main"/>
+              </a:ext>
+            </a:extLst>
+          </a:blip>
+          <a:stretch>
+            <a:fillRect/>
+          </a:stretch>
+        </p:blipFill>
+        <p:spPr bwMode="auto">
+          <a:xfrm rot="0">
+            <a:off x="3806190" y="3030855"/>
+            <a:ext cx="307975" cy="307975"/>
+          </a:xfrm>
+          <a:prstGeom prst="rect"/>
+          <a:noFill/>
+        </p:spPr>
+      </p:pic>
+      <p:sp>
+        <p:nvSpPr>
+          <p:cNvPr id="245" name="Rect 0"/>
+          <p:cNvSpPr txBox="1">
+            <a:spLocks/>
+          </p:cNvSpPr>
+          <p:nvPr/>
+        </p:nvSpPr>
+        <p:spPr>
+          <a:xfrm rot="0">
+            <a:off x="3679190" y="2759710"/>
+            <a:ext cx="852805" cy="370205"/>
+          </a:xfrm>
+          <a:prstGeom prst="rect"/>
+          <a:noFill/>
+        </p:spPr>
+        <p:txBody>
+          <a:bodyPr wrap="square" lIns="91440" tIns="45720" rIns="91440" bIns="45720" numCol="1" vert="horz" anchor="t">
+            <a:spAutoFit/>
+          </a:bodyPr>
+          <a:lstStyle/>
+          <a:p>
+            <a:pPr marL="0" indent="0" latinLnBrk="0">
+              <a:buFontTx/>
+              <a:buNone/>
+            </a:pPr>
+            <a:r>
+              <a:rPr lang="en-US" altLang="ko-KR" sz="600" b="1">
+                <a:latin typeface="Arial" charset="0"/>
+                <a:cs typeface="Arial" charset="0"/>
+              </a:rPr>
+              <a:t>DEVELOP:</a:t>
+            </a:r>
+            <a:endParaRPr lang="ko-KR" altLang="en-US" sz="600" b="1">
+              <a:latin typeface="Arial" charset="0"/>
+              <a:cs typeface="Arial" charset="0"/>
+            </a:endParaRPr>
+          </a:p>
+          <a:p>
+            <a:pPr marL="0" indent="0" latinLnBrk="0">
+              <a:buFontTx/>
+              <a:buNone/>
+            </a:pPr>
+            <a:r>
+              <a:rPr lang="en-US" altLang="ko-KR" sz="600">
+                <a:latin typeface="Arial" charset="0"/>
+                <a:cs typeface="Arial" charset="0"/>
+              </a:rPr>
+              <a:t>Web Application</a:t>
+            </a:r>
+            <a:endParaRPr lang="ko-KR" altLang="en-US" sz="600">
+              <a:latin typeface="Arial" charset="0"/>
+              <a:cs typeface="Arial" charset="0"/>
+            </a:endParaRPr>
+          </a:p>
+          <a:p>
+            <a:pPr marL="0" indent="0" latinLnBrk="0">
+              <a:buFontTx/>
+              <a:buNone/>
+            </a:pPr>
+            <a:endParaRPr lang="ko-KR" altLang="en-US" sz="600" b="1">
+              <a:latin typeface="Arial" charset="0"/>
+              <a:cs typeface="Arial" charset="0"/>
+            </a:endParaRPr>
+          </a:p>
+        </p:txBody>
+      </p:sp>
+      <p:pic>
+        <p:nvPicPr>
+          <p:cNvPr id="246" name="Picture " descr="C:/Users/MZC/AppData/Roaming/PolarisOffice/ETemp/2836_7390680/ImageTmp/image25.png"/>
+          <p:cNvPicPr>
+            <a:picLocks noChangeAspect="1"/>
+          </p:cNvPicPr>
+          <p:nvPr/>
+        </p:nvPicPr>
+        <p:blipFill rotWithShape="1">
+          <a:blip r:embed="rId3" cstate="print">
+            <a:extLst>
+              <a:ext uri="{28A0092B-C50C-407E-A947-70E740481C1C}">
+                <a14:useLocalDpi xmlns:a14="http://schemas.microsoft.com/office/drawing/2010/main" val="0"/>
+              </a:ext>
+              <a:ext uri="{BEBA8EAE-BF5A-486C-A8C5-ECC9F3942E4B}">
+                <a14:imgProps xmlns:a14="http://schemas.microsoft.com/office/drawing/2010/main">
+                  <a14:imgLayer r:embed="rId4"/>
+                </a14:imgProps>
+              </a:ext>
+            </a:extLst>
+          </a:blip>
+          <a:stretch>
+            <a:fillRect/>
+          </a:stretch>
+        </p:blipFill>
+        <p:spPr>
+          <a:xfrm rot="0">
+            <a:off x="3298825" y="2747010"/>
+            <a:ext cx="500380" cy="615315"/>
+          </a:xfrm>
+          <a:prstGeom prst="rect"/>
+          <a:noFill/>
+        </p:spPr>
+      </p:pic>
+      <p:sp>
+        <p:nvSpPr>
+          <p:cNvPr id="247" name="Rect 0"/>
+          <p:cNvSpPr txBox="1">
+            <a:spLocks/>
+          </p:cNvSpPr>
+          <p:nvPr/>
+        </p:nvSpPr>
+        <p:spPr>
+          <a:xfrm rot="0">
+            <a:off x="3197860" y="3296285"/>
+            <a:ext cx="762635" cy="185420"/>
+          </a:xfrm>
+          <a:prstGeom prst="rect"/>
+          <a:noFill/>
+        </p:spPr>
+        <p:txBody>
+          <a:bodyPr wrap="square" lIns="91440" tIns="45720" rIns="91440" bIns="45720" numCol="1" vert="horz" anchor="t">
+            <a:spAutoFit/>
+          </a:bodyPr>
+          <a:lstStyle/>
+          <a:p>
+            <a:pPr marL="0" indent="0" algn="r" latinLnBrk="0">
+              <a:buFontTx/>
+              <a:buNone/>
+            </a:pPr>
+            <a:r>
+              <a:rPr lang="en-US" altLang="ko-KR" sz="600" b="1">
+                <a:latin typeface="Arial" charset="0"/>
+                <a:cs typeface="Arial" charset="0"/>
+              </a:rPr>
+              <a:t>DEVELOPER</a:t>
+            </a:r>
+            <a:endParaRPr lang="ko-KR" altLang="en-US" sz="600" b="1">
+              <a:latin typeface="Arial" charset="0"/>
+              <a:cs typeface="Arial" charset="0"/>
+            </a:endParaRPr>
+          </a:p>
+        </p:txBody>
+      </p:sp>
+      <p:sp>
+        <p:nvSpPr>
+          <p:cNvPr id="248" name="Rect 0"/>
+          <p:cNvSpPr>
+            <a:spLocks/>
+          </p:cNvSpPr>
+          <p:nvPr/>
+        </p:nvSpPr>
+        <p:spPr>
+          <a:xfrm rot="0">
+            <a:off x="4186555" y="3131185"/>
+            <a:ext cx="687705" cy="48260"/>
+          </a:xfrm>
+          <a:prstGeom prst="rightArrow"/>
+          <a:solidFill>
+            <a:schemeClr val="accent3">
+              <a:lumMod val="75000"/>
+            </a:schemeClr>
+          </a:solidFill>
+          <a:ln w="12700" cap="flat" cmpd="sng">
+            <a:solidFill>
+              <a:schemeClr val="accent3">
+                <a:lumMod val="75000"/>
+                <a:alpha val="100000"/>
+              </a:schemeClr>
+            </a:solidFill>
+            <a:prstDash val="solid"/>
+          </a:ln>
+        </p:spPr>
+        <p:style>
+          <a:lnRef idx="2">
+            <a:schemeClr val="accent1">
+              <a:shade val="50000"/>
+            </a:schemeClr>
+          </a:lnRef>
+          <a:fillRef idx="1">
+            <a:schemeClr val="accent1"/>
+          </a:fillRef>
+          <a:effectRef idx="0">
+            <a:schemeClr val="accent1"/>
+          </a:effectRef>
+          <a:fontRef idx="minor">
+            <a:schemeClr val="lt1"/>
+          </a:fontRef>
+        </p:style>
+        <p:txBody>
+          <a:bodyPr wrap="square" lIns="91440" tIns="45720" rIns="91440" bIns="45720" numCol="1" vert="horz" anchor="ctr">
+            <a:noAutofit/>
+          </a:bodyPr>
+          <a:lstStyle/>
+          <a:p>
+            <a:pPr marL="0" indent="0" algn="ctr" latinLnBrk="0">
+              <a:buFontTx/>
+              <a:buNone/>
+            </a:pPr>
+            <a:endParaRPr lang="ko-KR" altLang="en-US"/>
+          </a:p>
+        </p:txBody>
+      </p:sp>
+      <p:sp>
+        <p:nvSpPr>
+          <p:cNvPr id="251" name="Rect 0"/>
+          <p:cNvSpPr txBox="1">
+            <a:spLocks/>
+          </p:cNvSpPr>
+          <p:nvPr/>
+        </p:nvSpPr>
+        <p:spPr>
+          <a:xfrm rot="0">
+            <a:off x="4105910" y="2970530"/>
+            <a:ext cx="804545" cy="462280"/>
+          </a:xfrm>
+          <a:prstGeom prst="rect"/>
+          <a:noFill/>
+        </p:spPr>
+        <p:txBody>
+          <a:bodyPr wrap="square" lIns="91440" tIns="45720" rIns="91440" bIns="45720" numCol="1" vert="horz" anchor="t">
+            <a:spAutoFit/>
+          </a:bodyPr>
+          <a:lstStyle/>
+          <a:p>
+            <a:pPr marL="0" indent="0" latinLnBrk="0">
+              <a:buFontTx/>
+              <a:buNone/>
+            </a:pPr>
+            <a:r>
+              <a:rPr lang="en-US" altLang="ko-KR" sz="600" b="1">
+                <a:latin typeface="Arial" charset="0"/>
+                <a:cs typeface="Arial" charset="0"/>
+              </a:rPr>
+              <a:t>       PUSH:</a:t>
+            </a:r>
+            <a:endParaRPr lang="ko-KR" altLang="en-US" sz="600" b="1">
+              <a:latin typeface="Arial" charset="0"/>
+              <a:cs typeface="Arial" charset="0"/>
+            </a:endParaRPr>
+          </a:p>
+          <a:p>
+            <a:pPr marL="0" indent="0" latinLnBrk="0">
+              <a:buFontTx/>
+              <a:buNone/>
+            </a:pPr>
+            <a:endParaRPr lang="ko-KR" altLang="en-US" sz="600" b="1">
+              <a:latin typeface="Arial" charset="0"/>
+              <a:cs typeface="Arial" charset="0"/>
+            </a:endParaRPr>
+          </a:p>
+          <a:p>
+            <a:pPr marL="0" indent="0" latinLnBrk="0">
+              <a:buFontTx/>
+              <a:buNone/>
+            </a:pPr>
+            <a:r>
+              <a:rPr lang="en-US" altLang="ko-KR" sz="600">
+                <a:latin typeface="Arial" charset="0"/>
+                <a:cs typeface="Arial" charset="0"/>
+              </a:rPr>
+              <a:t>To master branch</a:t>
+            </a:r>
+            <a:endParaRPr lang="ko-KR" altLang="en-US" sz="600">
+              <a:latin typeface="Arial" charset="0"/>
+              <a:cs typeface="Arial" charset="0"/>
+            </a:endParaRPr>
+          </a:p>
+          <a:p>
+            <a:pPr marL="0" indent="0" latinLnBrk="0">
+              <a:buFontTx/>
+              <a:buNone/>
+            </a:pPr>
+            <a:endParaRPr lang="ko-KR" altLang="en-US" sz="600" b="1">
+              <a:latin typeface="Arial" charset="0"/>
+              <a:cs typeface="Arial" charset="0"/>
+            </a:endParaRPr>
+          </a:p>
+        </p:txBody>
+      </p:sp>
+      <p:sp>
+        <p:nvSpPr>
+          <p:cNvPr id="253" name="Rect 0"/>
+          <p:cNvSpPr txBox="1">
+            <a:spLocks/>
+          </p:cNvSpPr>
+          <p:nvPr/>
+        </p:nvSpPr>
+        <p:spPr>
+          <a:xfrm rot="0">
+            <a:off x="5248910" y="2862580"/>
+            <a:ext cx="772160" cy="460375"/>
+          </a:xfrm>
+          <a:prstGeom prst="rect"/>
+          <a:noFill/>
+        </p:spPr>
+        <p:txBody>
+          <a:bodyPr wrap="square" lIns="91440" tIns="45720" rIns="91440" bIns="45720" numCol="1" vert="horz" anchor="t">
+            <a:spAutoFit/>
+          </a:bodyPr>
+          <a:lstStyle/>
+          <a:p>
+            <a:pPr marL="0" indent="0" algn="r" latinLnBrk="0">
+              <a:buFontTx/>
+              <a:buNone/>
+            </a:pPr>
+            <a:r>
+              <a:rPr lang="en-US" altLang="ko-KR" sz="600" b="1">
+                <a:latin typeface="Arial" charset="0"/>
+                <a:cs typeface="Arial" charset="0"/>
+              </a:rPr>
+              <a:t>   WEBHOOK:</a:t>
+            </a:r>
+            <a:endParaRPr lang="ko-KR" altLang="en-US" sz="600" b="1">
+              <a:latin typeface="Arial" charset="0"/>
+              <a:cs typeface="Arial" charset="0"/>
+            </a:endParaRPr>
+          </a:p>
+          <a:p>
+            <a:pPr marL="0" indent="0" algn="l" latinLnBrk="0">
+              <a:buFontTx/>
+              <a:buNone/>
+            </a:pPr>
+            <a:r>
+              <a:rPr lang="en-US" altLang="ko-KR" sz="600" b="1">
+                <a:latin typeface="Arial" charset="0"/>
+                <a:cs typeface="Arial" charset="0"/>
+              </a:rPr>
+              <a:t>master, develop</a:t>
+            </a:r>
+            <a:endParaRPr lang="ko-KR" altLang="en-US" sz="600" b="1">
+              <a:latin typeface="Arial" charset="0"/>
+              <a:cs typeface="Arial" charset="0"/>
+            </a:endParaRPr>
+          </a:p>
+          <a:p>
+            <a:pPr marL="0" indent="0" algn="r" latinLnBrk="0">
+              <a:buFontTx/>
+              <a:buNone/>
+            </a:pPr>
+            <a:endParaRPr lang="ko-KR" altLang="en-US" sz="600" b="1">
+              <a:latin typeface="Arial" charset="0"/>
+              <a:cs typeface="Arial" charset="0"/>
+            </a:endParaRPr>
+          </a:p>
+          <a:p>
+            <a:pPr marL="0" indent="0" algn="r" latinLnBrk="0">
+              <a:buFontTx/>
+              <a:buNone/>
+            </a:pPr>
+            <a:r>
+              <a:rPr lang="en-US" altLang="ko-KR" sz="600">
+                <a:latin typeface="Arial" charset="0"/>
+                <a:cs typeface="Arial" charset="0"/>
+              </a:rPr>
+              <a:t>Pull code</a:t>
+            </a:r>
+            <a:endParaRPr lang="ko-KR" altLang="en-US" sz="600">
+              <a:latin typeface="Arial" charset="0"/>
+              <a:cs typeface="Arial" charset="0"/>
+            </a:endParaRPr>
+          </a:p>
+        </p:txBody>
+      </p:sp>
+      <p:grpSp>
+        <p:nvGrpSpPr>
+          <p:cNvPr id="5" name="Group 5"/>
+          <p:cNvGrpSpPr/>
+          <p:nvPr/>
+        </p:nvGrpSpPr>
+        <p:grpSpPr>
+          <a:xfrm rot="0">
+            <a:off x="4763135" y="2944495"/>
+            <a:ext cx="786130" cy="511175"/>
+            <a:chOff x="4763135" y="2944495"/>
+            <a:chExt cx="786130" cy="511175"/>
+          </a:xfrm>
+        </p:grpSpPr>
+        <p:pic>
+          <p:nvPicPr>
+            <p:cNvPr id="249" name="Picture " descr="C:/Users/MZC/AppData/Roaming/PolarisOffice/ETemp/2836_7390680/image7.png"/>
+            <p:cNvPicPr>
+              <a:picLocks noChangeAspect="1"/>
+            </p:cNvPicPr>
+            <p:nvPr/>
+          </p:nvPicPr>
+          <p:blipFill rotWithShape="1">
+            <a:blip r:embed="rId5" cstate="print">
+              <a:extLst>
+                <a:ext uri="{28A0092B-C50C-407E-A947-70E740481C1C}">
+                  <a14:useLocalDpi xmlns:a14="http://schemas.microsoft.com/office/drawing/2010/main" val="0"/>
+                </a:ext>
+              </a:extLst>
+            </a:blip>
+            <a:stretch>
+              <a:fillRect/>
+            </a:stretch>
+          </p:blipFill>
+          <p:spPr>
+            <a:xfrm rot="0">
+              <a:off x="4899660" y="2944495"/>
+              <a:ext cx="417195" cy="365760"/>
+            </a:xfrm>
+            <a:prstGeom prst="rect"/>
+            <a:noFill/>
+          </p:spPr>
+        </p:pic>
+        <p:sp>
+          <p:nvSpPr>
+            <p:cNvPr id="255" name="Rect 0"/>
+            <p:cNvSpPr txBox="1">
+              <a:spLocks/>
+            </p:cNvSpPr>
+            <p:nvPr/>
+          </p:nvSpPr>
+          <p:spPr>
+            <a:xfrm rot="0">
+              <a:off x="4763135" y="3285490"/>
+              <a:ext cx="786130" cy="170180"/>
+            </a:xfrm>
+            <a:prstGeom prst="rect"/>
+          </p:spPr>
+          <p:txBody>
+            <a:bodyPr wrap="square" lIns="91440" tIns="45720" rIns="91440" bIns="45720" numCol="1" vert="horz" anchor="t">
+              <a:spAutoFit/>
+            </a:bodyPr>
+            <a:lstStyle/>
+            <a:p>
+              <a:pPr marL="0" indent="0" latinLnBrk="0">
+                <a:buFontTx/>
+                <a:buNone/>
+              </a:pPr>
+              <a:r>
+                <a:rPr lang="en-US" altLang="ko-KR" sz="500" b="1">
+                  <a:solidFill>
+                    <a:schemeClr val="accent2"/>
+                  </a:solidFill>
+                  <a:latin typeface="Arial" charset="0"/>
+                  <a:cs typeface="Arial" charset="0"/>
+                </a:rPr>
+                <a:t>spring-cookalone</a:t>
+              </a:r>
+              <a:endParaRPr lang="ko-KR" altLang="en-US" sz="500" b="1">
+                <a:solidFill>
+                  <a:schemeClr val="accent2"/>
+                </a:solidFill>
+                <a:latin typeface="Arial" charset="0"/>
+                <a:cs typeface="Arial" charset="0"/>
+              </a:endParaRPr>
+            </a:p>
+          </p:txBody>
+        </p:sp>
+      </p:grpSp>
+      <p:pic>
+        <p:nvPicPr>
+          <p:cNvPr id="6" name="Picture " descr="C:/Users/MZC/AppData/Roaming/PolarisOffice/ETemp/2836_7390680/image37.png"/>
+          <p:cNvPicPr>
+            <a:picLocks noChangeAspect="1"/>
+          </p:cNvPicPr>
+          <p:nvPr/>
+        </p:nvPicPr>
+        <p:blipFill rotWithShape="1">
+          <a:blip r:embed="rId6" cstate="hqprint">
+            <a:extLst>
+              <a:ext uri="{28A0092B-C50C-407E-A947-70E740481C1C}">
+                <a14:useLocalDpi xmlns:a14="http://schemas.microsoft.com/office/drawing/2010/main"/>
+              </a:ext>
+            </a:extLst>
+          </a:blip>
+          <a:stretch>
+            <a:fillRect/>
+          </a:stretch>
+        </p:blipFill>
+        <p:spPr bwMode="auto">
+          <a:xfrm rot="0">
+            <a:off x="5350510" y="2863215"/>
+            <a:ext cx="148590" cy="148590"/>
+          </a:xfrm>
+          <a:prstGeom prst="rect"/>
+          <a:noFill/>
+        </p:spPr>
+      </p:pic>
+      <p:pic>
+        <p:nvPicPr>
+          <p:cNvPr id="259" name="Picture " descr="C:/Users/MZC/AppData/Roaming/PolarisOffice/ETemp/2836_7390680/ImageTmp/image19.png"/>
+          <p:cNvPicPr>
+            <a:picLocks noChangeAspect="1"/>
+          </p:cNvPicPr>
+          <p:nvPr/>
+        </p:nvPicPr>
+        <p:blipFill rotWithShape="1">
+          <a:blip r:embed="rId7" cstate="print">
+            <a:extLst>
+              <a:ext uri="{28A0092B-C50C-407E-A947-70E740481C1C}">
+                <a14:useLocalDpi xmlns:a14="http://schemas.microsoft.com/office/drawing/2010/main" val="0"/>
+              </a:ext>
+              <a:ext uri="{BEBA8EAE-BF5A-486C-A8C5-ECC9F3942E4B}">
+                <a14:imgProps xmlns:a14="http://schemas.microsoft.com/office/drawing/2010/main">
+                  <a14:imgLayer r:embed="rId8"/>
+                </a14:imgProps>
+              </a:ext>
+            </a:extLst>
+          </a:blip>
+          <a:stretch>
+            <a:fillRect/>
+          </a:stretch>
+        </p:blipFill>
+        <p:spPr>
+          <a:xfrm rot="0">
+            <a:off x="4161790" y="2982595"/>
+            <a:ext cx="173355" cy="150495"/>
+          </a:xfrm>
+          <a:prstGeom prst="rect"/>
+          <a:noFill/>
+        </p:spPr>
+      </p:pic>
+      <p:grpSp>
+        <p:nvGrpSpPr>
+          <p:cNvPr id="34" name="Group 5"/>
+          <p:cNvGrpSpPr/>
+          <p:nvPr/>
+        </p:nvGrpSpPr>
+        <p:grpSpPr>
+          <a:xfrm rot="0">
+            <a:off x="5955665" y="1982470"/>
+            <a:ext cx="1036320" cy="1652270"/>
+            <a:chOff x="5955665" y="1982470"/>
+            <a:chExt cx="1036320" cy="1652270"/>
+          </a:xfrm>
+        </p:grpSpPr>
+        <p:sp>
+          <p:nvSpPr>
+            <p:cNvPr id="261" name="Rect 0"/>
+            <p:cNvSpPr>
+              <a:spLocks/>
+            </p:cNvSpPr>
+            <p:nvPr/>
+          </p:nvSpPr>
+          <p:spPr>
+            <a:xfrm rot="0">
+              <a:off x="6012815" y="2733675"/>
+              <a:ext cx="908050" cy="842645"/>
+            </a:xfrm>
+            <a:prstGeom prst="roundRect"/>
+            <a:noFill/>
+            <a:ln w="12700" cap="flat" cmpd="sng">
+              <a:solidFill>
+                <a:srgbClr val="2F528F">
+                  <a:alpha val="100000"/>
+                </a:srgbClr>
+              </a:solidFill>
+              <a:prstDash val="solid"/>
+            </a:ln>
+          </p:spPr>
+          <p:style>
+            <a:lnRef idx="2">
+              <a:schemeClr val="accent1">
+                <a:shade val="50000"/>
+              </a:schemeClr>
+            </a:lnRef>
+            <a:fillRef idx="1">
+              <a:schemeClr val="accent1"/>
+            </a:fillRef>
+            <a:effectRef idx="0">
+              <a:schemeClr val="accent1"/>
+            </a:effectRef>
+            <a:fontRef idx="minor">
+              <a:schemeClr val="lt1"/>
+            </a:fontRef>
+          </p:style>
+          <p:txBody>
+            <a:bodyPr wrap="square" lIns="91440" tIns="45720" rIns="91440" bIns="45720" numCol="1" vert="horz" anchor="ctr">
+              <a:noAutofit/>
+            </a:bodyPr>
+            <a:lstStyle/>
+            <a:p>
+              <a:pPr marL="0" indent="0" algn="ctr" latinLnBrk="0">
+                <a:buFontTx/>
+                <a:buNone/>
+              </a:pPr>
+              <a:endParaRPr lang="ko-KR" altLang="en-US"/>
+            </a:p>
+          </p:txBody>
+        </p:sp>
+        <p:pic>
+          <p:nvPicPr>
+            <p:cNvPr id="1029" name="Picture " descr="C:/Users/MZC/AppData/Roaming/PolarisOffice/ETemp/2836_7390680/image38.png"/>
+            <p:cNvPicPr>
+              <a:picLocks noChangeAspect="1"/>
+            </p:cNvPicPr>
+            <p:nvPr/>
+          </p:nvPicPr>
+          <p:blipFill rotWithShape="1">
+            <a:blip r:embed="rId9" cstate="hqprint">
+              <a:extLst>
+                <a:ext uri="{28A0092B-C50C-407E-A947-70E740481C1C}">
+                  <a14:useLocalDpi xmlns:a14="http://schemas.microsoft.com/office/drawing/2010/main"/>
+                </a:ext>
+              </a:extLst>
+            </a:blip>
+            <a:stretch>
+              <a:fillRect/>
+            </a:stretch>
+          </p:blipFill>
+          <p:spPr bwMode="auto">
+            <a:xfrm rot="0">
+              <a:off x="6179185" y="2505710"/>
+              <a:ext cx="574675" cy="395605"/>
+            </a:xfrm>
+            <a:prstGeom prst="rect"/>
+            <a:noFill/>
+          </p:spPr>
+        </p:pic>
+        <p:sp>
+          <p:nvSpPr>
+            <p:cNvPr id="263" name="Rect 0"/>
+            <p:cNvSpPr>
+              <a:spLocks/>
+            </p:cNvSpPr>
+            <p:nvPr/>
+          </p:nvSpPr>
+          <p:spPr>
+            <a:xfrm rot="0">
+              <a:off x="5955665" y="2305050"/>
+              <a:ext cx="1036320" cy="1329690"/>
+            </a:xfrm>
+            <a:prstGeom prst="roundRect"/>
+            <a:noFill/>
+            <a:ln w="19050" cap="flat" cmpd="sng">
+              <a:solidFill>
+                <a:schemeClr val="accent2">
+                  <a:lumMod val="75000"/>
+                  <a:alpha val="100000"/>
+                </a:schemeClr>
+              </a:solidFill>
+              <a:prstDash val="solid"/>
+            </a:ln>
+          </p:spPr>
+          <p:style>
+            <a:lnRef idx="2">
+              <a:schemeClr val="accent1">
+                <a:shade val="50000"/>
+              </a:schemeClr>
+            </a:lnRef>
+            <a:fillRef idx="1">
+              <a:schemeClr val="accent1"/>
+            </a:fillRef>
+            <a:effectRef idx="0">
+              <a:schemeClr val="accent1"/>
+            </a:effectRef>
+            <a:fontRef idx="minor">
+              <a:schemeClr val="lt1"/>
+            </a:fontRef>
+          </p:style>
+          <p:txBody>
+            <a:bodyPr wrap="square" lIns="91440" tIns="45720" rIns="91440" bIns="45720" numCol="1" vert="horz" anchor="ctr">
+              <a:noAutofit/>
+            </a:bodyPr>
+            <a:lstStyle/>
+            <a:p>
+              <a:pPr marL="0" indent="0" algn="ctr" latinLnBrk="0">
+                <a:buFontTx/>
+                <a:buNone/>
+              </a:pPr>
+              <a:endParaRPr lang="ko-KR" altLang="en-US"/>
+            </a:p>
+          </p:txBody>
+        </p:sp>
+        <p:pic>
+          <p:nvPicPr>
+            <p:cNvPr id="1032" name="Picture " descr="C:/Users/MZC/AppData/Roaming/PolarisOffice/ETemp/2836_7390680/image39.png"/>
+            <p:cNvPicPr>
+              <a:picLocks noChangeAspect="1"/>
+            </p:cNvPicPr>
+            <p:nvPr/>
+          </p:nvPicPr>
+          <p:blipFill rotWithShape="1">
+            <a:blip r:embed="rId10" cstate="hqprint">
+              <a:extLst>
+                <a:ext uri="{28A0092B-C50C-407E-A947-70E740481C1C}">
+                  <a14:useLocalDpi xmlns:a14="http://schemas.microsoft.com/office/drawing/2010/main"/>
+                </a:ext>
+              </a:extLst>
+            </a:blip>
+            <a:stretch>
+              <a:fillRect/>
+            </a:stretch>
+          </p:blipFill>
+          <p:spPr bwMode="auto">
+            <a:xfrm rot="0">
+              <a:off x="6062980" y="1982470"/>
+              <a:ext cx="807085" cy="515620"/>
+            </a:xfrm>
+            <a:prstGeom prst="rect"/>
+            <a:noFill/>
+          </p:spPr>
+        </p:pic>
+      </p:grpSp>
+      <p:pic>
+        <p:nvPicPr>
+          <p:cNvPr id="1033" name="Picture " descr="C:/Users/MZC/AppData/Roaming/PolarisOffice/ETemp/2836_7390680/image40.png"/>
+          <p:cNvPicPr>
+            <a:picLocks noChangeAspect="1"/>
+          </p:cNvPicPr>
+          <p:nvPr/>
+        </p:nvPicPr>
+        <p:blipFill rotWithShape="1">
+          <a:blip r:embed="rId11" cstate="hqprint">
+            <a:extLst>
+              <a:ext uri="{28A0092B-C50C-407E-A947-70E740481C1C}">
+                <a14:useLocalDpi xmlns:a14="http://schemas.microsoft.com/office/drawing/2010/main"/>
+              </a:ext>
+            </a:extLst>
+          </a:blip>
+          <a:stretch>
+            <a:fillRect/>
+          </a:stretch>
+        </p:blipFill>
+        <p:spPr bwMode="auto">
+          <a:xfrm rot="0">
+            <a:off x="6187440" y="2944495"/>
+            <a:ext cx="644525" cy="459105"/>
+          </a:xfrm>
+          <a:prstGeom prst="rect"/>
+          <a:noFill/>
+        </p:spPr>
+      </p:pic>
+      <p:sp>
+        <p:nvSpPr>
+          <p:cNvPr id="17" name="Rect 0"/>
+          <p:cNvSpPr>
+            <a:spLocks noChangeAspect="1"/>
+          </p:cNvSpPr>
+          <p:nvPr/>
+        </p:nvSpPr>
+        <p:spPr bwMode="auto">
+          <a:xfrm rot="0">
+            <a:off x="168275" y="-144780"/>
+            <a:ext cx="305435" cy="305435"/>
+          </a:xfrm>
+          <a:prstGeom prst="rect"/>
+          <a:noFill/>
+        </p:spPr>
+        <p:txBody>
+          <a:bodyPr wrap="square" lIns="91440" tIns="45720" rIns="91440" bIns="45720" numCol="1" vert="horz" anchor="t">
+            <a:noAutofit/>
+          </a:bodyPr>
+          <a:lstStyle/>
+          <a:p>
+            <a:pPr marL="0" indent="0" latinLnBrk="0">
+              <a:buFontTx/>
+              <a:buNone/>
+            </a:pPr>
+            <a:endParaRPr lang="ko-KR" altLang="en-US"/>
+          </a:p>
+        </p:txBody>
+      </p:sp>
+      <p:sp>
+        <p:nvSpPr>
+          <p:cNvPr id="274" name="Rect 0"/>
+          <p:cNvSpPr txBox="1">
+            <a:spLocks/>
+          </p:cNvSpPr>
+          <p:nvPr/>
+        </p:nvSpPr>
+        <p:spPr>
+          <a:xfrm rot="0">
+            <a:off x="6929120" y="2995930"/>
+            <a:ext cx="527685" cy="462280"/>
+          </a:xfrm>
+          <a:prstGeom prst="rect"/>
+          <a:noFill/>
+        </p:spPr>
+        <p:txBody>
+          <a:bodyPr wrap="square" lIns="91440" tIns="45720" rIns="91440" bIns="45720" numCol="1" vert="horz" anchor="t">
+            <a:spAutoFit/>
+          </a:bodyPr>
+          <a:lstStyle/>
+          <a:p>
+            <a:pPr marL="0" indent="0" latinLnBrk="0">
+              <a:buFontTx/>
+              <a:buNone/>
+            </a:pPr>
+            <a:r>
+              <a:rPr lang="en-US" altLang="ko-KR" sz="600" b="1">
+                <a:latin typeface="Arial" charset="0"/>
+                <a:cs typeface="Arial" charset="0"/>
+              </a:rPr>
+              <a:t>PUSH:</a:t>
+            </a:r>
+            <a:endParaRPr lang="ko-KR" altLang="en-US" sz="600" b="1">
+              <a:latin typeface="Arial" charset="0"/>
+              <a:cs typeface="Arial" charset="0"/>
+            </a:endParaRPr>
+          </a:p>
+          <a:p>
+            <a:pPr marL="0" indent="0" latinLnBrk="0">
+              <a:buFontTx/>
+              <a:buNone/>
+            </a:pPr>
+            <a:endParaRPr lang="ko-KR" altLang="en-US" sz="600" b="1">
+              <a:latin typeface="Arial" charset="0"/>
+              <a:cs typeface="Arial" charset="0"/>
+            </a:endParaRPr>
+          </a:p>
+          <a:p>
+            <a:pPr marL="0" indent="0" latinLnBrk="0">
+              <a:buFontTx/>
+              <a:buNone/>
+            </a:pPr>
+            <a:r>
+              <a:rPr lang="en-US" altLang="ko-KR" sz="600">
+                <a:latin typeface="Arial" charset="0"/>
+                <a:cs typeface="Arial" charset="0"/>
+              </a:rPr>
+              <a:t>Docker image</a:t>
+            </a:r>
+            <a:endParaRPr lang="ko-KR" altLang="en-US" sz="600">
+              <a:latin typeface="Arial" charset="0"/>
+              <a:cs typeface="Arial" charset="0"/>
+            </a:endParaRPr>
+          </a:p>
+        </p:txBody>
+      </p:sp>
+      <p:pic>
+        <p:nvPicPr>
+          <p:cNvPr id="1037" name="Picture " descr="C:/Users/MZC/AppData/Roaming/PolarisOffice/ETemp/2836_7390680/image41.png"/>
+          <p:cNvPicPr>
+            <a:picLocks noChangeAspect="1"/>
+          </p:cNvPicPr>
+          <p:nvPr/>
+        </p:nvPicPr>
+        <p:blipFill rotWithShape="1">
+          <a:blip r:embed="rId12" cstate="hqprint">
+            <a:extLst>
+              <a:ext uri="{28A0092B-C50C-407E-A947-70E740481C1C}">
+                <a14:useLocalDpi xmlns:a14="http://schemas.microsoft.com/office/drawing/2010/main"/>
+              </a:ext>
+            </a:extLst>
+          </a:blip>
+          <a:stretch>
+            <a:fillRect/>
+          </a:stretch>
+        </p:blipFill>
+        <p:spPr bwMode="auto">
+          <a:xfrm rot="0">
+            <a:off x="7350760" y="2828290"/>
+            <a:ext cx="510540" cy="510540"/>
+          </a:xfrm>
+          <a:prstGeom prst="rect"/>
+          <a:noFill/>
+        </p:spPr>
+      </p:pic>
+      <p:sp>
+        <p:nvSpPr>
+          <p:cNvPr id="290" name="Rect 0"/>
+          <p:cNvSpPr txBox="1">
+            <a:spLocks/>
+          </p:cNvSpPr>
+          <p:nvPr/>
+        </p:nvSpPr>
+        <p:spPr>
+          <a:xfrm rot="0">
+            <a:off x="7625080" y="2937510"/>
+            <a:ext cx="917575" cy="247015"/>
+          </a:xfrm>
+          <a:prstGeom prst="rect"/>
+        </p:spPr>
+        <p:txBody>
+          <a:bodyPr wrap="square" lIns="91440" tIns="45720" rIns="91440" bIns="45720" numCol="1" vert="horz" anchor="t">
+            <a:spAutoFit/>
+          </a:bodyPr>
+          <a:lstStyle/>
+          <a:p>
+            <a:pPr marL="0" indent="0" algn="ctr" latinLnBrk="0">
+              <a:buFontTx/>
+              <a:buNone/>
+            </a:pPr>
+            <a:r>
+              <a:rPr lang="en-US" altLang="ko-KR" sz="500" b="1">
+                <a:solidFill>
+                  <a:schemeClr val="accent1">
+                    <a:lumMod val="50000"/>
+                  </a:schemeClr>
+                </a:solidFill>
+                <a:latin typeface="Arial" charset="0"/>
+                <a:cs typeface="Arial" charset="0"/>
+              </a:rPr>
+              <a:t>DOCKER HUB</a:t>
+            </a:r>
+            <a:endParaRPr lang="ko-KR" altLang="en-US" sz="500" b="1">
+              <a:solidFill>
+                <a:schemeClr val="accent1">
+                  <a:lumMod val="50000"/>
+                </a:schemeClr>
+              </a:solidFill>
+              <a:latin typeface="Arial" charset="0"/>
+              <a:cs typeface="Arial" charset="0"/>
+            </a:endParaRPr>
+          </a:p>
+          <a:p>
+            <a:pPr marL="0" indent="0" algn="ctr" latinLnBrk="0">
+              <a:buFontTx/>
+              <a:buNone/>
+            </a:pPr>
+            <a:r>
+              <a:rPr lang="en-US" altLang="ko-KR" sz="500" b="1">
+                <a:solidFill>
+                  <a:schemeClr val="accent2"/>
+                </a:solidFill>
+                <a:latin typeface="Arial" charset="0"/>
+                <a:cs typeface="Arial" charset="0"/>
+              </a:rPr>
+              <a:t>spring-cookalone</a:t>
+            </a:r>
+            <a:endParaRPr lang="ko-KR" altLang="en-US" sz="500" b="1">
+              <a:solidFill>
+                <a:schemeClr val="accent2"/>
+              </a:solidFill>
+              <a:latin typeface="Arial" charset="0"/>
+              <a:cs typeface="Arial" charset="0"/>
+            </a:endParaRPr>
+          </a:p>
+        </p:txBody>
+      </p:sp>
+      <p:cxnSp>
+        <p:nvCxnSpPr>
+          <p:cNvPr id="331" name="Rect 0"/>
+          <p:cNvCxnSpPr>
+            <a:stCxn id="1033" idx="2"/>
+            <a:endCxn id="247" idx="2"/>
+          </p:cNvCxnSpPr>
+          <p:nvPr/>
+        </p:nvCxnSpPr>
+        <p:spPr>
+          <a:xfrm rot="5400000">
+            <a:off x="5005070" y="1976755"/>
+            <a:ext cx="79375" cy="2931160"/>
+          </a:xfrm>
+          <a:prstGeom prst="bentConnector3">
+            <a:avLst>
+              <a:gd name="adj1" fmla="val 881782"/>
+            </a:avLst>
+          </a:prstGeom>
+          <a:ln w="28575" cap="flat" cmpd="sng">
+            <a:solidFill>
+              <a:schemeClr val="accent4">
+                <a:alpha val="100000"/>
+              </a:schemeClr>
+            </a:solidFill>
+            <a:prstDash val="solid"/>
+            <a:tailEnd type="triangle" w="med" len="med"/>
+          </a:ln>
+        </p:spPr>
+        <p:style>
+          <a:lnRef idx="3">
+            <a:schemeClr val="accent3"/>
+          </a:lnRef>
+          <a:fillRef idx="0">
+            <a:schemeClr val="accent3"/>
+          </a:fillRef>
+          <a:effectRef idx="2">
+            <a:schemeClr val="accent3"/>
+          </a:effectRef>
+          <a:fontRef idx="minor">
+            <a:schemeClr val="tx1"/>
+          </a:fontRef>
+        </p:style>
+      </p:cxnSp>
+      <p:pic>
+        <p:nvPicPr>
+          <p:cNvPr id="1043" name="Picture " descr="C:/Users/MZC/AppData/Roaming/PolarisOffice/ETemp/2836_7390680/image45.png"/>
+          <p:cNvPicPr>
+            <a:picLocks noChangeAspect="1"/>
+          </p:cNvPicPr>
+          <p:nvPr/>
+        </p:nvPicPr>
+        <p:blipFill rotWithShape="1">
+          <a:blip r:embed="rId13" cstate="hqprint">
+            <a:extLst>
+              <a:ext uri="{28A0092B-C50C-407E-A947-70E740481C1C}">
+                <a14:useLocalDpi xmlns:a14="http://schemas.microsoft.com/office/drawing/2010/main"/>
+              </a:ext>
+            </a:extLst>
+          </a:blip>
+          <a:stretch>
+            <a:fillRect/>
+          </a:stretch>
+        </p:blipFill>
+        <p:spPr bwMode="auto">
+          <a:xfrm rot="0">
+            <a:off x="3543300" y="3523615"/>
+            <a:ext cx="714375" cy="293370"/>
+          </a:xfrm>
+          <a:prstGeom prst="rect"/>
+          <a:noFill/>
+        </p:spPr>
+      </p:pic>
+      <p:sp>
+        <p:nvSpPr>
+          <p:cNvPr id="340" name="Rect 0"/>
+          <p:cNvSpPr txBox="1">
+            <a:spLocks/>
+          </p:cNvSpPr>
+          <p:nvPr/>
+        </p:nvSpPr>
+        <p:spPr>
+          <a:xfrm rot="0">
+            <a:off x="5730875" y="3634105"/>
+            <a:ext cx="807085" cy="554355"/>
+          </a:xfrm>
+          <a:prstGeom prst="rect"/>
+          <a:noFill/>
+        </p:spPr>
+        <p:txBody>
+          <a:bodyPr wrap="square" lIns="91440" tIns="45720" rIns="91440" bIns="45720" numCol="1" vert="horz" anchor="t">
+            <a:spAutoFit/>
+          </a:bodyPr>
+          <a:lstStyle/>
+          <a:p>
+            <a:pPr marL="0" indent="0" algn="r" latinLnBrk="0">
+              <a:buFontTx/>
+              <a:buNone/>
+            </a:pPr>
+            <a:r>
+              <a:rPr lang="en-US" altLang="ko-KR" sz="600" b="1">
+                <a:latin typeface="Arial" charset="0"/>
+                <a:cs typeface="Arial" charset="0"/>
+              </a:rPr>
+              <a:t>SEND MSG:</a:t>
+            </a:r>
+            <a:endParaRPr lang="ko-KR" altLang="en-US" sz="600" b="1">
+              <a:latin typeface="Arial" charset="0"/>
+              <a:cs typeface="Arial" charset="0"/>
+            </a:endParaRPr>
+          </a:p>
+          <a:p>
+            <a:pPr marL="0" indent="0" algn="r" latinLnBrk="0">
+              <a:buFontTx/>
+              <a:buNone/>
+            </a:pPr>
+            <a:r>
+              <a:rPr lang="en-US" altLang="ko-KR" sz="600">
+                <a:latin typeface="Arial" charset="0"/>
+                <a:cs typeface="Arial" charset="0"/>
+              </a:rPr>
+              <a:t>To Slack workspace</a:t>
+            </a:r>
+            <a:endParaRPr lang="ko-KR" altLang="en-US" sz="600">
+              <a:latin typeface="Arial" charset="0"/>
+              <a:cs typeface="Arial" charset="0"/>
+            </a:endParaRPr>
+          </a:p>
+          <a:p>
+            <a:pPr marL="0" indent="0" algn="r" latinLnBrk="0">
+              <a:buFontTx/>
+              <a:buNone/>
+            </a:pPr>
+            <a:r>
+              <a:rPr lang="en-US" altLang="ko-KR" sz="600">
+                <a:latin typeface="Arial" charset="0"/>
+                <a:cs typeface="Arial" charset="0"/>
+              </a:rPr>
+              <a:t>cookalone-dev</a:t>
+            </a:r>
+            <a:endParaRPr lang="ko-KR" altLang="en-US" sz="600">
+              <a:latin typeface="Arial" charset="0"/>
+              <a:cs typeface="Arial" charset="0"/>
+            </a:endParaRPr>
+          </a:p>
+          <a:p>
+            <a:pPr marL="0" indent="0" algn="r" latinLnBrk="0">
+              <a:buFontTx/>
+              <a:buNone/>
+            </a:pPr>
+            <a:endParaRPr lang="ko-KR" altLang="en-US" sz="600" b="1">
+              <a:latin typeface="Arial" charset="0"/>
+              <a:cs typeface="Arial" charset="0"/>
+            </a:endParaRPr>
+          </a:p>
+        </p:txBody>
+      </p:sp>
+      <p:sp>
+        <p:nvSpPr>
+          <p:cNvPr id="341" name="Rect 0"/>
+          <p:cNvSpPr txBox="1">
+            <a:spLocks/>
+          </p:cNvSpPr>
+          <p:nvPr/>
+        </p:nvSpPr>
+        <p:spPr>
+          <a:xfrm rot="0">
+            <a:off x="3558540" y="3719195"/>
+            <a:ext cx="737870" cy="644525"/>
+          </a:xfrm>
+          <a:prstGeom prst="rect"/>
+          <a:noFill/>
+        </p:spPr>
+        <p:txBody>
+          <a:bodyPr wrap="square" lIns="91440" tIns="45720" rIns="91440" bIns="45720" numCol="1" vert="horz" anchor="t">
+            <a:spAutoFit/>
+          </a:bodyPr>
+          <a:lstStyle/>
+          <a:p>
+            <a:pPr marL="0" indent="0" latinLnBrk="0">
+              <a:buFontTx/>
+              <a:buNone/>
+            </a:pPr>
+            <a:r>
+              <a:rPr lang="en-US" altLang="ko-KR" sz="600" b="1">
+                <a:latin typeface="Arial" charset="0"/>
+                <a:cs typeface="Arial" charset="0"/>
+              </a:rPr>
+              <a:t>RECEIVE MSG:</a:t>
+            </a:r>
+            <a:endParaRPr lang="ko-KR" altLang="en-US" sz="600" b="1">
+              <a:latin typeface="Arial" charset="0"/>
+              <a:cs typeface="Arial" charset="0"/>
+            </a:endParaRPr>
+          </a:p>
+          <a:p>
+            <a:pPr marL="0" indent="0" latinLnBrk="0">
+              <a:buFontTx/>
+              <a:buNone/>
+            </a:pPr>
+            <a:r>
+              <a:rPr lang="en-US" altLang="ko-KR" sz="600">
+                <a:latin typeface="Arial" charset="0"/>
+                <a:cs typeface="Arial" charset="0"/>
+              </a:rPr>
+              <a:t>build result Notification</a:t>
+            </a:r>
+            <a:endParaRPr lang="ko-KR" altLang="en-US" sz="600">
+              <a:latin typeface="Arial" charset="0"/>
+              <a:cs typeface="Arial" charset="0"/>
+            </a:endParaRPr>
+          </a:p>
+          <a:p>
+            <a:pPr marL="0" indent="0" latinLnBrk="0">
+              <a:buFontTx/>
+              <a:buNone/>
+            </a:pPr>
+            <a:endParaRPr lang="ko-KR" altLang="en-US" sz="600" b="1">
+              <a:latin typeface="Arial" charset="0"/>
+              <a:cs typeface="Arial" charset="0"/>
+            </a:endParaRPr>
+          </a:p>
+          <a:p>
+            <a:pPr marL="0" indent="0" latinLnBrk="0">
+              <a:buFontTx/>
+              <a:buNone/>
+            </a:pPr>
+            <a:endParaRPr lang="ko-KR" altLang="en-US" sz="600">
+              <a:latin typeface="Arial" charset="0"/>
+              <a:cs typeface="Arial" charset="0"/>
+            </a:endParaRPr>
+          </a:p>
+          <a:p>
+            <a:pPr marL="0" indent="0" latinLnBrk="0">
+              <a:buFontTx/>
+              <a:buNone/>
+            </a:pPr>
+            <a:endParaRPr lang="ko-KR" altLang="en-US" sz="600" b="1">
+              <a:latin typeface="Arial" charset="0"/>
+              <a:cs typeface="Arial" charset="0"/>
+            </a:endParaRPr>
+          </a:p>
+        </p:txBody>
+      </p:sp>
+      <p:sp>
+        <p:nvSpPr>
+          <p:cNvPr id="347" name="Rect 0"/>
+          <p:cNvSpPr txBox="1">
+            <a:spLocks/>
+          </p:cNvSpPr>
+          <p:nvPr/>
+        </p:nvSpPr>
+        <p:spPr>
+          <a:xfrm rot="0">
+            <a:off x="7544435" y="2522220"/>
+            <a:ext cx="899795" cy="368300"/>
+          </a:xfrm>
+          <a:prstGeom prst="rect"/>
+          <a:noFill/>
+        </p:spPr>
+        <p:txBody>
+          <a:bodyPr wrap="square" lIns="91440" tIns="45720" rIns="91440" bIns="45720" numCol="1" vert="horz" anchor="t">
+            <a:spAutoFit/>
+          </a:bodyPr>
+          <a:lstStyle/>
+          <a:p>
+            <a:pPr marL="0" indent="0" algn="l" latinLnBrk="0">
+              <a:buFontTx/>
+              <a:buNone/>
+            </a:pPr>
+            <a:r>
+              <a:rPr lang="en-US" altLang="ko-KR" sz="600" b="1">
+                <a:latin typeface="Arial" charset="0"/>
+                <a:cs typeface="Arial" charset="0"/>
+              </a:rPr>
+              <a:t>PULL IF DEVELOP:</a:t>
+            </a:r>
+            <a:endParaRPr lang="ko-KR" altLang="en-US" sz="600" b="1">
+              <a:latin typeface="Arial" charset="0"/>
+              <a:cs typeface="Arial" charset="0"/>
+            </a:endParaRPr>
+          </a:p>
+          <a:p>
+            <a:pPr marL="0" indent="0" algn="l" latinLnBrk="0">
+              <a:buFontTx/>
+              <a:buNone/>
+            </a:pPr>
+            <a:endParaRPr lang="ko-KR" altLang="en-US" sz="600" b="1">
+              <a:latin typeface="Arial" charset="0"/>
+              <a:cs typeface="Arial" charset="0"/>
+            </a:endParaRPr>
+          </a:p>
+          <a:p>
+            <a:pPr marL="0" indent="0" algn="l" latinLnBrk="0">
+              <a:buFontTx/>
+              <a:buNone/>
+            </a:pPr>
+            <a:r>
+              <a:rPr lang="en-US" altLang="ko-KR" sz="600">
+                <a:latin typeface="Arial" charset="0"/>
+                <a:cs typeface="Arial" charset="0"/>
+              </a:rPr>
+              <a:t>Docker image</a:t>
+            </a:r>
+            <a:endParaRPr lang="ko-KR" altLang="en-US" sz="600">
+              <a:latin typeface="Arial" charset="0"/>
+              <a:cs typeface="Arial" charset="0"/>
+            </a:endParaRPr>
+          </a:p>
+        </p:txBody>
+      </p:sp>
+      <p:sp>
+        <p:nvSpPr>
+          <p:cNvPr id="1044" name="Rect 0"/>
+          <p:cNvSpPr>
+            <a:spLocks/>
+          </p:cNvSpPr>
+          <p:nvPr/>
+        </p:nvSpPr>
+        <p:spPr>
+          <a:xfrm rot="0">
+            <a:off x="7578725" y="4221480"/>
+            <a:ext cx="612775" cy="532130"/>
+          </a:xfrm>
+          <a:prstGeom prst="roundRect"/>
+          <a:solidFill>
+            <a:schemeClr val="accent3">
+              <a:lumMod val="20000"/>
+              <a:lumOff val="80000"/>
+            </a:schemeClr>
+          </a:solidFill>
+          <a:ln w="12700" cap="flat" cmpd="sng">
+            <a:solidFill>
+              <a:srgbClr val="2F528F">
+                <a:alpha val="100000"/>
+              </a:srgbClr>
+            </a:solidFill>
+            <a:prstDash val="lgDashDotDot"/>
+          </a:ln>
+        </p:spPr>
+        <p:style>
+          <a:lnRef idx="2">
+            <a:schemeClr val="accent1">
+              <a:shade val="50000"/>
+            </a:schemeClr>
+          </a:lnRef>
+          <a:fillRef idx="1">
+            <a:schemeClr val="accent1"/>
+          </a:fillRef>
+          <a:effectRef idx="0">
+            <a:schemeClr val="accent1"/>
+          </a:effectRef>
+          <a:fontRef idx="minor">
+            <a:schemeClr val="lt1"/>
+          </a:fontRef>
+        </p:style>
+        <p:txBody>
+          <a:bodyPr wrap="square" lIns="91440" tIns="45720" rIns="91440" bIns="45720" numCol="1" vert="horz" anchor="ctr">
+            <a:noAutofit/>
+          </a:bodyPr>
+          <a:lstStyle/>
+          <a:p>
+            <a:pPr marL="0" indent="0" algn="ctr" latinLnBrk="0">
+              <a:buFontTx/>
+              <a:buNone/>
+            </a:pPr>
+            <a:endParaRPr lang="ko-KR" altLang="en-US"/>
+          </a:p>
+        </p:txBody>
+      </p:sp>
+      <p:sp>
+        <p:nvSpPr>
+          <p:cNvPr id="1045" name="Rect 0"/>
+          <p:cNvSpPr>
+            <a:spLocks/>
+          </p:cNvSpPr>
+          <p:nvPr/>
+        </p:nvSpPr>
+        <p:spPr>
+          <a:xfrm rot="0">
+            <a:off x="7351395" y="3991610"/>
+            <a:ext cx="1624330" cy="885825"/>
+          </a:xfrm>
+          <a:prstGeom prst="roundRect"/>
+          <a:noFill/>
+          <a:ln w="12700" cap="flat" cmpd="sng">
+            <a:solidFill>
+              <a:schemeClr val="accent1">
+                <a:lumMod val="75000"/>
+                <a:alpha val="100000"/>
+              </a:schemeClr>
+            </a:solidFill>
+            <a:prstDash val="solid"/>
+          </a:ln>
+        </p:spPr>
+        <p:style>
+          <a:lnRef idx="2">
+            <a:schemeClr val="accent1">
+              <a:shade val="50000"/>
+            </a:schemeClr>
+          </a:lnRef>
+          <a:fillRef idx="1">
+            <a:schemeClr val="accent1"/>
+          </a:fillRef>
+          <a:effectRef idx="0">
+            <a:schemeClr val="accent1"/>
+          </a:effectRef>
+          <a:fontRef idx="minor">
+            <a:schemeClr val="lt1"/>
+          </a:fontRef>
+        </p:style>
+        <p:txBody>
+          <a:bodyPr wrap="square" lIns="91440" tIns="45720" rIns="91440" bIns="45720" numCol="1" vert="horz" anchor="ctr">
+            <a:noAutofit/>
+          </a:bodyPr>
+          <a:lstStyle/>
+          <a:p>
+            <a:pPr marL="0" indent="0" algn="ctr" latinLnBrk="0">
+              <a:buFontTx/>
+              <a:buNone/>
+            </a:pPr>
+            <a:endParaRPr lang="ko-KR" altLang="en-US">
+              <a:solidFill>
+                <a:schemeClr val="accent1">
+                  <a:lumMod val="75000"/>
+                </a:schemeClr>
+              </a:solidFill>
+            </a:endParaRPr>
+          </a:p>
+        </p:txBody>
+      </p:sp>
+      <p:sp>
+        <p:nvSpPr>
+          <p:cNvPr id="1046" name="Rect 0"/>
+          <p:cNvSpPr>
+            <a:spLocks/>
+          </p:cNvSpPr>
+          <p:nvPr/>
+        </p:nvSpPr>
+        <p:spPr>
+          <a:xfrm rot="0">
+            <a:off x="7173595" y="3634740"/>
+            <a:ext cx="1852295" cy="1299845"/>
+          </a:xfrm>
+          <a:prstGeom prst="roundRect"/>
+          <a:noFill/>
+          <a:ln w="19050" cap="flat" cmpd="sng">
+            <a:solidFill>
+              <a:schemeClr val="accent2">
+                <a:lumMod val="75000"/>
+                <a:alpha val="100000"/>
+              </a:schemeClr>
+            </a:solidFill>
+            <a:prstDash val="solid"/>
+          </a:ln>
+        </p:spPr>
+        <p:style>
+          <a:lnRef idx="2">
+            <a:schemeClr val="accent1">
+              <a:shade val="50000"/>
+            </a:schemeClr>
+          </a:lnRef>
+          <a:fillRef idx="1">
+            <a:schemeClr val="accent1"/>
+          </a:fillRef>
+          <a:effectRef idx="0">
+            <a:schemeClr val="accent1"/>
+          </a:effectRef>
+          <a:fontRef idx="minor">
+            <a:schemeClr val="lt1"/>
+          </a:fontRef>
+        </p:style>
+        <p:txBody>
+          <a:bodyPr wrap="square" lIns="91440" tIns="45720" rIns="91440" bIns="45720" numCol="1" vert="horz" anchor="ctr">
+            <a:noAutofit/>
+          </a:bodyPr>
+          <a:lstStyle/>
+          <a:p>
+            <a:pPr marL="0" indent="0" algn="ctr" latinLnBrk="0">
+              <a:buFontTx/>
+              <a:buNone/>
+            </a:pPr>
+            <a:endParaRPr lang="ko-KR" altLang="en-US"/>
+          </a:p>
+        </p:txBody>
+      </p:sp>
+      <p:pic>
+        <p:nvPicPr>
+          <p:cNvPr id="1047" name="Picture " descr="C:/Users/MZC/AppData/Roaming/PolarisOffice/ETemp/2836_7390680/image39.png"/>
+          <p:cNvPicPr>
+            <a:picLocks noChangeAspect="1"/>
+          </p:cNvPicPr>
+          <p:nvPr/>
+        </p:nvPicPr>
+        <p:blipFill rotWithShape="1">
+          <a:blip r:embed="rId10" cstate="hqprint">
+            <a:extLst>
+              <a:ext uri="{28A0092B-C50C-407E-A947-70E740481C1C}">
+                <a14:useLocalDpi xmlns:a14="http://schemas.microsoft.com/office/drawing/2010/main"/>
+              </a:ext>
+            </a:extLst>
+          </a:blip>
+          <a:stretch>
+            <a:fillRect/>
+          </a:stretch>
+        </p:blipFill>
+        <p:spPr bwMode="auto">
+          <a:xfrm rot="0">
+            <a:off x="8230235" y="3310255"/>
+            <a:ext cx="807085" cy="515620"/>
+          </a:xfrm>
+          <a:prstGeom prst="rect"/>
+          <a:noFill/>
+        </p:spPr>
+      </p:pic>
+      <p:pic>
+        <p:nvPicPr>
+          <p:cNvPr id="1048" name="Picture " descr="C:/Users/MZC/AppData/Roaming/PolarisOffice/ETemp/2836_7390680/image42.png"/>
+          <p:cNvPicPr>
+            <a:picLocks noChangeAspect="1"/>
+          </p:cNvPicPr>
+          <p:nvPr/>
+        </p:nvPicPr>
+        <p:blipFill rotWithShape="1">
+          <a:blip r:embed="rId14" cstate="hqprint">
+            <a:extLst>
+              <a:ext uri="{28A0092B-C50C-407E-A947-70E740481C1C}">
+                <a14:useLocalDpi xmlns:a14="http://schemas.microsoft.com/office/drawing/2010/main"/>
+              </a:ext>
+            </a:extLst>
+          </a:blip>
+          <a:stretch>
+            <a:fillRect/>
+          </a:stretch>
+        </p:blipFill>
+        <p:spPr bwMode="auto">
+          <a:xfrm rot="0">
+            <a:off x="7379335" y="3745865"/>
+            <a:ext cx="338455" cy="429260"/>
+          </a:xfrm>
+          <a:prstGeom prst="rect"/>
+          <a:noFill/>
+        </p:spPr>
+      </p:pic>
+      <p:pic>
+        <p:nvPicPr>
+          <p:cNvPr id="1049" name="Picture " descr="C:/Users/MZC/AppData/Roaming/PolarisOffice/ETemp/2836_7390680/image38.png"/>
+          <p:cNvPicPr>
+            <a:picLocks noChangeAspect="1"/>
+          </p:cNvPicPr>
+          <p:nvPr/>
+        </p:nvPicPr>
+        <p:blipFill rotWithShape="1">
+          <a:blip r:embed="rId9" cstate="hqprint">
+            <a:extLst>
+              <a:ext uri="{28A0092B-C50C-407E-A947-70E740481C1C}">
+                <a14:useLocalDpi xmlns:a14="http://schemas.microsoft.com/office/drawing/2010/main"/>
+              </a:ext>
+            </a:extLst>
+          </a:blip>
+          <a:stretch>
+            <a:fillRect/>
+          </a:stretch>
+        </p:blipFill>
+        <p:spPr bwMode="auto">
+          <a:xfrm rot="0">
+            <a:off x="7597775" y="3993515"/>
+            <a:ext cx="574675" cy="395605"/>
+          </a:xfrm>
+          <a:prstGeom prst="rect"/>
+          <a:noFill/>
+        </p:spPr>
+      </p:pic>
+      <p:sp>
+        <p:nvSpPr>
+          <p:cNvPr id="1050" name="Rect 0"/>
+          <p:cNvSpPr>
+            <a:spLocks/>
+          </p:cNvSpPr>
+          <p:nvPr/>
+        </p:nvSpPr>
+        <p:spPr>
+          <a:xfrm rot="0">
+            <a:off x="8272145" y="4222750"/>
+            <a:ext cx="612775" cy="532130"/>
+          </a:xfrm>
+          <a:prstGeom prst="roundRect"/>
+          <a:solidFill>
+            <a:schemeClr val="accent3">
+              <a:lumMod val="20000"/>
+              <a:lumOff val="80000"/>
+            </a:schemeClr>
+          </a:solidFill>
+          <a:ln w="12700" cap="flat" cmpd="sng">
+            <a:solidFill>
+              <a:srgbClr val="2F528F">
+                <a:alpha val="100000"/>
+              </a:srgbClr>
+            </a:solidFill>
+            <a:prstDash val="lgDashDotDot"/>
+          </a:ln>
+        </p:spPr>
+        <p:style>
+          <a:lnRef idx="2">
+            <a:schemeClr val="accent1">
+              <a:shade val="50000"/>
+            </a:schemeClr>
+          </a:lnRef>
+          <a:fillRef idx="1">
+            <a:schemeClr val="accent1"/>
+          </a:fillRef>
+          <a:effectRef idx="0">
+            <a:schemeClr val="accent1"/>
+          </a:effectRef>
+          <a:fontRef idx="minor">
+            <a:schemeClr val="lt1"/>
+          </a:fontRef>
+        </p:style>
+        <p:txBody>
+          <a:bodyPr wrap="square" lIns="91440" tIns="45720" rIns="91440" bIns="45720" numCol="1" vert="horz" anchor="ctr">
+            <a:noAutofit/>
+          </a:bodyPr>
+          <a:lstStyle/>
+          <a:p>
+            <a:pPr marL="0" indent="0" algn="ctr" latinLnBrk="0">
+              <a:buFontTx/>
+              <a:buNone/>
+            </a:pPr>
+            <a:endParaRPr lang="ko-KR" altLang="en-US"/>
+          </a:p>
+        </p:txBody>
+      </p:sp>
+      <p:pic>
+        <p:nvPicPr>
+          <p:cNvPr id="1051" name="Picture " descr="C:/Users/MZC/AppData/Roaming/PolarisOffice/ETemp/2836_7390680/image38.png"/>
+          <p:cNvPicPr>
+            <a:picLocks noChangeAspect="1"/>
+          </p:cNvPicPr>
+          <p:nvPr/>
+        </p:nvPicPr>
+        <p:blipFill rotWithShape="1">
+          <a:blip r:embed="rId9" cstate="hqprint">
+            <a:extLst>
+              <a:ext uri="{28A0092B-C50C-407E-A947-70E740481C1C}">
+                <a14:useLocalDpi xmlns:a14="http://schemas.microsoft.com/office/drawing/2010/main"/>
+              </a:ext>
+            </a:extLst>
+          </a:blip>
+          <a:stretch>
+            <a:fillRect/>
+          </a:stretch>
+        </p:blipFill>
+        <p:spPr bwMode="auto">
+          <a:xfrm rot="0">
+            <a:off x="8291195" y="3995420"/>
+            <a:ext cx="574675" cy="395605"/>
+          </a:xfrm>
+          <a:prstGeom prst="rect"/>
+          <a:noFill/>
+        </p:spPr>
+      </p:pic>
+      <p:pic>
+        <p:nvPicPr>
+          <p:cNvPr id="1052" name="Picture " descr="C:/Users/MZC/AppData/Roaming/PolarisOffice/ETemp/2836_7390680/image43.png"/>
+          <p:cNvPicPr>
+            <a:picLocks noChangeAspect="1"/>
+          </p:cNvPicPr>
+          <p:nvPr/>
+        </p:nvPicPr>
+        <p:blipFill rotWithShape="1">
+          <a:blip r:embed="rId15" cstate="hqprint">
+            <a:extLst>
+              <a:ext uri="{28A0092B-C50C-407E-A947-70E740481C1C}">
+                <a14:useLocalDpi xmlns:a14="http://schemas.microsoft.com/office/drawing/2010/main"/>
+              </a:ext>
+            </a:extLst>
+          </a:blip>
+          <a:stretch>
+            <a:fillRect/>
+          </a:stretch>
+        </p:blipFill>
+        <p:spPr bwMode="auto">
+          <a:xfrm rot="0">
+            <a:off x="7675245" y="4366260"/>
+            <a:ext cx="381635" cy="274320"/>
+          </a:xfrm>
+          <a:prstGeom prst="rect"/>
+          <a:noFill/>
+        </p:spPr>
+      </p:pic>
+      <p:pic>
+        <p:nvPicPr>
+          <p:cNvPr id="1053" name="Picture " descr="C:/Users/MZC/AppData/Roaming/PolarisOffice/ETemp/2836_7390680/image44.png"/>
+          <p:cNvPicPr>
+            <a:picLocks noChangeAspect="1"/>
+          </p:cNvPicPr>
+          <p:nvPr/>
+        </p:nvPicPr>
+        <p:blipFill rotWithShape="1">
+          <a:blip r:embed="rId16" cstate="hqprint">
+            <a:extLst>
+              <a:ext uri="{28A0092B-C50C-407E-A947-70E740481C1C}">
+                <a14:useLocalDpi xmlns:a14="http://schemas.microsoft.com/office/drawing/2010/main"/>
+              </a:ext>
+            </a:extLst>
+          </a:blip>
+          <a:stretch>
+            <a:fillRect/>
+          </a:stretch>
+        </p:blipFill>
+        <p:spPr bwMode="auto">
+          <a:xfrm rot="0">
+            <a:off x="8436610" y="4322445"/>
+            <a:ext cx="283210" cy="400685"/>
+          </a:xfrm>
+          <a:prstGeom prst="rect"/>
+          <a:noFill/>
+        </p:spPr>
+      </p:pic>
+      <p:cxnSp>
+        <p:nvCxnSpPr>
+          <p:cNvPr id="1054" name="Rect 0"/>
+          <p:cNvCxnSpPr/>
+          <p:nvPr/>
+        </p:nvCxnSpPr>
+        <p:spPr>
+          <a:xfrm rot="0" flipH="1" flipV="1">
+            <a:off x="8190865" y="4486910"/>
+            <a:ext cx="81915" cy="1905"/>
+          </a:xfrm>
+          <a:prstGeom prst="straightConnector1"/>
+          <a:ln w="6350" cap="flat" cmpd="sng">
+            <a:solidFill>
+              <a:schemeClr val="accent1">
+                <a:alpha val="100000"/>
+              </a:schemeClr>
+            </a:solidFill>
+            <a:prstDash val="solid"/>
+          </a:ln>
+        </p:spPr>
+        <p:style>
+          <a:lnRef idx="1">
+            <a:schemeClr val="accent1"/>
+          </a:lnRef>
+          <a:fillRef idx="0">
+            <a:schemeClr val="accent1"/>
+          </a:fillRef>
+          <a:effectRef idx="0">
+            <a:schemeClr val="accent1"/>
+          </a:effectRef>
+          <a:fontRef idx="minor">
+            <a:schemeClr val="tx1"/>
+          </a:fontRef>
+        </p:style>
+      </p:cxnSp>
+      <p:sp>
+        <p:nvSpPr>
+          <p:cNvPr id="1056" name="Rect 0"/>
+          <p:cNvSpPr>
+            <a:spLocks/>
+          </p:cNvSpPr>
+          <p:nvPr/>
+        </p:nvSpPr>
+        <p:spPr>
+          <a:xfrm rot="0">
+            <a:off x="6823075" y="3131185"/>
+            <a:ext cx="491490" cy="46990"/>
+          </a:xfrm>
+          <a:prstGeom prst="rightArrow"/>
+          <a:solidFill>
+            <a:schemeClr val="accent4"/>
+          </a:solidFill>
+          <a:ln w="12700" cap="flat" cmpd="sng">
+            <a:solidFill>
+              <a:schemeClr val="accent4">
+                <a:alpha val="100000"/>
+              </a:schemeClr>
+            </a:solidFill>
+            <a:prstDash val="solid"/>
+          </a:ln>
+        </p:spPr>
+        <p:style>
+          <a:lnRef idx="2">
+            <a:schemeClr val="accent1">
+              <a:shade val="50000"/>
+            </a:schemeClr>
+          </a:lnRef>
+          <a:fillRef idx="1">
+            <a:schemeClr val="accent1"/>
+          </a:fillRef>
+          <a:effectRef idx="0">
+            <a:schemeClr val="accent1"/>
+          </a:effectRef>
+          <a:fontRef idx="minor">
+            <a:schemeClr val="lt1"/>
+          </a:fontRef>
+        </p:style>
+        <p:txBody>
+          <a:bodyPr wrap="square" lIns="91440" tIns="45720" rIns="91440" bIns="45720" numCol="1" vert="horz" anchor="ctr">
+            <a:noAutofit/>
+          </a:bodyPr>
+          <a:lstStyle/>
+          <a:p>
+            <a:pPr marL="0" indent="0" algn="ctr" latinLnBrk="0">
+              <a:buFontTx/>
+              <a:buNone/>
+            </a:pPr>
+            <a:endParaRPr lang="ko-KR" altLang="en-US"/>
+          </a:p>
+        </p:txBody>
+      </p:sp>
+      <p:sp>
+        <p:nvSpPr>
+          <p:cNvPr id="1057" name="Rect 0"/>
+          <p:cNvSpPr txBox="1">
+            <a:spLocks/>
+          </p:cNvSpPr>
+          <p:nvPr/>
+        </p:nvSpPr>
+        <p:spPr>
+          <a:xfrm rot="0">
+            <a:off x="7513955" y="3274695"/>
+            <a:ext cx="934720" cy="368300"/>
+          </a:xfrm>
+          <a:prstGeom prst="rect"/>
+          <a:noFill/>
+        </p:spPr>
+        <p:txBody>
+          <a:bodyPr wrap="square" lIns="91440" tIns="45720" rIns="91440" bIns="45720" numCol="1" vert="horz" anchor="t">
+            <a:spAutoFit/>
+          </a:bodyPr>
+          <a:lstStyle/>
+          <a:p>
+            <a:pPr marL="0" indent="0" algn="l" latinLnBrk="0">
+              <a:buFontTx/>
+              <a:buNone/>
+            </a:pPr>
+            <a:r>
+              <a:rPr lang="en-US" altLang="ko-KR" sz="600" b="1">
+                <a:latin typeface="Arial" charset="0"/>
+                <a:cs typeface="Arial" charset="0"/>
+              </a:rPr>
+              <a:t>PULL IF MASTER:</a:t>
+            </a:r>
+            <a:endParaRPr lang="ko-KR" altLang="en-US" sz="600" b="1">
+              <a:latin typeface="Arial" charset="0"/>
+              <a:cs typeface="Arial" charset="0"/>
+            </a:endParaRPr>
+          </a:p>
+          <a:p>
+            <a:pPr marL="0" indent="0" algn="l" latinLnBrk="0">
+              <a:buFontTx/>
+              <a:buNone/>
+            </a:pPr>
+            <a:endParaRPr lang="ko-KR" altLang="en-US" sz="600" b="1">
+              <a:latin typeface="Arial" charset="0"/>
+              <a:cs typeface="Arial" charset="0"/>
+            </a:endParaRPr>
+          </a:p>
+          <a:p>
+            <a:pPr marL="0" indent="0" algn="l" latinLnBrk="0">
+              <a:buFontTx/>
+              <a:buNone/>
+            </a:pPr>
+            <a:r>
+              <a:rPr lang="en-US" altLang="ko-KR" sz="600">
+                <a:latin typeface="Arial" charset="0"/>
+                <a:cs typeface="Arial" charset="0"/>
+              </a:rPr>
+              <a:t>Docker image</a:t>
+            </a:r>
+            <a:endParaRPr lang="ko-KR" altLang="en-US" sz="600">
+              <a:latin typeface="Arial" charset="0"/>
+              <a:cs typeface="Arial" charset="0"/>
+            </a:endParaRPr>
+          </a:p>
+        </p:txBody>
+      </p:sp>
+      <p:sp>
+        <p:nvSpPr>
+          <p:cNvPr id="1059" name="Rect 0"/>
+          <p:cNvSpPr txBox="1">
+            <a:spLocks/>
+          </p:cNvSpPr>
+          <p:nvPr/>
+        </p:nvSpPr>
+        <p:spPr>
+          <a:xfrm rot="0">
+            <a:off x="8465185" y="3736975"/>
+            <a:ext cx="384175" cy="184150"/>
+          </a:xfrm>
+          <a:prstGeom prst="rect"/>
+          <a:noFill/>
+        </p:spPr>
+        <p:txBody>
+          <a:bodyPr wrap="square" lIns="91440" tIns="45720" rIns="91440" bIns="45720" numCol="1" vert="horz" anchor="t">
+            <a:spAutoFit/>
+          </a:bodyPr>
+          <a:lstStyle/>
+          <a:p>
+            <a:pPr marL="0" indent="0" algn="l" latinLnBrk="0">
+              <a:buFontTx/>
+              <a:buNone/>
+            </a:pPr>
+            <a:r>
+              <a:rPr lang="en-US" altLang="ko-KR" sz="600" b="1">
+                <a:latin typeface="Arial" charset="0"/>
+                <a:cs typeface="Arial" charset="0"/>
+              </a:rPr>
+              <a:t>OPS</a:t>
+            </a:r>
+            <a:endParaRPr lang="ko-KR" altLang="en-US" sz="600">
+              <a:latin typeface="Arial" charset="0"/>
+              <a:cs typeface="Arial" charset="0"/>
+            </a:endParaRPr>
+          </a:p>
+        </p:txBody>
+      </p:sp>
+      <p:sp>
+        <p:nvSpPr>
+          <p:cNvPr id="1060" name="Rect 0"/>
+          <p:cNvSpPr txBox="1">
+            <a:spLocks/>
+          </p:cNvSpPr>
+          <p:nvPr/>
+        </p:nvSpPr>
+        <p:spPr>
+          <a:xfrm rot="0">
+            <a:off x="6290310" y="2385695"/>
+            <a:ext cx="358775" cy="184150"/>
+          </a:xfrm>
+          <a:prstGeom prst="rect"/>
+          <a:noFill/>
+        </p:spPr>
+        <p:txBody>
+          <a:bodyPr wrap="square" lIns="91440" tIns="45720" rIns="91440" bIns="45720" numCol="1" vert="horz" anchor="t">
+            <a:spAutoFit/>
+          </a:bodyPr>
+          <a:lstStyle/>
+          <a:p>
+            <a:pPr marL="0" indent="0" algn="l" latinLnBrk="0">
+              <a:buFontTx/>
+              <a:buNone/>
+            </a:pPr>
+            <a:r>
+              <a:rPr lang="en-US" altLang="ko-KR" sz="600" b="1">
+                <a:latin typeface="Arial" charset="0"/>
+                <a:cs typeface="Arial" charset="0"/>
+              </a:rPr>
+              <a:t>DEV</a:t>
+            </a:r>
+            <a:endParaRPr lang="ko-KR" altLang="en-US" sz="600">
+              <a:latin typeface="Arial" charset="0"/>
+              <a:cs typeface="Arial" charset="0"/>
+            </a:endParaRPr>
+          </a:p>
+        </p:txBody>
+      </p:sp>
+      <p:sp>
+        <p:nvSpPr>
+          <p:cNvPr id="1061" name="도형 21"/>
+          <p:cNvSpPr>
+            <a:spLocks/>
+          </p:cNvSpPr>
+          <p:nvPr/>
+        </p:nvSpPr>
+        <p:spPr>
+          <a:xfrm rot="5400000">
+            <a:off x="7338060" y="3494405"/>
+            <a:ext cx="445770" cy="46990"/>
+          </a:xfrm>
+          <a:prstGeom prst="rightArrow"/>
+          <a:solidFill>
+            <a:schemeClr val="accent4"/>
+          </a:solidFill>
+          <a:ln w="12700" cap="flat" cmpd="sng">
+            <a:solidFill>
+              <a:schemeClr val="accent4">
+                <a:alpha val="100000"/>
+              </a:schemeClr>
+            </a:solidFill>
+            <a:prstDash val="solid"/>
+          </a:ln>
+        </p:spPr>
+        <p:style>
+          <a:lnRef idx="2">
+            <a:schemeClr val="accent1">
+              <a:shade val="50000"/>
+            </a:schemeClr>
+          </a:lnRef>
+          <a:fillRef idx="1">
+            <a:schemeClr val="accent1"/>
+          </a:fillRef>
+          <a:effectRef idx="0">
+            <a:schemeClr val="accent1"/>
+          </a:effectRef>
+          <a:fontRef idx="minor">
+            <a:schemeClr val="lt1"/>
+          </a:fontRef>
+        </p:style>
+        <p:txBody>
+          <a:bodyPr wrap="square" lIns="91440" tIns="45720" rIns="91440" bIns="45720" numCol="1" vert="horz" anchor="ctr">
+            <a:noAutofit/>
+          </a:bodyPr>
+          <a:lstStyle/>
+          <a:p>
+            <a:pPr marL="0" indent="0" algn="ctr" latinLnBrk="0">
+              <a:buFontTx/>
+              <a:buNone/>
+            </a:pPr>
+            <a:endParaRPr lang="ko-KR" altLang="en-US"/>
+          </a:p>
+        </p:txBody>
+      </p:sp>
+      <p:sp>
+        <p:nvSpPr>
+          <p:cNvPr id="1062" name="도형 22"/>
+          <p:cNvSpPr>
+            <a:spLocks/>
+          </p:cNvSpPr>
+          <p:nvPr/>
+        </p:nvSpPr>
+        <p:spPr>
+          <a:xfrm rot="0">
+            <a:off x="7578725" y="1573530"/>
+            <a:ext cx="612775" cy="532130"/>
+          </a:xfrm>
+          <a:prstGeom prst="roundRect"/>
+          <a:solidFill>
+            <a:schemeClr val="accent3">
+              <a:lumMod val="20000"/>
+              <a:lumOff val="80000"/>
+            </a:schemeClr>
+          </a:solidFill>
+          <a:ln w="12700" cap="flat" cmpd="sng">
+            <a:solidFill>
+              <a:srgbClr val="2F528F">
+                <a:alpha val="100000"/>
+              </a:srgbClr>
+            </a:solidFill>
+            <a:prstDash val="lgDashDotDot"/>
+          </a:ln>
+        </p:spPr>
+        <p:style>
+          <a:lnRef idx="2">
+            <a:schemeClr val="accent1">
+              <a:shade val="50000"/>
+            </a:schemeClr>
+          </a:lnRef>
+          <a:fillRef idx="1">
+            <a:schemeClr val="accent1"/>
+          </a:fillRef>
+          <a:effectRef idx="0">
+            <a:schemeClr val="accent1"/>
+          </a:effectRef>
+          <a:fontRef idx="minor">
+            <a:schemeClr val="lt1"/>
+          </a:fontRef>
+        </p:style>
+        <p:txBody>
+          <a:bodyPr wrap="square" lIns="91440" tIns="45720" rIns="91440" bIns="45720" numCol="1" vert="horz" anchor="ctr">
+            <a:noAutofit/>
+          </a:bodyPr>
+          <a:lstStyle/>
+          <a:p>
+            <a:pPr marL="0" indent="0" algn="ctr" latinLnBrk="0">
+              <a:buFontTx/>
+              <a:buNone/>
+            </a:pPr>
+            <a:endParaRPr lang="ko-KR" altLang="en-US"/>
+          </a:p>
+        </p:txBody>
+      </p:sp>
+      <p:sp>
+        <p:nvSpPr>
+          <p:cNvPr id="1063" name="도형 23"/>
+          <p:cNvSpPr>
+            <a:spLocks/>
+          </p:cNvSpPr>
+          <p:nvPr/>
+        </p:nvSpPr>
+        <p:spPr>
+          <a:xfrm rot="0">
+            <a:off x="7351395" y="1343660"/>
+            <a:ext cx="1624330" cy="885825"/>
+          </a:xfrm>
+          <a:prstGeom prst="roundRect"/>
+          <a:noFill/>
+          <a:ln w="12700" cap="flat" cmpd="sng">
+            <a:solidFill>
+              <a:schemeClr val="accent1">
+                <a:lumMod val="75000"/>
+                <a:alpha val="100000"/>
+              </a:schemeClr>
+            </a:solidFill>
+            <a:prstDash val="solid"/>
+          </a:ln>
+        </p:spPr>
+        <p:style>
+          <a:lnRef idx="2">
+            <a:schemeClr val="accent1">
+              <a:shade val="50000"/>
+            </a:schemeClr>
+          </a:lnRef>
+          <a:fillRef idx="1">
+            <a:schemeClr val="accent1"/>
+          </a:fillRef>
+          <a:effectRef idx="0">
+            <a:schemeClr val="accent1"/>
+          </a:effectRef>
+          <a:fontRef idx="minor">
+            <a:schemeClr val="lt1"/>
+          </a:fontRef>
+        </p:style>
+        <p:txBody>
+          <a:bodyPr wrap="square" lIns="91440" tIns="45720" rIns="91440" bIns="45720" numCol="1" vert="horz" anchor="ctr">
+            <a:noAutofit/>
+          </a:bodyPr>
+          <a:lstStyle/>
+          <a:p>
+            <a:pPr marL="0" indent="0" algn="ctr" latinLnBrk="0">
+              <a:buFontTx/>
+              <a:buNone/>
+            </a:pPr>
+            <a:endParaRPr lang="ko-KR" altLang="en-US">
+              <a:solidFill>
+                <a:schemeClr val="accent1">
+                  <a:lumMod val="75000"/>
+                </a:schemeClr>
+              </a:solidFill>
+            </a:endParaRPr>
+          </a:p>
+        </p:txBody>
+      </p:sp>
+      <p:sp>
+        <p:nvSpPr>
+          <p:cNvPr id="1064" name="도형 24"/>
+          <p:cNvSpPr>
+            <a:spLocks/>
+          </p:cNvSpPr>
+          <p:nvPr/>
+        </p:nvSpPr>
+        <p:spPr>
+          <a:xfrm rot="0">
+            <a:off x="7173595" y="1073150"/>
+            <a:ext cx="1852295" cy="1473835"/>
+          </a:xfrm>
+          <a:prstGeom prst="roundRect"/>
+          <a:noFill/>
+          <a:ln w="19050" cap="flat" cmpd="sng">
+            <a:solidFill>
+              <a:schemeClr val="accent2">
+                <a:lumMod val="75000"/>
+                <a:alpha val="100000"/>
+              </a:schemeClr>
+            </a:solidFill>
+            <a:prstDash val="solid"/>
+          </a:ln>
+        </p:spPr>
+        <p:style>
+          <a:lnRef idx="2">
+            <a:schemeClr val="accent1">
+              <a:shade val="50000"/>
+            </a:schemeClr>
+          </a:lnRef>
+          <a:fillRef idx="1">
+            <a:schemeClr val="accent1"/>
+          </a:fillRef>
+          <a:effectRef idx="0">
+            <a:schemeClr val="accent1"/>
+          </a:effectRef>
+          <a:fontRef idx="minor">
+            <a:schemeClr val="lt1"/>
+          </a:fontRef>
+        </p:style>
+        <p:txBody>
+          <a:bodyPr wrap="square" lIns="91440" tIns="45720" rIns="91440" bIns="45720" numCol="1" vert="horz" anchor="ctr">
+            <a:noAutofit/>
+          </a:bodyPr>
+          <a:lstStyle/>
+          <a:p>
+            <a:pPr marL="0" indent="0" algn="ctr" latinLnBrk="0">
+              <a:buFontTx/>
+              <a:buNone/>
+            </a:pPr>
+            <a:endParaRPr lang="ko-KR" altLang="en-US"/>
+          </a:p>
+        </p:txBody>
+      </p:sp>
+      <p:pic>
+        <p:nvPicPr>
+          <p:cNvPr id="1065" name="그림 25" descr="C:/Users/MZC/AppData/Roaming/PolarisOffice/ETemp/2836_7390680/image39.png"/>
+          <p:cNvPicPr>
+            <a:picLocks noChangeAspect="1"/>
+          </p:cNvPicPr>
+          <p:nvPr/>
+        </p:nvPicPr>
+        <p:blipFill rotWithShape="1">
+          <a:blip r:embed="rId10" cstate="hqprint">
+            <a:extLst>
+              <a:ext uri="{28A0092B-C50C-407E-A947-70E740481C1C}">
+                <a14:useLocalDpi xmlns:a14="http://schemas.microsoft.com/office/drawing/2010/main"/>
+              </a:ext>
+            </a:extLst>
+          </a:blip>
+          <a:stretch>
+            <a:fillRect/>
+          </a:stretch>
+        </p:blipFill>
+        <p:spPr bwMode="auto">
+          <a:xfrm rot="0">
+            <a:off x="8230235" y="751205"/>
+            <a:ext cx="807085" cy="515620"/>
+          </a:xfrm>
+          <a:prstGeom prst="rect"/>
+          <a:noFill/>
+        </p:spPr>
+      </p:pic>
+      <p:pic>
+        <p:nvPicPr>
+          <p:cNvPr id="1066" name="그림 26" descr="C:/Users/MZC/AppData/Roaming/PolarisOffice/ETemp/2836_7390680/image42.png"/>
+          <p:cNvPicPr>
+            <a:picLocks noChangeAspect="1"/>
+          </p:cNvPicPr>
+          <p:nvPr/>
+        </p:nvPicPr>
+        <p:blipFill rotWithShape="1">
+          <a:blip r:embed="rId14" cstate="hqprint">
+            <a:extLst>
+              <a:ext uri="{28A0092B-C50C-407E-A947-70E740481C1C}">
+                <a14:useLocalDpi xmlns:a14="http://schemas.microsoft.com/office/drawing/2010/main"/>
+              </a:ext>
+            </a:extLst>
+          </a:blip>
+          <a:stretch>
+            <a:fillRect/>
+          </a:stretch>
+        </p:blipFill>
+        <p:spPr bwMode="auto">
+          <a:xfrm rot="0">
+            <a:off x="7379335" y="1986915"/>
+            <a:ext cx="338455" cy="429260"/>
+          </a:xfrm>
+          <a:prstGeom prst="rect"/>
+          <a:noFill/>
+        </p:spPr>
+      </p:pic>
+      <p:pic>
+        <p:nvPicPr>
+          <p:cNvPr id="1067" name="그림 27" descr="C:/Users/MZC/AppData/Roaming/PolarisOffice/ETemp/2836_7390680/image38.png"/>
+          <p:cNvPicPr>
+            <a:picLocks noChangeAspect="1"/>
+          </p:cNvPicPr>
+          <p:nvPr/>
+        </p:nvPicPr>
+        <p:blipFill rotWithShape="1">
+          <a:blip r:embed="rId9" cstate="hqprint">
+            <a:extLst>
+              <a:ext uri="{28A0092B-C50C-407E-A947-70E740481C1C}">
+                <a14:useLocalDpi xmlns:a14="http://schemas.microsoft.com/office/drawing/2010/main"/>
+              </a:ext>
+            </a:extLst>
+          </a:blip>
+          <a:stretch>
+            <a:fillRect/>
+          </a:stretch>
+        </p:blipFill>
+        <p:spPr bwMode="auto">
+          <a:xfrm rot="0">
+            <a:off x="7597775" y="1345565"/>
+            <a:ext cx="574675" cy="395605"/>
+          </a:xfrm>
+          <a:prstGeom prst="rect"/>
+          <a:noFill/>
+        </p:spPr>
+      </p:pic>
+      <p:sp>
+        <p:nvSpPr>
+          <p:cNvPr id="1068" name="도형 28"/>
+          <p:cNvSpPr>
+            <a:spLocks/>
+          </p:cNvSpPr>
+          <p:nvPr/>
+        </p:nvSpPr>
+        <p:spPr>
+          <a:xfrm rot="0">
+            <a:off x="8272145" y="1574800"/>
+            <a:ext cx="612775" cy="532130"/>
+          </a:xfrm>
+          <a:prstGeom prst="roundRect"/>
+          <a:solidFill>
+            <a:schemeClr val="accent3">
+              <a:lumMod val="20000"/>
+              <a:lumOff val="80000"/>
+            </a:schemeClr>
+          </a:solidFill>
+          <a:ln w="12700" cap="flat" cmpd="sng">
+            <a:solidFill>
+              <a:srgbClr val="2F528F">
+                <a:alpha val="100000"/>
+              </a:srgbClr>
+            </a:solidFill>
+            <a:prstDash val="lgDashDotDot"/>
+          </a:ln>
+        </p:spPr>
+        <p:style>
+          <a:lnRef idx="2">
+            <a:schemeClr val="accent1">
+              <a:shade val="50000"/>
+            </a:schemeClr>
+          </a:lnRef>
+          <a:fillRef idx="1">
+            <a:schemeClr val="accent1"/>
+          </a:fillRef>
+          <a:effectRef idx="0">
+            <a:schemeClr val="accent1"/>
+          </a:effectRef>
+          <a:fontRef idx="minor">
+            <a:schemeClr val="lt1"/>
+          </a:fontRef>
+        </p:style>
+        <p:txBody>
+          <a:bodyPr wrap="square" lIns="91440" tIns="45720" rIns="91440" bIns="45720" numCol="1" vert="horz" anchor="ctr">
+            <a:noAutofit/>
+          </a:bodyPr>
+          <a:lstStyle/>
+          <a:p>
+            <a:pPr marL="0" indent="0" algn="ctr" latinLnBrk="0">
+              <a:buFontTx/>
+              <a:buNone/>
+            </a:pPr>
+            <a:endParaRPr lang="ko-KR" altLang="en-US"/>
+          </a:p>
+        </p:txBody>
+      </p:sp>
+      <p:pic>
+        <p:nvPicPr>
+          <p:cNvPr id="1069" name="그림 29" descr="C:/Users/MZC/AppData/Roaming/PolarisOffice/ETemp/2836_7390680/image38.png"/>
+          <p:cNvPicPr>
+            <a:picLocks noChangeAspect="1"/>
+          </p:cNvPicPr>
+          <p:nvPr/>
+        </p:nvPicPr>
+        <p:blipFill rotWithShape="1">
+          <a:blip r:embed="rId9" cstate="hqprint">
+            <a:extLst>
+              <a:ext uri="{28A0092B-C50C-407E-A947-70E740481C1C}">
+                <a14:useLocalDpi xmlns:a14="http://schemas.microsoft.com/office/drawing/2010/main"/>
+              </a:ext>
+            </a:extLst>
+          </a:blip>
+          <a:stretch>
+            <a:fillRect/>
+          </a:stretch>
+        </p:blipFill>
+        <p:spPr bwMode="auto">
+          <a:xfrm rot="0">
+            <a:off x="8291195" y="1347470"/>
+            <a:ext cx="574675" cy="395605"/>
+          </a:xfrm>
+          <a:prstGeom prst="rect"/>
+          <a:noFill/>
+        </p:spPr>
+      </p:pic>
+      <p:pic>
+        <p:nvPicPr>
+          <p:cNvPr id="1070" name="그림 30" descr="C:/Users/MZC/AppData/Roaming/PolarisOffice/ETemp/2836_7390680/image43.png"/>
+          <p:cNvPicPr>
+            <a:picLocks noChangeAspect="1"/>
+          </p:cNvPicPr>
+          <p:nvPr/>
+        </p:nvPicPr>
+        <p:blipFill rotWithShape="1">
+          <a:blip r:embed="rId15" cstate="hqprint">
+            <a:extLst>
+              <a:ext uri="{28A0092B-C50C-407E-A947-70E740481C1C}">
+                <a14:useLocalDpi xmlns:a14="http://schemas.microsoft.com/office/drawing/2010/main"/>
+              </a:ext>
+            </a:extLst>
+          </a:blip>
+          <a:stretch>
+            <a:fillRect/>
+          </a:stretch>
+        </p:blipFill>
+        <p:spPr bwMode="auto">
+          <a:xfrm rot="0">
+            <a:off x="7675245" y="1718310"/>
+            <a:ext cx="381635" cy="274320"/>
+          </a:xfrm>
+          <a:prstGeom prst="rect"/>
+          <a:noFill/>
+        </p:spPr>
+      </p:pic>
+      <p:pic>
+        <p:nvPicPr>
+          <p:cNvPr id="1071" name="그림 31" descr="C:/Users/MZC/AppData/Roaming/PolarisOffice/ETemp/2836_7390680/image44.png"/>
+          <p:cNvPicPr>
+            <a:picLocks noChangeAspect="1"/>
+          </p:cNvPicPr>
+          <p:nvPr/>
+        </p:nvPicPr>
+        <p:blipFill rotWithShape="1">
+          <a:blip r:embed="rId16" cstate="hqprint">
+            <a:extLst>
+              <a:ext uri="{28A0092B-C50C-407E-A947-70E740481C1C}">
+                <a14:useLocalDpi xmlns:a14="http://schemas.microsoft.com/office/drawing/2010/main"/>
+              </a:ext>
+            </a:extLst>
+          </a:blip>
+          <a:stretch>
+            <a:fillRect/>
+          </a:stretch>
+        </p:blipFill>
+        <p:spPr bwMode="auto">
+          <a:xfrm rot="0">
+            <a:off x="8436610" y="1674495"/>
+            <a:ext cx="283210" cy="400685"/>
+          </a:xfrm>
+          <a:prstGeom prst="rect"/>
+          <a:noFill/>
+        </p:spPr>
+      </p:pic>
+      <p:cxnSp>
+        <p:nvCxnSpPr>
+          <p:cNvPr id="1072" name="도형 32"/>
+          <p:cNvCxnSpPr/>
+          <p:nvPr/>
+        </p:nvCxnSpPr>
+        <p:spPr>
+          <a:xfrm rot="0" flipH="1" flipV="1">
+            <a:off x="8190865" y="1838960"/>
+            <a:ext cx="81915" cy="1905"/>
+          </a:xfrm>
+          <a:prstGeom prst="straightConnector1"/>
+          <a:ln w="6350" cap="flat" cmpd="sng">
+            <a:solidFill>
+              <a:schemeClr val="accent1">
+                <a:alpha val="100000"/>
+              </a:schemeClr>
+            </a:solidFill>
+            <a:prstDash val="solid"/>
+          </a:ln>
+        </p:spPr>
+        <p:style>
+          <a:lnRef idx="1">
+            <a:schemeClr val="accent1"/>
+          </a:lnRef>
+          <a:fillRef idx="0">
+            <a:schemeClr val="accent1"/>
+          </a:fillRef>
+          <a:effectRef idx="0">
+            <a:schemeClr val="accent1"/>
+          </a:effectRef>
+          <a:fontRef idx="minor">
+            <a:schemeClr val="tx1"/>
+          </a:fontRef>
+        </p:style>
+      </p:cxnSp>
+      <p:sp>
+        <p:nvSpPr>
+          <p:cNvPr id="1073" name="텍스트 상자 33"/>
+          <p:cNvSpPr txBox="1">
+            <a:spLocks/>
+          </p:cNvSpPr>
+          <p:nvPr/>
+        </p:nvSpPr>
+        <p:spPr>
+          <a:xfrm rot="0">
+            <a:off x="8465185" y="1177925"/>
+            <a:ext cx="384175" cy="184150"/>
+          </a:xfrm>
+          <a:prstGeom prst="rect"/>
+          <a:noFill/>
+        </p:spPr>
+        <p:txBody>
+          <a:bodyPr wrap="square" lIns="91440" tIns="45720" rIns="91440" bIns="45720" numCol="1" vert="horz" anchor="t">
+            <a:spAutoFit/>
+          </a:bodyPr>
+          <a:lstStyle/>
+          <a:p>
+            <a:pPr marL="0" indent="0" algn="l" latinLnBrk="0">
+              <a:buFontTx/>
+              <a:buNone/>
+            </a:pPr>
+            <a:r>
+              <a:rPr lang="en-US" altLang="ko-KR" sz="600" b="1">
+                <a:latin typeface="Arial" charset="0"/>
+                <a:cs typeface="Arial" charset="0"/>
+              </a:rPr>
+              <a:t>TEST</a:t>
+            </a:r>
+            <a:endParaRPr lang="ko-KR" altLang="en-US" sz="600">
+              <a:latin typeface="Arial" charset="0"/>
+              <a:cs typeface="Arial" charset="0"/>
+            </a:endParaRPr>
+          </a:p>
+        </p:txBody>
+      </p:sp>
+      <p:sp>
+        <p:nvSpPr>
+          <p:cNvPr id="1074" name="도형 35"/>
+          <p:cNvSpPr>
+            <a:spLocks/>
+          </p:cNvSpPr>
+          <p:nvPr/>
+        </p:nvSpPr>
+        <p:spPr>
+          <a:xfrm rot="16200000">
+            <a:off x="7338060" y="2637155"/>
+            <a:ext cx="445770" cy="46990"/>
+          </a:xfrm>
+          <a:prstGeom prst="rightArrow"/>
+          <a:solidFill>
+            <a:schemeClr val="accent4"/>
+          </a:solidFill>
+          <a:ln w="12700" cap="flat" cmpd="sng">
+            <a:solidFill>
+              <a:schemeClr val="accent4">
+                <a:alpha val="100000"/>
+              </a:schemeClr>
+            </a:solidFill>
+            <a:prstDash val="solid"/>
+          </a:ln>
+        </p:spPr>
+        <p:style>
+          <a:lnRef idx="2">
+            <a:schemeClr val="accent1">
+              <a:shade val="50000"/>
+            </a:schemeClr>
+          </a:lnRef>
+          <a:fillRef idx="1">
+            <a:schemeClr val="accent1"/>
+          </a:fillRef>
+          <a:effectRef idx="0">
+            <a:schemeClr val="accent1"/>
+          </a:effectRef>
+          <a:fontRef idx="minor">
+            <a:schemeClr val="lt1"/>
+          </a:fontRef>
+        </p:style>
+        <p:txBody>
+          <a:bodyPr wrap="square" lIns="91440" tIns="45720" rIns="91440" bIns="45720" numCol="1" vert="horz" anchor="ctr">
+            <a:noAutofit/>
+          </a:bodyPr>
+          <a:lstStyle/>
+          <a:p>
+            <a:pPr marL="0" indent="0" algn="ctr" latinLnBrk="0">
+              <a:buFontTx/>
+              <a:buNone/>
+            </a:pPr>
+            <a:endParaRPr lang="ko-KR" altLang="en-US"/>
+          </a:p>
+        </p:txBody>
+      </p:sp>
+    </p:spTree>
+  </p:cSld>
+  <p:clrMapOvr>
+    <a:masterClrMapping/>
+  </p:clrMapOvr>
+  <mc:AlternateContent xmlns:mc="http://schemas.openxmlformats.org/markup-compatibility/2006">
+    <mc:Choice xmlns:p14="http://schemas.microsoft.com/office/powerpoint/2010/main" Requires="p14">
+      <p:transition spd="slow" p14:dur="2000"/>
+    </mc:Choice>
+    <mc:Fallback>
+      <p:transition spd="slow"/>
+    </mc:Fallback>
+  </mc:AlternateContent>
+  <p:timing>
+    <p:tnLst>
+      <p:par>
+        <p:cTn id="1" dur="indefinite" restart="never" nodeType="tmRoot"/>
+      </p:par>
+    </p:tnLst>
+  </p:timing>
 </p:sld>
 </file>
 
